--- a/Fig2-ANI-example.pptx
+++ b/Fig2-ANI-example.pptx
@@ -1,20 +1,132 @@
 
 <file path=ppt/presentation.xml><?xml version="1.0" encoding="utf-8"?>
-<p:presentation xmlns:a="http://schemas.openxmlformats.org/drawingml/2006/main" xmlns:p="http://schemas.openxmlformats.org/presentationml/2006/main" xmlns:r="http://schemas.openxmlformats.org/officeDocument/2006/relationships" xmlns:p14="http://schemas.microsoft.com/office/powerpoint/2010/main" xmlns:p15="http://schemas.microsoft.com/office/powerpoint/2012/main" xmlns:mc="http://schemas.openxmlformats.org/markup-compatibility/2006">
+<p:presentation xmlns:a="http://schemas.openxmlformats.org/drawingml/2006/main" xmlns:r="http://schemas.openxmlformats.org/officeDocument/2006/relationships" xmlns:p="http://schemas.openxmlformats.org/presentationml/2006/main" saveSubsetFonts="1">
   <p:sldMasterIdLst>
-    <p:sldMasterId id="2147483648" r:id="rId2"/>
-    <p:sldMasterId id="2147483661" r:id="rId3"/>
+    <p:sldMasterId id="2147483648" r:id="rId1"/>
+    <p:sldMasterId id="2147483661" r:id="rId2"/>
   </p:sldMasterIdLst>
   <p:sldIdLst>
-    <p:sldId id="256" r:id="rId4"/>
+    <p:sldId id="256" r:id="rId3"/>
+    <p:sldId id="257" r:id="rId4"/>
   </p:sldIdLst>
-  <p:sldSz cx="7772400" cy="4379912"/>
+  <p:sldSz cx="7772400" cy="4379913"/>
   <p:notesSz cx="7772400" cy="10058400"/>
+  <p:defaultTextStyle>
+    <a:defPPr>
+      <a:defRPr lang="en-US"/>
+    </a:defPPr>
+    <a:lvl1pPr marL="0" algn="l" defTabSz="914400" rtl="0" eaLnBrk="1" latinLnBrk="0" hangingPunct="1">
+      <a:defRPr sz="1800" kern="1200">
+        <a:solidFill>
+          <a:schemeClr val="tx1"/>
+        </a:solidFill>
+        <a:latin typeface="+mn-lt"/>
+        <a:ea typeface="+mn-ea"/>
+        <a:cs typeface="+mn-cs"/>
+      </a:defRPr>
+    </a:lvl1pPr>
+    <a:lvl2pPr marL="457200" algn="l" defTabSz="914400" rtl="0" eaLnBrk="1" latinLnBrk="0" hangingPunct="1">
+      <a:defRPr sz="1800" kern="1200">
+        <a:solidFill>
+          <a:schemeClr val="tx1"/>
+        </a:solidFill>
+        <a:latin typeface="+mn-lt"/>
+        <a:ea typeface="+mn-ea"/>
+        <a:cs typeface="+mn-cs"/>
+      </a:defRPr>
+    </a:lvl2pPr>
+    <a:lvl3pPr marL="914400" algn="l" defTabSz="914400" rtl="0" eaLnBrk="1" latinLnBrk="0" hangingPunct="1">
+      <a:defRPr sz="1800" kern="1200">
+        <a:solidFill>
+          <a:schemeClr val="tx1"/>
+        </a:solidFill>
+        <a:latin typeface="+mn-lt"/>
+        <a:ea typeface="+mn-ea"/>
+        <a:cs typeface="+mn-cs"/>
+      </a:defRPr>
+    </a:lvl3pPr>
+    <a:lvl4pPr marL="1371600" algn="l" defTabSz="914400" rtl="0" eaLnBrk="1" latinLnBrk="0" hangingPunct="1">
+      <a:defRPr sz="1800" kern="1200">
+        <a:solidFill>
+          <a:schemeClr val="tx1"/>
+        </a:solidFill>
+        <a:latin typeface="+mn-lt"/>
+        <a:ea typeface="+mn-ea"/>
+        <a:cs typeface="+mn-cs"/>
+      </a:defRPr>
+    </a:lvl4pPr>
+    <a:lvl5pPr marL="1828800" algn="l" defTabSz="914400" rtl="0" eaLnBrk="1" latinLnBrk="0" hangingPunct="1">
+      <a:defRPr sz="1800" kern="1200">
+        <a:solidFill>
+          <a:schemeClr val="tx1"/>
+        </a:solidFill>
+        <a:latin typeface="+mn-lt"/>
+        <a:ea typeface="+mn-ea"/>
+        <a:cs typeface="+mn-cs"/>
+      </a:defRPr>
+    </a:lvl5pPr>
+    <a:lvl6pPr marL="2286000" algn="l" defTabSz="914400" rtl="0" eaLnBrk="1" latinLnBrk="0" hangingPunct="1">
+      <a:defRPr sz="1800" kern="1200">
+        <a:solidFill>
+          <a:schemeClr val="tx1"/>
+        </a:solidFill>
+        <a:latin typeface="+mn-lt"/>
+        <a:ea typeface="+mn-ea"/>
+        <a:cs typeface="+mn-cs"/>
+      </a:defRPr>
+    </a:lvl6pPr>
+    <a:lvl7pPr marL="2743200" algn="l" defTabSz="914400" rtl="0" eaLnBrk="1" latinLnBrk="0" hangingPunct="1">
+      <a:defRPr sz="1800" kern="1200">
+        <a:solidFill>
+          <a:schemeClr val="tx1"/>
+        </a:solidFill>
+        <a:latin typeface="+mn-lt"/>
+        <a:ea typeface="+mn-ea"/>
+        <a:cs typeface="+mn-cs"/>
+      </a:defRPr>
+    </a:lvl7pPr>
+    <a:lvl8pPr marL="3200400" algn="l" defTabSz="914400" rtl="0" eaLnBrk="1" latinLnBrk="0" hangingPunct="1">
+      <a:defRPr sz="1800" kern="1200">
+        <a:solidFill>
+          <a:schemeClr val="tx1"/>
+        </a:solidFill>
+        <a:latin typeface="+mn-lt"/>
+        <a:ea typeface="+mn-ea"/>
+        <a:cs typeface="+mn-cs"/>
+      </a:defRPr>
+    </a:lvl8pPr>
+    <a:lvl9pPr marL="3657600" algn="l" defTabSz="914400" rtl="0" eaLnBrk="1" latinLnBrk="0" hangingPunct="1">
+      <a:defRPr sz="1800" kern="1200">
+        <a:solidFill>
+          <a:schemeClr val="tx1"/>
+        </a:solidFill>
+        <a:latin typeface="+mn-lt"/>
+        <a:ea typeface="+mn-ea"/>
+        <a:cs typeface="+mn-cs"/>
+      </a:defRPr>
+    </a:lvl9pPr>
+  </p:defaultTextStyle>
+  <p:extLst>
+    <p:ext uri="{EFAFB233-063F-42B5-8137-9DF3F51BA10A}">
+      <p15:sldGuideLst xmlns:p15="http://schemas.microsoft.com/office/powerpoint/2012/main">
+        <p15:guide id="1" orient="horz" pos="2740" userDrawn="1">
+          <p15:clr>
+            <a:srgbClr val="A4A3A4"/>
+          </p15:clr>
+        </p15:guide>
+        <p15:guide id="2" pos="4875" userDrawn="1">
+          <p15:clr>
+            <a:srgbClr val="A4A3A4"/>
+          </p15:clr>
+        </p15:guide>
+      </p15:sldGuideLst>
+    </p:ext>
+  </p:extLst>
 </p:presentation>
 </file>
 
 <file path=ppt/slideLayouts/slideLayout1.xml><?xml version="1.0" encoding="utf-8"?>
-<p:sldLayout xmlns:a="http://schemas.openxmlformats.org/drawingml/2006/main" xmlns:p="http://schemas.openxmlformats.org/presentationml/2006/main" xmlns:r="http://schemas.openxmlformats.org/officeDocument/2006/relationships" xmlns:p14="http://schemas.microsoft.com/office/powerpoint/2010/main" xmlns:p15="http://schemas.microsoft.com/office/powerpoint/2012/main" xmlns:mc="http://schemas.openxmlformats.org/markup-compatibility/2006" type="blank" preserve="1">
+<p:sldLayout xmlns:a="http://schemas.openxmlformats.org/drawingml/2006/main" xmlns:r="http://schemas.openxmlformats.org/officeDocument/2006/relationships" xmlns:p="http://schemas.openxmlformats.org/presentationml/2006/main" type="blank" preserve="1">
   <p:cSld name="Blank Slide">
     <p:spTree>
       <p:nvGrpSpPr>
@@ -32,11 +144,14 @@
       </p:grpSpPr>
     </p:spTree>
   </p:cSld>
+  <p:clrMapOvr>
+    <a:masterClrMapping/>
+  </p:clrMapOvr>
 </p:sldLayout>
 </file>
 
 <file path=ppt/slideLayouts/slideLayout10.xml><?xml version="1.0" encoding="utf-8"?>
-<p:sldLayout xmlns:a="http://schemas.openxmlformats.org/drawingml/2006/main" xmlns:p="http://schemas.openxmlformats.org/presentationml/2006/main" xmlns:r="http://schemas.openxmlformats.org/officeDocument/2006/relationships" xmlns:p14="http://schemas.microsoft.com/office/powerpoint/2010/main" xmlns:p15="http://schemas.microsoft.com/office/powerpoint/2012/main" xmlns:mc="http://schemas.openxmlformats.org/markup-compatibility/2006" type="objOverTx" preserve="1">
+<p:sldLayout xmlns:a="http://schemas.openxmlformats.org/drawingml/2006/main" xmlns:r="http://schemas.openxmlformats.org/officeDocument/2006/relationships" xmlns:p="http://schemas.openxmlformats.org/presentationml/2006/main" type="objOverTx" preserve="1">
   <p:cSld name="Title, Content over Content">
     <p:spTree>
       <p:nvGrpSpPr>
@@ -72,11 +187,12 @@
           </a:prstGeom>
         </p:spPr>
         <p:txBody>
-          <a:bodyPr lIns="0" rIns="0" tIns="0" bIns="0" anchor="ctr">
+          <a:bodyPr lIns="0" tIns="0" rIns="0" bIns="0" anchor="ctr">
             <a:noAutofit/>
           </a:bodyPr>
-          <a:p>
-            <a:endParaRPr b="0" lang="en-US" sz="1150" spc="-1" strike="noStrike">
+          <a:lstStyle/>
+          <a:p>
+            <a:endParaRPr lang="en-US" sz="1150" b="0" strike="noStrike" spc="-1">
               <a:solidFill>
                 <a:srgbClr val="000000"/>
               </a:solidFill>
@@ -105,11 +221,12 @@
           </a:prstGeom>
         </p:spPr>
         <p:txBody>
-          <a:bodyPr lIns="0" rIns="0" tIns="0" bIns="0">
+          <a:bodyPr lIns="0" tIns="0" rIns="0" bIns="0">
             <a:normAutofit/>
           </a:bodyPr>
-          <a:p>
-            <a:endParaRPr b="0" lang="en-US" sz="1790" spc="-1" strike="noStrike">
+          <a:lstStyle/>
+          <a:p>
+            <a:endParaRPr lang="en-US" sz="1790" b="0" strike="noStrike" spc="-1">
               <a:solidFill>
                 <a:srgbClr val="000000"/>
               </a:solidFill>
@@ -138,11 +255,12 @@
           </a:prstGeom>
         </p:spPr>
         <p:txBody>
-          <a:bodyPr lIns="0" rIns="0" tIns="0" bIns="0">
+          <a:bodyPr lIns="0" tIns="0" rIns="0" bIns="0">
             <a:normAutofit/>
           </a:bodyPr>
-          <a:p>
-            <a:endParaRPr b="0" lang="en-US" sz="1790" spc="-1" strike="noStrike">
+          <a:lstStyle/>
+          <a:p>
+            <a:endParaRPr lang="en-US" sz="1790" b="0" strike="noStrike" spc="-1">
               <a:solidFill>
                 <a:srgbClr val="000000"/>
               </a:solidFill>
@@ -153,11 +271,14 @@
       </p:sp>
     </p:spTree>
   </p:cSld>
+  <p:clrMapOvr>
+    <a:masterClrMapping/>
+  </p:clrMapOvr>
 </p:sldLayout>
 </file>
 
 <file path=ppt/slideLayouts/slideLayout11.xml><?xml version="1.0" encoding="utf-8"?>
-<p:sldLayout xmlns:a="http://schemas.openxmlformats.org/drawingml/2006/main" xmlns:p="http://schemas.openxmlformats.org/presentationml/2006/main" xmlns:r="http://schemas.openxmlformats.org/officeDocument/2006/relationships" xmlns:p14="http://schemas.microsoft.com/office/powerpoint/2010/main" xmlns:p15="http://schemas.microsoft.com/office/powerpoint/2012/main" xmlns:mc="http://schemas.openxmlformats.org/markup-compatibility/2006" type="fourObj" preserve="1">
+<p:sldLayout xmlns:a="http://schemas.openxmlformats.org/drawingml/2006/main" xmlns:r="http://schemas.openxmlformats.org/officeDocument/2006/relationships" xmlns:p="http://schemas.openxmlformats.org/presentationml/2006/main" type="fourObj" preserve="1">
   <p:cSld name="Title, 4 Content">
     <p:spTree>
       <p:nvGrpSpPr>
@@ -193,11 +314,12 @@
           </a:prstGeom>
         </p:spPr>
         <p:txBody>
-          <a:bodyPr lIns="0" rIns="0" tIns="0" bIns="0" anchor="ctr">
+          <a:bodyPr lIns="0" tIns="0" rIns="0" bIns="0" anchor="ctr">
             <a:noAutofit/>
           </a:bodyPr>
-          <a:p>
-            <a:endParaRPr b="0" lang="en-US" sz="1150" spc="-1" strike="noStrike">
+          <a:lstStyle/>
+          <a:p>
+            <a:endParaRPr lang="en-US" sz="1150" b="0" strike="noStrike" spc="-1">
               <a:solidFill>
                 <a:srgbClr val="000000"/>
               </a:solidFill>
@@ -226,11 +348,12 @@
           </a:prstGeom>
         </p:spPr>
         <p:txBody>
-          <a:bodyPr lIns="0" rIns="0" tIns="0" bIns="0">
+          <a:bodyPr lIns="0" tIns="0" rIns="0" bIns="0">
             <a:normAutofit/>
           </a:bodyPr>
-          <a:p>
-            <a:endParaRPr b="0" lang="en-US" sz="1790" spc="-1" strike="noStrike">
+          <a:lstStyle/>
+          <a:p>
+            <a:endParaRPr lang="en-US" sz="1790" b="0" strike="noStrike" spc="-1">
               <a:solidFill>
                 <a:srgbClr val="000000"/>
               </a:solidFill>
@@ -259,11 +382,12 @@
           </a:prstGeom>
         </p:spPr>
         <p:txBody>
-          <a:bodyPr lIns="0" rIns="0" tIns="0" bIns="0">
+          <a:bodyPr lIns="0" tIns="0" rIns="0" bIns="0">
             <a:normAutofit/>
           </a:bodyPr>
-          <a:p>
-            <a:endParaRPr b="0" lang="en-US" sz="1790" spc="-1" strike="noStrike">
+          <a:lstStyle/>
+          <a:p>
+            <a:endParaRPr lang="en-US" sz="1790" b="0" strike="noStrike" spc="-1">
               <a:solidFill>
                 <a:srgbClr val="000000"/>
               </a:solidFill>
@@ -292,11 +416,12 @@
           </a:prstGeom>
         </p:spPr>
         <p:txBody>
-          <a:bodyPr lIns="0" rIns="0" tIns="0" bIns="0">
+          <a:bodyPr lIns="0" tIns="0" rIns="0" bIns="0">
             <a:normAutofit/>
           </a:bodyPr>
-          <a:p>
-            <a:endParaRPr b="0" lang="en-US" sz="1790" spc="-1" strike="noStrike">
+          <a:lstStyle/>
+          <a:p>
+            <a:endParaRPr lang="en-US" sz="1790" b="0" strike="noStrike" spc="-1">
               <a:solidFill>
                 <a:srgbClr val="000000"/>
               </a:solidFill>
@@ -325,11 +450,12 @@
           </a:prstGeom>
         </p:spPr>
         <p:txBody>
-          <a:bodyPr lIns="0" rIns="0" tIns="0" bIns="0">
+          <a:bodyPr lIns="0" tIns="0" rIns="0" bIns="0">
             <a:normAutofit/>
           </a:bodyPr>
-          <a:p>
-            <a:endParaRPr b="0" lang="en-US" sz="1790" spc="-1" strike="noStrike">
+          <a:lstStyle/>
+          <a:p>
+            <a:endParaRPr lang="en-US" sz="1790" b="0" strike="noStrike" spc="-1">
               <a:solidFill>
                 <a:srgbClr val="000000"/>
               </a:solidFill>
@@ -340,11 +466,14 @@
       </p:sp>
     </p:spTree>
   </p:cSld>
+  <p:clrMapOvr>
+    <a:masterClrMapping/>
+  </p:clrMapOvr>
 </p:sldLayout>
 </file>
 
 <file path=ppt/slideLayouts/slideLayout12.xml><?xml version="1.0" encoding="utf-8"?>
-<p:sldLayout xmlns:a="http://schemas.openxmlformats.org/drawingml/2006/main" xmlns:p="http://schemas.openxmlformats.org/presentationml/2006/main" xmlns:r="http://schemas.openxmlformats.org/officeDocument/2006/relationships" xmlns:p14="http://schemas.microsoft.com/office/powerpoint/2010/main" xmlns:p15="http://schemas.microsoft.com/office/powerpoint/2012/main" xmlns:mc="http://schemas.openxmlformats.org/markup-compatibility/2006" type="blank" preserve="1">
+<p:sldLayout xmlns:a="http://schemas.openxmlformats.org/drawingml/2006/main" xmlns:r="http://schemas.openxmlformats.org/officeDocument/2006/relationships" xmlns:p="http://schemas.openxmlformats.org/presentationml/2006/main" type="blank" preserve="1">
   <p:cSld name="Title, 6 Content">
     <p:spTree>
       <p:nvGrpSpPr>
@@ -380,11 +509,12 @@
           </a:prstGeom>
         </p:spPr>
         <p:txBody>
-          <a:bodyPr lIns="0" rIns="0" tIns="0" bIns="0" anchor="ctr">
+          <a:bodyPr lIns="0" tIns="0" rIns="0" bIns="0" anchor="ctr">
             <a:noAutofit/>
           </a:bodyPr>
-          <a:p>
-            <a:endParaRPr b="0" lang="en-US" sz="1150" spc="-1" strike="noStrike">
+          <a:lstStyle/>
+          <a:p>
+            <a:endParaRPr lang="en-US" sz="1150" b="0" strike="noStrike" spc="-1">
               <a:solidFill>
                 <a:srgbClr val="000000"/>
               </a:solidFill>
@@ -413,11 +543,12 @@
           </a:prstGeom>
         </p:spPr>
         <p:txBody>
-          <a:bodyPr lIns="0" rIns="0" tIns="0" bIns="0">
+          <a:bodyPr lIns="0" tIns="0" rIns="0" bIns="0">
             <a:normAutofit/>
           </a:bodyPr>
-          <a:p>
-            <a:endParaRPr b="0" lang="en-US" sz="1790" spc="-1" strike="noStrike">
+          <a:lstStyle/>
+          <a:p>
+            <a:endParaRPr lang="en-US" sz="1790" b="0" strike="noStrike" spc="-1">
               <a:solidFill>
                 <a:srgbClr val="000000"/>
               </a:solidFill>
@@ -446,11 +577,12 @@
           </a:prstGeom>
         </p:spPr>
         <p:txBody>
-          <a:bodyPr lIns="0" rIns="0" tIns="0" bIns="0">
+          <a:bodyPr lIns="0" tIns="0" rIns="0" bIns="0">
             <a:normAutofit/>
           </a:bodyPr>
-          <a:p>
-            <a:endParaRPr b="0" lang="en-US" sz="1790" spc="-1" strike="noStrike">
+          <a:lstStyle/>
+          <a:p>
+            <a:endParaRPr lang="en-US" sz="1790" b="0" strike="noStrike" spc="-1">
               <a:solidFill>
                 <a:srgbClr val="000000"/>
               </a:solidFill>
@@ -479,11 +611,12 @@
           </a:prstGeom>
         </p:spPr>
         <p:txBody>
-          <a:bodyPr lIns="0" rIns="0" tIns="0" bIns="0">
+          <a:bodyPr lIns="0" tIns="0" rIns="0" bIns="0">
             <a:normAutofit/>
           </a:bodyPr>
-          <a:p>
-            <a:endParaRPr b="0" lang="en-US" sz="1790" spc="-1" strike="noStrike">
+          <a:lstStyle/>
+          <a:p>
+            <a:endParaRPr lang="en-US" sz="1790" b="0" strike="noStrike" spc="-1">
               <a:solidFill>
                 <a:srgbClr val="000000"/>
               </a:solidFill>
@@ -512,11 +645,12 @@
           </a:prstGeom>
         </p:spPr>
         <p:txBody>
-          <a:bodyPr lIns="0" rIns="0" tIns="0" bIns="0">
+          <a:bodyPr lIns="0" tIns="0" rIns="0" bIns="0">
             <a:normAutofit/>
           </a:bodyPr>
-          <a:p>
-            <a:endParaRPr b="0" lang="en-US" sz="1790" spc="-1" strike="noStrike">
+          <a:lstStyle/>
+          <a:p>
+            <a:endParaRPr lang="en-US" sz="1790" b="0" strike="noStrike" spc="-1">
               <a:solidFill>
                 <a:srgbClr val="000000"/>
               </a:solidFill>
@@ -545,11 +679,12 @@
           </a:prstGeom>
         </p:spPr>
         <p:txBody>
-          <a:bodyPr lIns="0" rIns="0" tIns="0" bIns="0">
+          <a:bodyPr lIns="0" tIns="0" rIns="0" bIns="0">
             <a:normAutofit/>
           </a:bodyPr>
-          <a:p>
-            <a:endParaRPr b="0" lang="en-US" sz="1790" spc="-1" strike="noStrike">
+          <a:lstStyle/>
+          <a:p>
+            <a:endParaRPr lang="en-US" sz="1790" b="0" strike="noStrike" spc="-1">
               <a:solidFill>
                 <a:srgbClr val="000000"/>
               </a:solidFill>
@@ -578,11 +713,12 @@
           </a:prstGeom>
         </p:spPr>
         <p:txBody>
-          <a:bodyPr lIns="0" rIns="0" tIns="0" bIns="0">
+          <a:bodyPr lIns="0" tIns="0" rIns="0" bIns="0">
             <a:normAutofit/>
           </a:bodyPr>
-          <a:p>
-            <a:endParaRPr b="0" lang="en-US" sz="1790" spc="-1" strike="noStrike">
+          <a:lstStyle/>
+          <a:p>
+            <a:endParaRPr lang="en-US" sz="1790" b="0" strike="noStrike" spc="-1">
               <a:solidFill>
                 <a:srgbClr val="000000"/>
               </a:solidFill>
@@ -593,11 +729,14 @@
       </p:sp>
     </p:spTree>
   </p:cSld>
+  <p:clrMapOvr>
+    <a:masterClrMapping/>
+  </p:clrMapOvr>
 </p:sldLayout>
 </file>
 
 <file path=ppt/slideLayouts/slideLayout13.xml><?xml version="1.0" encoding="utf-8"?>
-<p:sldLayout xmlns:a="http://schemas.openxmlformats.org/drawingml/2006/main" xmlns:p="http://schemas.openxmlformats.org/presentationml/2006/main" xmlns:r="http://schemas.openxmlformats.org/officeDocument/2006/relationships" xmlns:p14="http://schemas.microsoft.com/office/powerpoint/2010/main" xmlns:p15="http://schemas.microsoft.com/office/powerpoint/2012/main" xmlns:mc="http://schemas.openxmlformats.org/markup-compatibility/2006" type="blank" preserve="1">
+<p:sldLayout xmlns:a="http://schemas.openxmlformats.org/drawingml/2006/main" xmlns:r="http://schemas.openxmlformats.org/officeDocument/2006/relationships" xmlns:p="http://schemas.openxmlformats.org/presentationml/2006/main" type="blank" preserve="1">
   <p:cSld name="Blank Slide">
     <p:spTree>
       <p:nvGrpSpPr>
@@ -615,11 +754,14 @@
       </p:grpSpPr>
     </p:spTree>
   </p:cSld>
+  <p:clrMapOvr>
+    <a:masterClrMapping/>
+  </p:clrMapOvr>
 </p:sldLayout>
 </file>
 
 <file path=ppt/slideLayouts/slideLayout14.xml><?xml version="1.0" encoding="utf-8"?>
-<p:sldLayout xmlns:a="http://schemas.openxmlformats.org/drawingml/2006/main" xmlns:p="http://schemas.openxmlformats.org/presentationml/2006/main" xmlns:r="http://schemas.openxmlformats.org/officeDocument/2006/relationships" xmlns:p14="http://schemas.microsoft.com/office/powerpoint/2010/main" xmlns:p15="http://schemas.microsoft.com/office/powerpoint/2012/main" xmlns:mc="http://schemas.openxmlformats.org/markup-compatibility/2006" type="tx" preserve="1">
+<p:sldLayout xmlns:a="http://schemas.openxmlformats.org/drawingml/2006/main" xmlns:r="http://schemas.openxmlformats.org/officeDocument/2006/relationships" xmlns:p="http://schemas.openxmlformats.org/presentationml/2006/main" type="tx" preserve="1">
   <p:cSld name="Title Slide">
     <p:spTree>
       <p:nvGrpSpPr>
@@ -655,11 +797,12 @@
           </a:prstGeom>
         </p:spPr>
         <p:txBody>
-          <a:bodyPr lIns="0" rIns="0" tIns="0" bIns="0" anchor="ctr">
+          <a:bodyPr lIns="0" tIns="0" rIns="0" bIns="0" anchor="ctr">
             <a:noAutofit/>
           </a:bodyPr>
-          <a:p>
-            <a:endParaRPr b="0" lang="en-US" sz="1150" spc="-1" strike="noStrike">
+          <a:lstStyle/>
+          <a:p>
+            <a:endParaRPr lang="en-US" sz="1150" b="0" strike="noStrike" spc="-1">
               <a:solidFill>
                 <a:srgbClr val="000000"/>
               </a:solidFill>
@@ -688,12 +831,13 @@
           </a:prstGeom>
         </p:spPr>
         <p:txBody>
-          <a:bodyPr lIns="0" rIns="0" tIns="0" bIns="0" anchor="ctr">
+          <a:bodyPr lIns="0" tIns="0" rIns="0" bIns="0" anchor="ctr">
             <a:noAutofit/>
           </a:bodyPr>
+          <a:lstStyle/>
           <a:p>
             <a:pPr algn="ctr"/>
-            <a:endParaRPr b="0" lang="en-US" sz="3200" spc="-1" strike="noStrike">
+            <a:endParaRPr lang="en-US" sz="3200" b="0" strike="noStrike" spc="-1">
               <a:latin typeface="Arial"/>
             </a:endParaRPr>
           </a:p>
@@ -701,11 +845,14 @@
       </p:sp>
     </p:spTree>
   </p:cSld>
+  <p:clrMapOvr>
+    <a:masterClrMapping/>
+  </p:clrMapOvr>
 </p:sldLayout>
 </file>
 
 <file path=ppt/slideLayouts/slideLayout15.xml><?xml version="1.0" encoding="utf-8"?>
-<p:sldLayout xmlns:a="http://schemas.openxmlformats.org/drawingml/2006/main" xmlns:p="http://schemas.openxmlformats.org/presentationml/2006/main" xmlns:r="http://schemas.openxmlformats.org/officeDocument/2006/relationships" xmlns:p14="http://schemas.microsoft.com/office/powerpoint/2010/main" xmlns:p15="http://schemas.microsoft.com/office/powerpoint/2012/main" xmlns:mc="http://schemas.openxmlformats.org/markup-compatibility/2006" type="obj" preserve="1">
+<p:sldLayout xmlns:a="http://schemas.openxmlformats.org/drawingml/2006/main" xmlns:r="http://schemas.openxmlformats.org/officeDocument/2006/relationships" xmlns:p="http://schemas.openxmlformats.org/presentationml/2006/main" type="obj" preserve="1">
   <p:cSld name="Title, Content">
     <p:spTree>
       <p:nvGrpSpPr>
@@ -741,11 +888,12 @@
           </a:prstGeom>
         </p:spPr>
         <p:txBody>
-          <a:bodyPr lIns="0" rIns="0" tIns="0" bIns="0" anchor="ctr">
+          <a:bodyPr lIns="0" tIns="0" rIns="0" bIns="0" anchor="ctr">
             <a:noAutofit/>
           </a:bodyPr>
-          <a:p>
-            <a:endParaRPr b="0" lang="en-US" sz="1150" spc="-1" strike="noStrike">
+          <a:lstStyle/>
+          <a:p>
+            <a:endParaRPr lang="en-US" sz="1150" b="0" strike="noStrike" spc="-1">
               <a:solidFill>
                 <a:srgbClr val="000000"/>
               </a:solidFill>
@@ -774,11 +922,12 @@
           </a:prstGeom>
         </p:spPr>
         <p:txBody>
-          <a:bodyPr lIns="0" rIns="0" tIns="0" bIns="0">
+          <a:bodyPr lIns="0" tIns="0" rIns="0" bIns="0">
             <a:normAutofit/>
           </a:bodyPr>
-          <a:p>
-            <a:endParaRPr b="0" lang="en-US" sz="1790" spc="-1" strike="noStrike">
+          <a:lstStyle/>
+          <a:p>
+            <a:endParaRPr lang="en-US" sz="1790" b="0" strike="noStrike" spc="-1">
               <a:solidFill>
                 <a:srgbClr val="000000"/>
               </a:solidFill>
@@ -789,11 +938,14 @@
       </p:sp>
     </p:spTree>
   </p:cSld>
+  <p:clrMapOvr>
+    <a:masterClrMapping/>
+  </p:clrMapOvr>
 </p:sldLayout>
 </file>
 
 <file path=ppt/slideLayouts/slideLayout16.xml><?xml version="1.0" encoding="utf-8"?>
-<p:sldLayout xmlns:a="http://schemas.openxmlformats.org/drawingml/2006/main" xmlns:p="http://schemas.openxmlformats.org/presentationml/2006/main" xmlns:r="http://schemas.openxmlformats.org/officeDocument/2006/relationships" xmlns:p14="http://schemas.microsoft.com/office/powerpoint/2010/main" xmlns:p15="http://schemas.microsoft.com/office/powerpoint/2012/main" xmlns:mc="http://schemas.openxmlformats.org/markup-compatibility/2006" type="twoObj" preserve="1">
+<p:sldLayout xmlns:a="http://schemas.openxmlformats.org/drawingml/2006/main" xmlns:r="http://schemas.openxmlformats.org/officeDocument/2006/relationships" xmlns:p="http://schemas.openxmlformats.org/presentationml/2006/main" type="twoObj" preserve="1">
   <p:cSld name="Title, 2 Content">
     <p:spTree>
       <p:nvGrpSpPr>
@@ -829,11 +981,12 @@
           </a:prstGeom>
         </p:spPr>
         <p:txBody>
-          <a:bodyPr lIns="0" rIns="0" tIns="0" bIns="0" anchor="ctr">
+          <a:bodyPr lIns="0" tIns="0" rIns="0" bIns="0" anchor="ctr">
             <a:noAutofit/>
           </a:bodyPr>
-          <a:p>
-            <a:endParaRPr b="0" lang="en-US" sz="1150" spc="-1" strike="noStrike">
+          <a:lstStyle/>
+          <a:p>
+            <a:endParaRPr lang="en-US" sz="1150" b="0" strike="noStrike" spc="-1">
               <a:solidFill>
                 <a:srgbClr val="000000"/>
               </a:solidFill>
@@ -862,11 +1015,12 @@
           </a:prstGeom>
         </p:spPr>
         <p:txBody>
-          <a:bodyPr lIns="0" rIns="0" tIns="0" bIns="0">
+          <a:bodyPr lIns="0" tIns="0" rIns="0" bIns="0">
             <a:normAutofit/>
           </a:bodyPr>
-          <a:p>
-            <a:endParaRPr b="0" lang="en-US" sz="1790" spc="-1" strike="noStrike">
+          <a:lstStyle/>
+          <a:p>
+            <a:endParaRPr lang="en-US" sz="1790" b="0" strike="noStrike" spc="-1">
               <a:solidFill>
                 <a:srgbClr val="000000"/>
               </a:solidFill>
@@ -895,11 +1049,12 @@
           </a:prstGeom>
         </p:spPr>
         <p:txBody>
-          <a:bodyPr lIns="0" rIns="0" tIns="0" bIns="0">
+          <a:bodyPr lIns="0" tIns="0" rIns="0" bIns="0">
             <a:normAutofit/>
           </a:bodyPr>
-          <a:p>
-            <a:endParaRPr b="0" lang="en-US" sz="1790" spc="-1" strike="noStrike">
+          <a:lstStyle/>
+          <a:p>
+            <a:endParaRPr lang="en-US" sz="1790" b="0" strike="noStrike" spc="-1">
               <a:solidFill>
                 <a:srgbClr val="000000"/>
               </a:solidFill>
@@ -910,11 +1065,14 @@
       </p:sp>
     </p:spTree>
   </p:cSld>
+  <p:clrMapOvr>
+    <a:masterClrMapping/>
+  </p:clrMapOvr>
 </p:sldLayout>
 </file>
 
 <file path=ppt/slideLayouts/slideLayout17.xml><?xml version="1.0" encoding="utf-8"?>
-<p:sldLayout xmlns:a="http://schemas.openxmlformats.org/drawingml/2006/main" xmlns:p="http://schemas.openxmlformats.org/presentationml/2006/main" xmlns:r="http://schemas.openxmlformats.org/officeDocument/2006/relationships" xmlns:p14="http://schemas.microsoft.com/office/powerpoint/2010/main" xmlns:p15="http://schemas.microsoft.com/office/powerpoint/2012/main" xmlns:mc="http://schemas.openxmlformats.org/markup-compatibility/2006" type="titleOnly" preserve="1">
+<p:sldLayout xmlns:a="http://schemas.openxmlformats.org/drawingml/2006/main" xmlns:r="http://schemas.openxmlformats.org/officeDocument/2006/relationships" xmlns:p="http://schemas.openxmlformats.org/presentationml/2006/main" type="titleOnly" preserve="1">
   <p:cSld name="Title Only">
     <p:spTree>
       <p:nvGrpSpPr>
@@ -950,11 +1108,12 @@
           </a:prstGeom>
         </p:spPr>
         <p:txBody>
-          <a:bodyPr lIns="0" rIns="0" tIns="0" bIns="0" anchor="ctr">
+          <a:bodyPr lIns="0" tIns="0" rIns="0" bIns="0" anchor="ctr">
             <a:noAutofit/>
           </a:bodyPr>
-          <a:p>
-            <a:endParaRPr b="0" lang="en-US" sz="1150" spc="-1" strike="noStrike">
+          <a:lstStyle/>
+          <a:p>
+            <a:endParaRPr lang="en-US" sz="1150" b="0" strike="noStrike" spc="-1">
               <a:solidFill>
                 <a:srgbClr val="000000"/>
               </a:solidFill>
@@ -965,11 +1124,14 @@
       </p:sp>
     </p:spTree>
   </p:cSld>
+  <p:clrMapOvr>
+    <a:masterClrMapping/>
+  </p:clrMapOvr>
 </p:sldLayout>
 </file>
 
 <file path=ppt/slideLayouts/slideLayout18.xml><?xml version="1.0" encoding="utf-8"?>
-<p:sldLayout xmlns:a="http://schemas.openxmlformats.org/drawingml/2006/main" xmlns:p="http://schemas.openxmlformats.org/presentationml/2006/main" xmlns:r="http://schemas.openxmlformats.org/officeDocument/2006/relationships" xmlns:p14="http://schemas.microsoft.com/office/powerpoint/2010/main" xmlns:p15="http://schemas.microsoft.com/office/powerpoint/2012/main" xmlns:mc="http://schemas.openxmlformats.org/markup-compatibility/2006" type="objOnly" preserve="1">
+<p:sldLayout xmlns:a="http://schemas.openxmlformats.org/drawingml/2006/main" xmlns:r="http://schemas.openxmlformats.org/officeDocument/2006/relationships" xmlns:p="http://schemas.openxmlformats.org/presentationml/2006/main" type="objOnly" preserve="1">
   <p:cSld name="Centered Text">
     <p:spTree>
       <p:nvGrpSpPr>
@@ -1005,12 +1167,13 @@
           </a:prstGeom>
         </p:spPr>
         <p:txBody>
-          <a:bodyPr lIns="0" rIns="0" tIns="0" bIns="0" anchor="ctr">
+          <a:bodyPr lIns="0" tIns="0" rIns="0" bIns="0" anchor="ctr">
             <a:noAutofit/>
           </a:bodyPr>
+          <a:lstStyle/>
           <a:p>
             <a:pPr algn="ctr"/>
-            <a:endParaRPr b="0" lang="en-US" sz="3200" spc="-1" strike="noStrike">
+            <a:endParaRPr lang="en-US" sz="3200" b="0" strike="noStrike" spc="-1">
               <a:latin typeface="Arial"/>
             </a:endParaRPr>
           </a:p>
@@ -1018,11 +1181,14 @@
       </p:sp>
     </p:spTree>
   </p:cSld>
+  <p:clrMapOvr>
+    <a:masterClrMapping/>
+  </p:clrMapOvr>
 </p:sldLayout>
 </file>
 
 <file path=ppt/slideLayouts/slideLayout19.xml><?xml version="1.0" encoding="utf-8"?>
-<p:sldLayout xmlns:a="http://schemas.openxmlformats.org/drawingml/2006/main" xmlns:p="http://schemas.openxmlformats.org/presentationml/2006/main" xmlns:r="http://schemas.openxmlformats.org/officeDocument/2006/relationships" xmlns:p14="http://schemas.microsoft.com/office/powerpoint/2010/main" xmlns:p15="http://schemas.microsoft.com/office/powerpoint/2012/main" xmlns:mc="http://schemas.openxmlformats.org/markup-compatibility/2006" type="twoObjAndObj" preserve="1">
+<p:sldLayout xmlns:a="http://schemas.openxmlformats.org/drawingml/2006/main" xmlns:r="http://schemas.openxmlformats.org/officeDocument/2006/relationships" xmlns:p="http://schemas.openxmlformats.org/presentationml/2006/main" type="twoObjAndObj" preserve="1">
   <p:cSld name="Title, 2 Content and Content">
     <p:spTree>
       <p:nvGrpSpPr>
@@ -1058,11 +1224,12 @@
           </a:prstGeom>
         </p:spPr>
         <p:txBody>
-          <a:bodyPr lIns="0" rIns="0" tIns="0" bIns="0" anchor="ctr">
+          <a:bodyPr lIns="0" tIns="0" rIns="0" bIns="0" anchor="ctr">
             <a:noAutofit/>
           </a:bodyPr>
-          <a:p>
-            <a:endParaRPr b="0" lang="en-US" sz="1150" spc="-1" strike="noStrike">
+          <a:lstStyle/>
+          <a:p>
+            <a:endParaRPr lang="en-US" sz="1150" b="0" strike="noStrike" spc="-1">
               <a:solidFill>
                 <a:srgbClr val="000000"/>
               </a:solidFill>
@@ -1091,11 +1258,12 @@
           </a:prstGeom>
         </p:spPr>
         <p:txBody>
-          <a:bodyPr lIns="0" rIns="0" tIns="0" bIns="0">
+          <a:bodyPr lIns="0" tIns="0" rIns="0" bIns="0">
             <a:normAutofit/>
           </a:bodyPr>
-          <a:p>
-            <a:endParaRPr b="0" lang="en-US" sz="1790" spc="-1" strike="noStrike">
+          <a:lstStyle/>
+          <a:p>
+            <a:endParaRPr lang="en-US" sz="1790" b="0" strike="noStrike" spc="-1">
               <a:solidFill>
                 <a:srgbClr val="000000"/>
               </a:solidFill>
@@ -1124,11 +1292,12 @@
           </a:prstGeom>
         </p:spPr>
         <p:txBody>
-          <a:bodyPr lIns="0" rIns="0" tIns="0" bIns="0">
+          <a:bodyPr lIns="0" tIns="0" rIns="0" bIns="0">
             <a:normAutofit/>
           </a:bodyPr>
-          <a:p>
-            <a:endParaRPr b="0" lang="en-US" sz="1790" spc="-1" strike="noStrike">
+          <a:lstStyle/>
+          <a:p>
+            <a:endParaRPr lang="en-US" sz="1790" b="0" strike="noStrike" spc="-1">
               <a:solidFill>
                 <a:srgbClr val="000000"/>
               </a:solidFill>
@@ -1157,11 +1326,12 @@
           </a:prstGeom>
         </p:spPr>
         <p:txBody>
-          <a:bodyPr lIns="0" rIns="0" tIns="0" bIns="0">
+          <a:bodyPr lIns="0" tIns="0" rIns="0" bIns="0">
             <a:normAutofit/>
           </a:bodyPr>
-          <a:p>
-            <a:endParaRPr b="0" lang="en-US" sz="1790" spc="-1" strike="noStrike">
+          <a:lstStyle/>
+          <a:p>
+            <a:endParaRPr lang="en-US" sz="1790" b="0" strike="noStrike" spc="-1">
               <a:solidFill>
                 <a:srgbClr val="000000"/>
               </a:solidFill>
@@ -1172,11 +1342,14 @@
       </p:sp>
     </p:spTree>
   </p:cSld>
+  <p:clrMapOvr>
+    <a:masterClrMapping/>
+  </p:clrMapOvr>
 </p:sldLayout>
 </file>
 
 <file path=ppt/slideLayouts/slideLayout2.xml><?xml version="1.0" encoding="utf-8"?>
-<p:sldLayout xmlns:a="http://schemas.openxmlformats.org/drawingml/2006/main" xmlns:p="http://schemas.openxmlformats.org/presentationml/2006/main" xmlns:r="http://schemas.openxmlformats.org/officeDocument/2006/relationships" xmlns:p14="http://schemas.microsoft.com/office/powerpoint/2010/main" xmlns:p15="http://schemas.microsoft.com/office/powerpoint/2012/main" xmlns:mc="http://schemas.openxmlformats.org/markup-compatibility/2006" type="tx" preserve="1">
+<p:sldLayout xmlns:a="http://schemas.openxmlformats.org/drawingml/2006/main" xmlns:r="http://schemas.openxmlformats.org/officeDocument/2006/relationships" xmlns:p="http://schemas.openxmlformats.org/presentationml/2006/main" type="tx" preserve="1">
   <p:cSld name="Title Slide">
     <p:spTree>
       <p:nvGrpSpPr>
@@ -1212,11 +1385,12 @@
           </a:prstGeom>
         </p:spPr>
         <p:txBody>
-          <a:bodyPr lIns="0" rIns="0" tIns="0" bIns="0" anchor="ctr">
+          <a:bodyPr lIns="0" tIns="0" rIns="0" bIns="0" anchor="ctr">
             <a:noAutofit/>
           </a:bodyPr>
-          <a:p>
-            <a:endParaRPr b="0" lang="en-US" sz="1150" spc="-1" strike="noStrike">
+          <a:lstStyle/>
+          <a:p>
+            <a:endParaRPr lang="en-US" sz="1150" b="0" strike="noStrike" spc="-1">
               <a:solidFill>
                 <a:srgbClr val="000000"/>
               </a:solidFill>
@@ -1245,12 +1419,13 @@
           </a:prstGeom>
         </p:spPr>
         <p:txBody>
-          <a:bodyPr lIns="0" rIns="0" tIns="0" bIns="0" anchor="ctr">
+          <a:bodyPr lIns="0" tIns="0" rIns="0" bIns="0" anchor="ctr">
             <a:noAutofit/>
           </a:bodyPr>
+          <a:lstStyle/>
           <a:p>
             <a:pPr algn="ctr"/>
-            <a:endParaRPr b="0" lang="en-US" sz="3200" spc="-1" strike="noStrike">
+            <a:endParaRPr lang="en-US" sz="3200" b="0" strike="noStrike" spc="-1">
               <a:latin typeface="Arial"/>
             </a:endParaRPr>
           </a:p>
@@ -1258,11 +1433,14 @@
       </p:sp>
     </p:spTree>
   </p:cSld>
+  <p:clrMapOvr>
+    <a:masterClrMapping/>
+  </p:clrMapOvr>
 </p:sldLayout>
 </file>
 
 <file path=ppt/slideLayouts/slideLayout20.xml><?xml version="1.0" encoding="utf-8"?>
-<p:sldLayout xmlns:a="http://schemas.openxmlformats.org/drawingml/2006/main" xmlns:p="http://schemas.openxmlformats.org/presentationml/2006/main" xmlns:r="http://schemas.openxmlformats.org/officeDocument/2006/relationships" xmlns:p14="http://schemas.microsoft.com/office/powerpoint/2010/main" xmlns:p15="http://schemas.microsoft.com/office/powerpoint/2012/main" xmlns:mc="http://schemas.openxmlformats.org/markup-compatibility/2006" type="objAndTwoObj" preserve="1">
+<p:sldLayout xmlns:a="http://schemas.openxmlformats.org/drawingml/2006/main" xmlns:r="http://schemas.openxmlformats.org/officeDocument/2006/relationships" xmlns:p="http://schemas.openxmlformats.org/presentationml/2006/main" type="objAndTwoObj" preserve="1">
   <p:cSld name="Title Content and 2 Content">
     <p:spTree>
       <p:nvGrpSpPr>
@@ -1298,11 +1476,12 @@
           </a:prstGeom>
         </p:spPr>
         <p:txBody>
-          <a:bodyPr lIns="0" rIns="0" tIns="0" bIns="0" anchor="ctr">
+          <a:bodyPr lIns="0" tIns="0" rIns="0" bIns="0" anchor="ctr">
             <a:noAutofit/>
           </a:bodyPr>
-          <a:p>
-            <a:endParaRPr b="0" lang="en-US" sz="1150" spc="-1" strike="noStrike">
+          <a:lstStyle/>
+          <a:p>
+            <a:endParaRPr lang="en-US" sz="1150" b="0" strike="noStrike" spc="-1">
               <a:solidFill>
                 <a:srgbClr val="000000"/>
               </a:solidFill>
@@ -1331,11 +1510,12 @@
           </a:prstGeom>
         </p:spPr>
         <p:txBody>
-          <a:bodyPr lIns="0" rIns="0" tIns="0" bIns="0">
+          <a:bodyPr lIns="0" tIns="0" rIns="0" bIns="0">
             <a:normAutofit/>
           </a:bodyPr>
-          <a:p>
-            <a:endParaRPr b="0" lang="en-US" sz="1790" spc="-1" strike="noStrike">
+          <a:lstStyle/>
+          <a:p>
+            <a:endParaRPr lang="en-US" sz="1790" b="0" strike="noStrike" spc="-1">
               <a:solidFill>
                 <a:srgbClr val="000000"/>
               </a:solidFill>
@@ -1364,11 +1544,12 @@
           </a:prstGeom>
         </p:spPr>
         <p:txBody>
-          <a:bodyPr lIns="0" rIns="0" tIns="0" bIns="0">
+          <a:bodyPr lIns="0" tIns="0" rIns="0" bIns="0">
             <a:normAutofit/>
           </a:bodyPr>
-          <a:p>
-            <a:endParaRPr b="0" lang="en-US" sz="1790" spc="-1" strike="noStrike">
+          <a:lstStyle/>
+          <a:p>
+            <a:endParaRPr lang="en-US" sz="1790" b="0" strike="noStrike" spc="-1">
               <a:solidFill>
                 <a:srgbClr val="000000"/>
               </a:solidFill>
@@ -1397,11 +1578,12 @@
           </a:prstGeom>
         </p:spPr>
         <p:txBody>
-          <a:bodyPr lIns="0" rIns="0" tIns="0" bIns="0">
+          <a:bodyPr lIns="0" tIns="0" rIns="0" bIns="0">
             <a:normAutofit/>
           </a:bodyPr>
-          <a:p>
-            <a:endParaRPr b="0" lang="en-US" sz="1790" spc="-1" strike="noStrike">
+          <a:lstStyle/>
+          <a:p>
+            <a:endParaRPr lang="en-US" sz="1790" b="0" strike="noStrike" spc="-1">
               <a:solidFill>
                 <a:srgbClr val="000000"/>
               </a:solidFill>
@@ -1412,11 +1594,14 @@
       </p:sp>
     </p:spTree>
   </p:cSld>
+  <p:clrMapOvr>
+    <a:masterClrMapping/>
+  </p:clrMapOvr>
 </p:sldLayout>
 </file>
 
 <file path=ppt/slideLayouts/slideLayout21.xml><?xml version="1.0" encoding="utf-8"?>
-<p:sldLayout xmlns:a="http://schemas.openxmlformats.org/drawingml/2006/main" xmlns:p="http://schemas.openxmlformats.org/presentationml/2006/main" xmlns:r="http://schemas.openxmlformats.org/officeDocument/2006/relationships" xmlns:p14="http://schemas.microsoft.com/office/powerpoint/2010/main" xmlns:p15="http://schemas.microsoft.com/office/powerpoint/2012/main" xmlns:mc="http://schemas.openxmlformats.org/markup-compatibility/2006" type="twoObjOverTx" preserve="1">
+<p:sldLayout xmlns:a="http://schemas.openxmlformats.org/drawingml/2006/main" xmlns:r="http://schemas.openxmlformats.org/officeDocument/2006/relationships" xmlns:p="http://schemas.openxmlformats.org/presentationml/2006/main" type="twoObjOverTx" preserve="1">
   <p:cSld name="Title, 2 Content over Content">
     <p:spTree>
       <p:nvGrpSpPr>
@@ -1452,11 +1637,12 @@
           </a:prstGeom>
         </p:spPr>
         <p:txBody>
-          <a:bodyPr lIns="0" rIns="0" tIns="0" bIns="0" anchor="ctr">
+          <a:bodyPr lIns="0" tIns="0" rIns="0" bIns="0" anchor="ctr">
             <a:noAutofit/>
           </a:bodyPr>
-          <a:p>
-            <a:endParaRPr b="0" lang="en-US" sz="1150" spc="-1" strike="noStrike">
+          <a:lstStyle/>
+          <a:p>
+            <a:endParaRPr lang="en-US" sz="1150" b="0" strike="noStrike" spc="-1">
               <a:solidFill>
                 <a:srgbClr val="000000"/>
               </a:solidFill>
@@ -1485,11 +1671,12 @@
           </a:prstGeom>
         </p:spPr>
         <p:txBody>
-          <a:bodyPr lIns="0" rIns="0" tIns="0" bIns="0">
+          <a:bodyPr lIns="0" tIns="0" rIns="0" bIns="0">
             <a:normAutofit/>
           </a:bodyPr>
-          <a:p>
-            <a:endParaRPr b="0" lang="en-US" sz="1790" spc="-1" strike="noStrike">
+          <a:lstStyle/>
+          <a:p>
+            <a:endParaRPr lang="en-US" sz="1790" b="0" strike="noStrike" spc="-1">
               <a:solidFill>
                 <a:srgbClr val="000000"/>
               </a:solidFill>
@@ -1518,11 +1705,12 @@
           </a:prstGeom>
         </p:spPr>
         <p:txBody>
-          <a:bodyPr lIns="0" rIns="0" tIns="0" bIns="0">
+          <a:bodyPr lIns="0" tIns="0" rIns="0" bIns="0">
             <a:normAutofit/>
           </a:bodyPr>
-          <a:p>
-            <a:endParaRPr b="0" lang="en-US" sz="1790" spc="-1" strike="noStrike">
+          <a:lstStyle/>
+          <a:p>
+            <a:endParaRPr lang="en-US" sz="1790" b="0" strike="noStrike" spc="-1">
               <a:solidFill>
                 <a:srgbClr val="000000"/>
               </a:solidFill>
@@ -1551,11 +1739,12 @@
           </a:prstGeom>
         </p:spPr>
         <p:txBody>
-          <a:bodyPr lIns="0" rIns="0" tIns="0" bIns="0">
+          <a:bodyPr lIns="0" tIns="0" rIns="0" bIns="0">
             <a:normAutofit/>
           </a:bodyPr>
-          <a:p>
-            <a:endParaRPr b="0" lang="en-US" sz="1790" spc="-1" strike="noStrike">
+          <a:lstStyle/>
+          <a:p>
+            <a:endParaRPr lang="en-US" sz="1790" b="0" strike="noStrike" spc="-1">
               <a:solidFill>
                 <a:srgbClr val="000000"/>
               </a:solidFill>
@@ -1566,11 +1755,14 @@
       </p:sp>
     </p:spTree>
   </p:cSld>
+  <p:clrMapOvr>
+    <a:masterClrMapping/>
+  </p:clrMapOvr>
 </p:sldLayout>
 </file>
 
 <file path=ppt/slideLayouts/slideLayout22.xml><?xml version="1.0" encoding="utf-8"?>
-<p:sldLayout xmlns:a="http://schemas.openxmlformats.org/drawingml/2006/main" xmlns:p="http://schemas.openxmlformats.org/presentationml/2006/main" xmlns:r="http://schemas.openxmlformats.org/officeDocument/2006/relationships" xmlns:p14="http://schemas.microsoft.com/office/powerpoint/2010/main" xmlns:p15="http://schemas.microsoft.com/office/powerpoint/2012/main" xmlns:mc="http://schemas.openxmlformats.org/markup-compatibility/2006" type="objOverTx" preserve="1">
+<p:sldLayout xmlns:a="http://schemas.openxmlformats.org/drawingml/2006/main" xmlns:r="http://schemas.openxmlformats.org/officeDocument/2006/relationships" xmlns:p="http://schemas.openxmlformats.org/presentationml/2006/main" type="objOverTx" preserve="1">
   <p:cSld name="Title, Content over Content">
     <p:spTree>
       <p:nvGrpSpPr>
@@ -1606,11 +1798,12 @@
           </a:prstGeom>
         </p:spPr>
         <p:txBody>
-          <a:bodyPr lIns="0" rIns="0" tIns="0" bIns="0" anchor="ctr">
+          <a:bodyPr lIns="0" tIns="0" rIns="0" bIns="0" anchor="ctr">
             <a:noAutofit/>
           </a:bodyPr>
-          <a:p>
-            <a:endParaRPr b="0" lang="en-US" sz="1150" spc="-1" strike="noStrike">
+          <a:lstStyle/>
+          <a:p>
+            <a:endParaRPr lang="en-US" sz="1150" b="0" strike="noStrike" spc="-1">
               <a:solidFill>
                 <a:srgbClr val="000000"/>
               </a:solidFill>
@@ -1639,11 +1832,12 @@
           </a:prstGeom>
         </p:spPr>
         <p:txBody>
-          <a:bodyPr lIns="0" rIns="0" tIns="0" bIns="0">
+          <a:bodyPr lIns="0" tIns="0" rIns="0" bIns="0">
             <a:normAutofit/>
           </a:bodyPr>
-          <a:p>
-            <a:endParaRPr b="0" lang="en-US" sz="1790" spc="-1" strike="noStrike">
+          <a:lstStyle/>
+          <a:p>
+            <a:endParaRPr lang="en-US" sz="1790" b="0" strike="noStrike" spc="-1">
               <a:solidFill>
                 <a:srgbClr val="000000"/>
               </a:solidFill>
@@ -1672,11 +1866,12 @@
           </a:prstGeom>
         </p:spPr>
         <p:txBody>
-          <a:bodyPr lIns="0" rIns="0" tIns="0" bIns="0">
+          <a:bodyPr lIns="0" tIns="0" rIns="0" bIns="0">
             <a:normAutofit/>
           </a:bodyPr>
-          <a:p>
-            <a:endParaRPr b="0" lang="en-US" sz="1790" spc="-1" strike="noStrike">
+          <a:lstStyle/>
+          <a:p>
+            <a:endParaRPr lang="en-US" sz="1790" b="0" strike="noStrike" spc="-1">
               <a:solidFill>
                 <a:srgbClr val="000000"/>
               </a:solidFill>
@@ -1687,11 +1882,14 @@
       </p:sp>
     </p:spTree>
   </p:cSld>
+  <p:clrMapOvr>
+    <a:masterClrMapping/>
+  </p:clrMapOvr>
 </p:sldLayout>
 </file>
 
 <file path=ppt/slideLayouts/slideLayout23.xml><?xml version="1.0" encoding="utf-8"?>
-<p:sldLayout xmlns:a="http://schemas.openxmlformats.org/drawingml/2006/main" xmlns:p="http://schemas.openxmlformats.org/presentationml/2006/main" xmlns:r="http://schemas.openxmlformats.org/officeDocument/2006/relationships" xmlns:p14="http://schemas.microsoft.com/office/powerpoint/2010/main" xmlns:p15="http://schemas.microsoft.com/office/powerpoint/2012/main" xmlns:mc="http://schemas.openxmlformats.org/markup-compatibility/2006" type="fourObj" preserve="1">
+<p:sldLayout xmlns:a="http://schemas.openxmlformats.org/drawingml/2006/main" xmlns:r="http://schemas.openxmlformats.org/officeDocument/2006/relationships" xmlns:p="http://schemas.openxmlformats.org/presentationml/2006/main" type="fourObj" preserve="1">
   <p:cSld name="Title, 4 Content">
     <p:spTree>
       <p:nvGrpSpPr>
@@ -1727,11 +1925,12 @@
           </a:prstGeom>
         </p:spPr>
         <p:txBody>
-          <a:bodyPr lIns="0" rIns="0" tIns="0" bIns="0" anchor="ctr">
+          <a:bodyPr lIns="0" tIns="0" rIns="0" bIns="0" anchor="ctr">
             <a:noAutofit/>
           </a:bodyPr>
-          <a:p>
-            <a:endParaRPr b="0" lang="en-US" sz="1150" spc="-1" strike="noStrike">
+          <a:lstStyle/>
+          <a:p>
+            <a:endParaRPr lang="en-US" sz="1150" b="0" strike="noStrike" spc="-1">
               <a:solidFill>
                 <a:srgbClr val="000000"/>
               </a:solidFill>
@@ -1760,11 +1959,12 @@
           </a:prstGeom>
         </p:spPr>
         <p:txBody>
-          <a:bodyPr lIns="0" rIns="0" tIns="0" bIns="0">
+          <a:bodyPr lIns="0" tIns="0" rIns="0" bIns="0">
             <a:normAutofit/>
           </a:bodyPr>
-          <a:p>
-            <a:endParaRPr b="0" lang="en-US" sz="1790" spc="-1" strike="noStrike">
+          <a:lstStyle/>
+          <a:p>
+            <a:endParaRPr lang="en-US" sz="1790" b="0" strike="noStrike" spc="-1">
               <a:solidFill>
                 <a:srgbClr val="000000"/>
               </a:solidFill>
@@ -1793,11 +1993,12 @@
           </a:prstGeom>
         </p:spPr>
         <p:txBody>
-          <a:bodyPr lIns="0" rIns="0" tIns="0" bIns="0">
+          <a:bodyPr lIns="0" tIns="0" rIns="0" bIns="0">
             <a:normAutofit/>
           </a:bodyPr>
-          <a:p>
-            <a:endParaRPr b="0" lang="en-US" sz="1790" spc="-1" strike="noStrike">
+          <a:lstStyle/>
+          <a:p>
+            <a:endParaRPr lang="en-US" sz="1790" b="0" strike="noStrike" spc="-1">
               <a:solidFill>
                 <a:srgbClr val="000000"/>
               </a:solidFill>
@@ -1826,11 +2027,12 @@
           </a:prstGeom>
         </p:spPr>
         <p:txBody>
-          <a:bodyPr lIns="0" rIns="0" tIns="0" bIns="0">
+          <a:bodyPr lIns="0" tIns="0" rIns="0" bIns="0">
             <a:normAutofit/>
           </a:bodyPr>
-          <a:p>
-            <a:endParaRPr b="0" lang="en-US" sz="1790" spc="-1" strike="noStrike">
+          <a:lstStyle/>
+          <a:p>
+            <a:endParaRPr lang="en-US" sz="1790" b="0" strike="noStrike" spc="-1">
               <a:solidFill>
                 <a:srgbClr val="000000"/>
               </a:solidFill>
@@ -1859,11 +2061,12 @@
           </a:prstGeom>
         </p:spPr>
         <p:txBody>
-          <a:bodyPr lIns="0" rIns="0" tIns="0" bIns="0">
+          <a:bodyPr lIns="0" tIns="0" rIns="0" bIns="0">
             <a:normAutofit/>
           </a:bodyPr>
-          <a:p>
-            <a:endParaRPr b="0" lang="en-US" sz="1790" spc="-1" strike="noStrike">
+          <a:lstStyle/>
+          <a:p>
+            <a:endParaRPr lang="en-US" sz="1790" b="0" strike="noStrike" spc="-1">
               <a:solidFill>
                 <a:srgbClr val="000000"/>
               </a:solidFill>
@@ -1874,11 +2077,14 @@
       </p:sp>
     </p:spTree>
   </p:cSld>
+  <p:clrMapOvr>
+    <a:masterClrMapping/>
+  </p:clrMapOvr>
 </p:sldLayout>
 </file>
 
 <file path=ppt/slideLayouts/slideLayout24.xml><?xml version="1.0" encoding="utf-8"?>
-<p:sldLayout xmlns:a="http://schemas.openxmlformats.org/drawingml/2006/main" xmlns:p="http://schemas.openxmlformats.org/presentationml/2006/main" xmlns:r="http://schemas.openxmlformats.org/officeDocument/2006/relationships" xmlns:p14="http://schemas.microsoft.com/office/powerpoint/2010/main" xmlns:p15="http://schemas.microsoft.com/office/powerpoint/2012/main" xmlns:mc="http://schemas.openxmlformats.org/markup-compatibility/2006" type="blank" preserve="1">
+<p:sldLayout xmlns:a="http://schemas.openxmlformats.org/drawingml/2006/main" xmlns:r="http://schemas.openxmlformats.org/officeDocument/2006/relationships" xmlns:p="http://schemas.openxmlformats.org/presentationml/2006/main" type="blank" preserve="1">
   <p:cSld name="Title, 6 Content">
     <p:spTree>
       <p:nvGrpSpPr>
@@ -1914,11 +2120,12 @@
           </a:prstGeom>
         </p:spPr>
         <p:txBody>
-          <a:bodyPr lIns="0" rIns="0" tIns="0" bIns="0" anchor="ctr">
+          <a:bodyPr lIns="0" tIns="0" rIns="0" bIns="0" anchor="ctr">
             <a:noAutofit/>
           </a:bodyPr>
-          <a:p>
-            <a:endParaRPr b="0" lang="en-US" sz="1150" spc="-1" strike="noStrike">
+          <a:lstStyle/>
+          <a:p>
+            <a:endParaRPr lang="en-US" sz="1150" b="0" strike="noStrike" spc="-1">
               <a:solidFill>
                 <a:srgbClr val="000000"/>
               </a:solidFill>
@@ -1947,11 +2154,12 @@
           </a:prstGeom>
         </p:spPr>
         <p:txBody>
-          <a:bodyPr lIns="0" rIns="0" tIns="0" bIns="0">
+          <a:bodyPr lIns="0" tIns="0" rIns="0" bIns="0">
             <a:normAutofit/>
           </a:bodyPr>
-          <a:p>
-            <a:endParaRPr b="0" lang="en-US" sz="1790" spc="-1" strike="noStrike">
+          <a:lstStyle/>
+          <a:p>
+            <a:endParaRPr lang="en-US" sz="1790" b="0" strike="noStrike" spc="-1">
               <a:solidFill>
                 <a:srgbClr val="000000"/>
               </a:solidFill>
@@ -1980,11 +2188,12 @@
           </a:prstGeom>
         </p:spPr>
         <p:txBody>
-          <a:bodyPr lIns="0" rIns="0" tIns="0" bIns="0">
+          <a:bodyPr lIns="0" tIns="0" rIns="0" bIns="0">
             <a:normAutofit/>
           </a:bodyPr>
-          <a:p>
-            <a:endParaRPr b="0" lang="en-US" sz="1790" spc="-1" strike="noStrike">
+          <a:lstStyle/>
+          <a:p>
+            <a:endParaRPr lang="en-US" sz="1790" b="0" strike="noStrike" spc="-1">
               <a:solidFill>
                 <a:srgbClr val="000000"/>
               </a:solidFill>
@@ -2013,11 +2222,12 @@
           </a:prstGeom>
         </p:spPr>
         <p:txBody>
-          <a:bodyPr lIns="0" rIns="0" tIns="0" bIns="0">
+          <a:bodyPr lIns="0" tIns="0" rIns="0" bIns="0">
             <a:normAutofit/>
           </a:bodyPr>
-          <a:p>
-            <a:endParaRPr b="0" lang="en-US" sz="1790" spc="-1" strike="noStrike">
+          <a:lstStyle/>
+          <a:p>
+            <a:endParaRPr lang="en-US" sz="1790" b="0" strike="noStrike" spc="-1">
               <a:solidFill>
                 <a:srgbClr val="000000"/>
               </a:solidFill>
@@ -2046,11 +2256,12 @@
           </a:prstGeom>
         </p:spPr>
         <p:txBody>
-          <a:bodyPr lIns="0" rIns="0" tIns="0" bIns="0">
+          <a:bodyPr lIns="0" tIns="0" rIns="0" bIns="0">
             <a:normAutofit/>
           </a:bodyPr>
-          <a:p>
-            <a:endParaRPr b="0" lang="en-US" sz="1790" spc="-1" strike="noStrike">
+          <a:lstStyle/>
+          <a:p>
+            <a:endParaRPr lang="en-US" sz="1790" b="0" strike="noStrike" spc="-1">
               <a:solidFill>
                 <a:srgbClr val="000000"/>
               </a:solidFill>
@@ -2079,11 +2290,12 @@
           </a:prstGeom>
         </p:spPr>
         <p:txBody>
-          <a:bodyPr lIns="0" rIns="0" tIns="0" bIns="0">
+          <a:bodyPr lIns="0" tIns="0" rIns="0" bIns="0">
             <a:normAutofit/>
           </a:bodyPr>
-          <a:p>
-            <a:endParaRPr b="0" lang="en-US" sz="1790" spc="-1" strike="noStrike">
+          <a:lstStyle/>
+          <a:p>
+            <a:endParaRPr lang="en-US" sz="1790" b="0" strike="noStrike" spc="-1">
               <a:solidFill>
                 <a:srgbClr val="000000"/>
               </a:solidFill>
@@ -2112,11 +2324,12 @@
           </a:prstGeom>
         </p:spPr>
         <p:txBody>
-          <a:bodyPr lIns="0" rIns="0" tIns="0" bIns="0">
+          <a:bodyPr lIns="0" tIns="0" rIns="0" bIns="0">
             <a:normAutofit/>
           </a:bodyPr>
-          <a:p>
-            <a:endParaRPr b="0" lang="en-US" sz="1790" spc="-1" strike="noStrike">
+          <a:lstStyle/>
+          <a:p>
+            <a:endParaRPr lang="en-US" sz="1790" b="0" strike="noStrike" spc="-1">
               <a:solidFill>
                 <a:srgbClr val="000000"/>
               </a:solidFill>
@@ -2127,11 +2340,14 @@
       </p:sp>
     </p:spTree>
   </p:cSld>
+  <p:clrMapOvr>
+    <a:masterClrMapping/>
+  </p:clrMapOvr>
 </p:sldLayout>
 </file>
 
 <file path=ppt/slideLayouts/slideLayout3.xml><?xml version="1.0" encoding="utf-8"?>
-<p:sldLayout xmlns:a="http://schemas.openxmlformats.org/drawingml/2006/main" xmlns:p="http://schemas.openxmlformats.org/presentationml/2006/main" xmlns:r="http://schemas.openxmlformats.org/officeDocument/2006/relationships" xmlns:p14="http://schemas.microsoft.com/office/powerpoint/2010/main" xmlns:p15="http://schemas.microsoft.com/office/powerpoint/2012/main" xmlns:mc="http://schemas.openxmlformats.org/markup-compatibility/2006" type="obj" preserve="1">
+<p:sldLayout xmlns:a="http://schemas.openxmlformats.org/drawingml/2006/main" xmlns:r="http://schemas.openxmlformats.org/officeDocument/2006/relationships" xmlns:p="http://schemas.openxmlformats.org/presentationml/2006/main" type="obj" preserve="1">
   <p:cSld name="Title, Content">
     <p:spTree>
       <p:nvGrpSpPr>
@@ -2167,11 +2383,12 @@
           </a:prstGeom>
         </p:spPr>
         <p:txBody>
-          <a:bodyPr lIns="0" rIns="0" tIns="0" bIns="0" anchor="ctr">
+          <a:bodyPr lIns="0" tIns="0" rIns="0" bIns="0" anchor="ctr">
             <a:noAutofit/>
           </a:bodyPr>
-          <a:p>
-            <a:endParaRPr b="0" lang="en-US" sz="1150" spc="-1" strike="noStrike">
+          <a:lstStyle/>
+          <a:p>
+            <a:endParaRPr lang="en-US" sz="1150" b="0" strike="noStrike" spc="-1">
               <a:solidFill>
                 <a:srgbClr val="000000"/>
               </a:solidFill>
@@ -2200,11 +2417,12 @@
           </a:prstGeom>
         </p:spPr>
         <p:txBody>
-          <a:bodyPr lIns="0" rIns="0" tIns="0" bIns="0">
+          <a:bodyPr lIns="0" tIns="0" rIns="0" bIns="0">
             <a:normAutofit/>
           </a:bodyPr>
-          <a:p>
-            <a:endParaRPr b="0" lang="en-US" sz="1790" spc="-1" strike="noStrike">
+          <a:lstStyle/>
+          <a:p>
+            <a:endParaRPr lang="en-US" sz="1790" b="0" strike="noStrike" spc="-1">
               <a:solidFill>
                 <a:srgbClr val="000000"/>
               </a:solidFill>
@@ -2215,11 +2433,14 @@
       </p:sp>
     </p:spTree>
   </p:cSld>
+  <p:clrMapOvr>
+    <a:masterClrMapping/>
+  </p:clrMapOvr>
 </p:sldLayout>
 </file>
 
 <file path=ppt/slideLayouts/slideLayout4.xml><?xml version="1.0" encoding="utf-8"?>
-<p:sldLayout xmlns:a="http://schemas.openxmlformats.org/drawingml/2006/main" xmlns:p="http://schemas.openxmlformats.org/presentationml/2006/main" xmlns:r="http://schemas.openxmlformats.org/officeDocument/2006/relationships" xmlns:p14="http://schemas.microsoft.com/office/powerpoint/2010/main" xmlns:p15="http://schemas.microsoft.com/office/powerpoint/2012/main" xmlns:mc="http://schemas.openxmlformats.org/markup-compatibility/2006" type="twoObj" preserve="1">
+<p:sldLayout xmlns:a="http://schemas.openxmlformats.org/drawingml/2006/main" xmlns:r="http://schemas.openxmlformats.org/officeDocument/2006/relationships" xmlns:p="http://schemas.openxmlformats.org/presentationml/2006/main" type="twoObj" preserve="1">
   <p:cSld name="Title, 2 Content">
     <p:spTree>
       <p:nvGrpSpPr>
@@ -2255,11 +2476,12 @@
           </a:prstGeom>
         </p:spPr>
         <p:txBody>
-          <a:bodyPr lIns="0" rIns="0" tIns="0" bIns="0" anchor="ctr">
+          <a:bodyPr lIns="0" tIns="0" rIns="0" bIns="0" anchor="ctr">
             <a:noAutofit/>
           </a:bodyPr>
-          <a:p>
-            <a:endParaRPr b="0" lang="en-US" sz="1150" spc="-1" strike="noStrike">
+          <a:lstStyle/>
+          <a:p>
+            <a:endParaRPr lang="en-US" sz="1150" b="0" strike="noStrike" spc="-1">
               <a:solidFill>
                 <a:srgbClr val="000000"/>
               </a:solidFill>
@@ -2288,11 +2510,12 @@
           </a:prstGeom>
         </p:spPr>
         <p:txBody>
-          <a:bodyPr lIns="0" rIns="0" tIns="0" bIns="0">
+          <a:bodyPr lIns="0" tIns="0" rIns="0" bIns="0">
             <a:normAutofit/>
           </a:bodyPr>
-          <a:p>
-            <a:endParaRPr b="0" lang="en-US" sz="1790" spc="-1" strike="noStrike">
+          <a:lstStyle/>
+          <a:p>
+            <a:endParaRPr lang="en-US" sz="1790" b="0" strike="noStrike" spc="-1">
               <a:solidFill>
                 <a:srgbClr val="000000"/>
               </a:solidFill>
@@ -2321,11 +2544,12 @@
           </a:prstGeom>
         </p:spPr>
         <p:txBody>
-          <a:bodyPr lIns="0" rIns="0" tIns="0" bIns="0">
+          <a:bodyPr lIns="0" tIns="0" rIns="0" bIns="0">
             <a:normAutofit/>
           </a:bodyPr>
-          <a:p>
-            <a:endParaRPr b="0" lang="en-US" sz="1790" spc="-1" strike="noStrike">
+          <a:lstStyle/>
+          <a:p>
+            <a:endParaRPr lang="en-US" sz="1790" b="0" strike="noStrike" spc="-1">
               <a:solidFill>
                 <a:srgbClr val="000000"/>
               </a:solidFill>
@@ -2336,11 +2560,14 @@
       </p:sp>
     </p:spTree>
   </p:cSld>
+  <p:clrMapOvr>
+    <a:masterClrMapping/>
+  </p:clrMapOvr>
 </p:sldLayout>
 </file>
 
 <file path=ppt/slideLayouts/slideLayout5.xml><?xml version="1.0" encoding="utf-8"?>
-<p:sldLayout xmlns:a="http://schemas.openxmlformats.org/drawingml/2006/main" xmlns:p="http://schemas.openxmlformats.org/presentationml/2006/main" xmlns:r="http://schemas.openxmlformats.org/officeDocument/2006/relationships" xmlns:p14="http://schemas.microsoft.com/office/powerpoint/2010/main" xmlns:p15="http://schemas.microsoft.com/office/powerpoint/2012/main" xmlns:mc="http://schemas.openxmlformats.org/markup-compatibility/2006" type="titleOnly" preserve="1">
+<p:sldLayout xmlns:a="http://schemas.openxmlformats.org/drawingml/2006/main" xmlns:r="http://schemas.openxmlformats.org/officeDocument/2006/relationships" xmlns:p="http://schemas.openxmlformats.org/presentationml/2006/main" type="titleOnly" preserve="1">
   <p:cSld name="Title Only">
     <p:spTree>
       <p:nvGrpSpPr>
@@ -2376,11 +2603,12 @@
           </a:prstGeom>
         </p:spPr>
         <p:txBody>
-          <a:bodyPr lIns="0" rIns="0" tIns="0" bIns="0" anchor="ctr">
+          <a:bodyPr lIns="0" tIns="0" rIns="0" bIns="0" anchor="ctr">
             <a:noAutofit/>
           </a:bodyPr>
-          <a:p>
-            <a:endParaRPr b="0" lang="en-US" sz="1150" spc="-1" strike="noStrike">
+          <a:lstStyle/>
+          <a:p>
+            <a:endParaRPr lang="en-US" sz="1150" b="0" strike="noStrike" spc="-1">
               <a:solidFill>
                 <a:srgbClr val="000000"/>
               </a:solidFill>
@@ -2391,11 +2619,14 @@
       </p:sp>
     </p:spTree>
   </p:cSld>
+  <p:clrMapOvr>
+    <a:masterClrMapping/>
+  </p:clrMapOvr>
 </p:sldLayout>
 </file>
 
 <file path=ppt/slideLayouts/slideLayout6.xml><?xml version="1.0" encoding="utf-8"?>
-<p:sldLayout xmlns:a="http://schemas.openxmlformats.org/drawingml/2006/main" xmlns:p="http://schemas.openxmlformats.org/presentationml/2006/main" xmlns:r="http://schemas.openxmlformats.org/officeDocument/2006/relationships" xmlns:p14="http://schemas.microsoft.com/office/powerpoint/2010/main" xmlns:p15="http://schemas.microsoft.com/office/powerpoint/2012/main" xmlns:mc="http://schemas.openxmlformats.org/markup-compatibility/2006" type="objOnly" preserve="1">
+<p:sldLayout xmlns:a="http://schemas.openxmlformats.org/drawingml/2006/main" xmlns:r="http://schemas.openxmlformats.org/officeDocument/2006/relationships" xmlns:p="http://schemas.openxmlformats.org/presentationml/2006/main" type="objOnly" preserve="1">
   <p:cSld name="Centered Text">
     <p:spTree>
       <p:nvGrpSpPr>
@@ -2431,12 +2662,13 @@
           </a:prstGeom>
         </p:spPr>
         <p:txBody>
-          <a:bodyPr lIns="0" rIns="0" tIns="0" bIns="0" anchor="ctr">
+          <a:bodyPr lIns="0" tIns="0" rIns="0" bIns="0" anchor="ctr">
             <a:noAutofit/>
           </a:bodyPr>
+          <a:lstStyle/>
           <a:p>
             <a:pPr algn="ctr"/>
-            <a:endParaRPr b="0" lang="en-US" sz="3200" spc="-1" strike="noStrike">
+            <a:endParaRPr lang="en-US" sz="3200" b="0" strike="noStrike" spc="-1">
               <a:latin typeface="Arial"/>
             </a:endParaRPr>
           </a:p>
@@ -2444,11 +2676,14 @@
       </p:sp>
     </p:spTree>
   </p:cSld>
+  <p:clrMapOvr>
+    <a:masterClrMapping/>
+  </p:clrMapOvr>
 </p:sldLayout>
 </file>
 
 <file path=ppt/slideLayouts/slideLayout7.xml><?xml version="1.0" encoding="utf-8"?>
-<p:sldLayout xmlns:a="http://schemas.openxmlformats.org/drawingml/2006/main" xmlns:p="http://schemas.openxmlformats.org/presentationml/2006/main" xmlns:r="http://schemas.openxmlformats.org/officeDocument/2006/relationships" xmlns:p14="http://schemas.microsoft.com/office/powerpoint/2010/main" xmlns:p15="http://schemas.microsoft.com/office/powerpoint/2012/main" xmlns:mc="http://schemas.openxmlformats.org/markup-compatibility/2006" type="twoObjAndObj" preserve="1">
+<p:sldLayout xmlns:a="http://schemas.openxmlformats.org/drawingml/2006/main" xmlns:r="http://schemas.openxmlformats.org/officeDocument/2006/relationships" xmlns:p="http://schemas.openxmlformats.org/presentationml/2006/main" type="twoObjAndObj" preserve="1">
   <p:cSld name="Title, 2 Content and Content">
     <p:spTree>
       <p:nvGrpSpPr>
@@ -2484,11 +2719,12 @@
           </a:prstGeom>
         </p:spPr>
         <p:txBody>
-          <a:bodyPr lIns="0" rIns="0" tIns="0" bIns="0" anchor="ctr">
+          <a:bodyPr lIns="0" tIns="0" rIns="0" bIns="0" anchor="ctr">
             <a:noAutofit/>
           </a:bodyPr>
-          <a:p>
-            <a:endParaRPr b="0" lang="en-US" sz="1150" spc="-1" strike="noStrike">
+          <a:lstStyle/>
+          <a:p>
+            <a:endParaRPr lang="en-US" sz="1150" b="0" strike="noStrike" spc="-1">
               <a:solidFill>
                 <a:srgbClr val="000000"/>
               </a:solidFill>
@@ -2517,11 +2753,12 @@
           </a:prstGeom>
         </p:spPr>
         <p:txBody>
-          <a:bodyPr lIns="0" rIns="0" tIns="0" bIns="0">
+          <a:bodyPr lIns="0" tIns="0" rIns="0" bIns="0">
             <a:normAutofit/>
           </a:bodyPr>
-          <a:p>
-            <a:endParaRPr b="0" lang="en-US" sz="1790" spc="-1" strike="noStrike">
+          <a:lstStyle/>
+          <a:p>
+            <a:endParaRPr lang="en-US" sz="1790" b="0" strike="noStrike" spc="-1">
               <a:solidFill>
                 <a:srgbClr val="000000"/>
               </a:solidFill>
@@ -2550,11 +2787,12 @@
           </a:prstGeom>
         </p:spPr>
         <p:txBody>
-          <a:bodyPr lIns="0" rIns="0" tIns="0" bIns="0">
+          <a:bodyPr lIns="0" tIns="0" rIns="0" bIns="0">
             <a:normAutofit/>
           </a:bodyPr>
-          <a:p>
-            <a:endParaRPr b="0" lang="en-US" sz="1790" spc="-1" strike="noStrike">
+          <a:lstStyle/>
+          <a:p>
+            <a:endParaRPr lang="en-US" sz="1790" b="0" strike="noStrike" spc="-1">
               <a:solidFill>
                 <a:srgbClr val="000000"/>
               </a:solidFill>
@@ -2583,11 +2821,12 @@
           </a:prstGeom>
         </p:spPr>
         <p:txBody>
-          <a:bodyPr lIns="0" rIns="0" tIns="0" bIns="0">
+          <a:bodyPr lIns="0" tIns="0" rIns="0" bIns="0">
             <a:normAutofit/>
           </a:bodyPr>
-          <a:p>
-            <a:endParaRPr b="0" lang="en-US" sz="1790" spc="-1" strike="noStrike">
+          <a:lstStyle/>
+          <a:p>
+            <a:endParaRPr lang="en-US" sz="1790" b="0" strike="noStrike" spc="-1">
               <a:solidFill>
                 <a:srgbClr val="000000"/>
               </a:solidFill>
@@ -2598,11 +2837,14 @@
       </p:sp>
     </p:spTree>
   </p:cSld>
+  <p:clrMapOvr>
+    <a:masterClrMapping/>
+  </p:clrMapOvr>
 </p:sldLayout>
 </file>
 
 <file path=ppt/slideLayouts/slideLayout8.xml><?xml version="1.0" encoding="utf-8"?>
-<p:sldLayout xmlns:a="http://schemas.openxmlformats.org/drawingml/2006/main" xmlns:p="http://schemas.openxmlformats.org/presentationml/2006/main" xmlns:r="http://schemas.openxmlformats.org/officeDocument/2006/relationships" xmlns:p14="http://schemas.microsoft.com/office/powerpoint/2010/main" xmlns:p15="http://schemas.microsoft.com/office/powerpoint/2012/main" xmlns:mc="http://schemas.openxmlformats.org/markup-compatibility/2006" type="objAndTwoObj" preserve="1">
+<p:sldLayout xmlns:a="http://schemas.openxmlformats.org/drawingml/2006/main" xmlns:r="http://schemas.openxmlformats.org/officeDocument/2006/relationships" xmlns:p="http://schemas.openxmlformats.org/presentationml/2006/main" type="objAndTwoObj" preserve="1">
   <p:cSld name="Title Content and 2 Content">
     <p:spTree>
       <p:nvGrpSpPr>
@@ -2638,11 +2880,12 @@
           </a:prstGeom>
         </p:spPr>
         <p:txBody>
-          <a:bodyPr lIns="0" rIns="0" tIns="0" bIns="0" anchor="ctr">
+          <a:bodyPr lIns="0" tIns="0" rIns="0" bIns="0" anchor="ctr">
             <a:noAutofit/>
           </a:bodyPr>
-          <a:p>
-            <a:endParaRPr b="0" lang="en-US" sz="1150" spc="-1" strike="noStrike">
+          <a:lstStyle/>
+          <a:p>
+            <a:endParaRPr lang="en-US" sz="1150" b="0" strike="noStrike" spc="-1">
               <a:solidFill>
                 <a:srgbClr val="000000"/>
               </a:solidFill>
@@ -2671,11 +2914,12 @@
           </a:prstGeom>
         </p:spPr>
         <p:txBody>
-          <a:bodyPr lIns="0" rIns="0" tIns="0" bIns="0">
+          <a:bodyPr lIns="0" tIns="0" rIns="0" bIns="0">
             <a:normAutofit/>
           </a:bodyPr>
-          <a:p>
-            <a:endParaRPr b="0" lang="en-US" sz="1790" spc="-1" strike="noStrike">
+          <a:lstStyle/>
+          <a:p>
+            <a:endParaRPr lang="en-US" sz="1790" b="0" strike="noStrike" spc="-1">
               <a:solidFill>
                 <a:srgbClr val="000000"/>
               </a:solidFill>
@@ -2704,11 +2948,12 @@
           </a:prstGeom>
         </p:spPr>
         <p:txBody>
-          <a:bodyPr lIns="0" rIns="0" tIns="0" bIns="0">
+          <a:bodyPr lIns="0" tIns="0" rIns="0" bIns="0">
             <a:normAutofit/>
           </a:bodyPr>
-          <a:p>
-            <a:endParaRPr b="0" lang="en-US" sz="1790" spc="-1" strike="noStrike">
+          <a:lstStyle/>
+          <a:p>
+            <a:endParaRPr lang="en-US" sz="1790" b="0" strike="noStrike" spc="-1">
               <a:solidFill>
                 <a:srgbClr val="000000"/>
               </a:solidFill>
@@ -2737,11 +2982,12 @@
           </a:prstGeom>
         </p:spPr>
         <p:txBody>
-          <a:bodyPr lIns="0" rIns="0" tIns="0" bIns="0">
+          <a:bodyPr lIns="0" tIns="0" rIns="0" bIns="0">
             <a:normAutofit/>
           </a:bodyPr>
-          <a:p>
-            <a:endParaRPr b="0" lang="en-US" sz="1790" spc="-1" strike="noStrike">
+          <a:lstStyle/>
+          <a:p>
+            <a:endParaRPr lang="en-US" sz="1790" b="0" strike="noStrike" spc="-1">
               <a:solidFill>
                 <a:srgbClr val="000000"/>
               </a:solidFill>
@@ -2752,11 +2998,14 @@
       </p:sp>
     </p:spTree>
   </p:cSld>
+  <p:clrMapOvr>
+    <a:masterClrMapping/>
+  </p:clrMapOvr>
 </p:sldLayout>
 </file>
 
 <file path=ppt/slideLayouts/slideLayout9.xml><?xml version="1.0" encoding="utf-8"?>
-<p:sldLayout xmlns:a="http://schemas.openxmlformats.org/drawingml/2006/main" xmlns:p="http://schemas.openxmlformats.org/presentationml/2006/main" xmlns:r="http://schemas.openxmlformats.org/officeDocument/2006/relationships" xmlns:p14="http://schemas.microsoft.com/office/powerpoint/2010/main" xmlns:p15="http://schemas.microsoft.com/office/powerpoint/2012/main" xmlns:mc="http://schemas.openxmlformats.org/markup-compatibility/2006" type="twoObjOverTx" preserve="1">
+<p:sldLayout xmlns:a="http://schemas.openxmlformats.org/drawingml/2006/main" xmlns:r="http://schemas.openxmlformats.org/officeDocument/2006/relationships" xmlns:p="http://schemas.openxmlformats.org/presentationml/2006/main" type="twoObjOverTx" preserve="1">
   <p:cSld name="Title, 2 Content over Content">
     <p:spTree>
       <p:nvGrpSpPr>
@@ -2792,11 +3041,12 @@
           </a:prstGeom>
         </p:spPr>
         <p:txBody>
-          <a:bodyPr lIns="0" rIns="0" tIns="0" bIns="0" anchor="ctr">
+          <a:bodyPr lIns="0" tIns="0" rIns="0" bIns="0" anchor="ctr">
             <a:noAutofit/>
           </a:bodyPr>
-          <a:p>
-            <a:endParaRPr b="0" lang="en-US" sz="1150" spc="-1" strike="noStrike">
+          <a:lstStyle/>
+          <a:p>
+            <a:endParaRPr lang="en-US" sz="1150" b="0" strike="noStrike" spc="-1">
               <a:solidFill>
                 <a:srgbClr val="000000"/>
               </a:solidFill>
@@ -2825,11 +3075,12 @@
           </a:prstGeom>
         </p:spPr>
         <p:txBody>
-          <a:bodyPr lIns="0" rIns="0" tIns="0" bIns="0">
+          <a:bodyPr lIns="0" tIns="0" rIns="0" bIns="0">
             <a:normAutofit/>
           </a:bodyPr>
-          <a:p>
-            <a:endParaRPr b="0" lang="en-US" sz="1790" spc="-1" strike="noStrike">
+          <a:lstStyle/>
+          <a:p>
+            <a:endParaRPr lang="en-US" sz="1790" b="0" strike="noStrike" spc="-1">
               <a:solidFill>
                 <a:srgbClr val="000000"/>
               </a:solidFill>
@@ -2858,11 +3109,12 @@
           </a:prstGeom>
         </p:spPr>
         <p:txBody>
-          <a:bodyPr lIns="0" rIns="0" tIns="0" bIns="0">
+          <a:bodyPr lIns="0" tIns="0" rIns="0" bIns="0">
             <a:normAutofit/>
           </a:bodyPr>
-          <a:p>
-            <a:endParaRPr b="0" lang="en-US" sz="1790" spc="-1" strike="noStrike">
+          <a:lstStyle/>
+          <a:p>
+            <a:endParaRPr lang="en-US" sz="1790" b="0" strike="noStrike" spc="-1">
               <a:solidFill>
                 <a:srgbClr val="000000"/>
               </a:solidFill>
@@ -2891,11 +3143,12 @@
           </a:prstGeom>
         </p:spPr>
         <p:txBody>
-          <a:bodyPr lIns="0" rIns="0" tIns="0" bIns="0">
+          <a:bodyPr lIns="0" tIns="0" rIns="0" bIns="0">
             <a:normAutofit/>
           </a:bodyPr>
-          <a:p>
-            <a:endParaRPr b="0" lang="en-US" sz="1790" spc="-1" strike="noStrike">
+          <a:lstStyle/>
+          <a:p>
+            <a:endParaRPr lang="en-US" sz="1790" b="0" strike="noStrike" spc="-1">
               <a:solidFill>
                 <a:srgbClr val="000000"/>
               </a:solidFill>
@@ -2906,17 +3159,21 @@
       </p:sp>
     </p:spTree>
   </p:cSld>
+  <p:clrMapOvr>
+    <a:masterClrMapping/>
+  </p:clrMapOvr>
 </p:sldLayout>
 </file>
 
 <file path=ppt/slideMasters/slideMaster1.xml><?xml version="1.0" encoding="utf-8"?>
-<p:sldMaster xmlns:a="http://schemas.openxmlformats.org/drawingml/2006/main" xmlns:p="http://schemas.openxmlformats.org/presentationml/2006/main" xmlns:r="http://schemas.openxmlformats.org/officeDocument/2006/relationships" xmlns:p14="http://schemas.microsoft.com/office/powerpoint/2010/main" xmlns:p15="http://schemas.microsoft.com/office/powerpoint/2012/main" xmlns:mc="http://schemas.openxmlformats.org/markup-compatibility/2006">
+<p:sldMaster xmlns:a="http://schemas.openxmlformats.org/drawingml/2006/main" xmlns:r="http://schemas.openxmlformats.org/officeDocument/2006/relationships" xmlns:p="http://schemas.openxmlformats.org/presentationml/2006/main">
   <p:cSld>
     <p:bg>
       <p:bgPr>
         <a:solidFill>
-          <a:srgbClr val="ffffff"/>
+          <a:srgbClr val="FFFFFF"/>
         </a:solidFill>
+        <a:effectLst/>
       </p:bgPr>
     </p:bg>
     <p:spTree>
@@ -2935,7 +3192,7 @@
       </p:grpSpPr>
       <p:sp>
         <p:nvSpPr>
-          <p:cNvPr id="0" name="PlaceHolder 1"/>
+          <p:cNvPr id="5" name="PlaceHolder 1"/>
           <p:cNvSpPr>
             <a:spLocks noGrp="1"/>
           </p:cNvSpPr>
@@ -2956,6 +3213,7 @@
           <a:bodyPr anchor="ctr">
             <a:noAutofit/>
           </a:bodyPr>
+          <a:lstStyle/>
           <a:p>
             <a:pPr>
               <a:lnSpc>
@@ -2963,7 +3221,7 @@
               </a:lnSpc>
             </a:pPr>
             <a:r>
-              <a:rPr b="0" lang="en-US" sz="2810" spc="-1" strike="noStrike">
+              <a:rPr lang="en-US" sz="2810" b="0" strike="noStrike" spc="-1">
                 <a:solidFill>
                   <a:srgbClr val="000000"/>
                 </a:solidFill>
@@ -2971,7 +3229,7 @@
               </a:rPr>
               <a:t>Click to edit Master title style</a:t>
             </a:r>
-            <a:endParaRPr b="0" lang="en-US" sz="2810" spc="-1" strike="noStrike">
+            <a:endParaRPr lang="en-US" sz="2810" b="0" strike="noStrike" spc="-1">
               <a:solidFill>
                 <a:srgbClr val="000000"/>
               </a:solidFill>
@@ -2982,7 +3240,7 @@
       </p:sp>
       <p:sp>
         <p:nvSpPr>
-          <p:cNvPr id="1" name="PlaceHolder 2"/>
+          <p:cNvPr id="6" name="PlaceHolder 2"/>
           <p:cNvSpPr>
             <a:spLocks noGrp="1"/>
           </p:cNvSpPr>
@@ -3003,6 +3261,7 @@
           <a:bodyPr>
             <a:noAutofit/>
           </a:bodyPr>
+          <a:lstStyle/>
           <a:p>
             <a:pPr marL="145800" indent="-145440">
               <a:lnSpc>
@@ -3018,7 +3277,7 @@
               <a:buChar char="•"/>
             </a:pPr>
             <a:r>
-              <a:rPr b="0" lang="en-US" sz="1790" spc="-1" strike="noStrike">
+              <a:rPr lang="en-US" sz="1790" b="0" strike="noStrike" spc="-1">
                 <a:solidFill>
                   <a:srgbClr val="000000"/>
                 </a:solidFill>
@@ -3026,15 +3285,9 @@
               </a:rPr>
               <a:t>Click to edit Master text styles</a:t>
             </a:r>
-            <a:endParaRPr b="0" lang="en-US" sz="1790" spc="-1" strike="noStrike">
-              <a:solidFill>
-                <a:srgbClr val="000000"/>
-              </a:solidFill>
-              <a:latin typeface="Calibri"/>
-            </a:endParaRPr>
-          </a:p>
-          <a:p>
-            <a:pPr lvl="1" marL="437040" indent="-145440">
+          </a:p>
+          <a:p>
+            <a:pPr marL="437040" lvl="1" indent="-145440">
               <a:lnSpc>
                 <a:spcPct val="90000"/>
               </a:lnSpc>
@@ -3048,7 +3301,7 @@
               <a:buChar char="•"/>
             </a:pPr>
             <a:r>
-              <a:rPr b="0" lang="en-US" sz="1530" spc="-1" strike="noStrike">
+              <a:rPr lang="en-US" sz="1530" b="0" strike="noStrike" spc="-1">
                 <a:solidFill>
                   <a:srgbClr val="000000"/>
                 </a:solidFill>
@@ -3056,15 +3309,9 @@
               </a:rPr>
               <a:t>Second level</a:t>
             </a:r>
-            <a:endParaRPr b="0" lang="en-US" sz="1530" spc="-1" strike="noStrike">
-              <a:solidFill>
-                <a:srgbClr val="000000"/>
-              </a:solidFill>
-              <a:latin typeface="Calibri"/>
-            </a:endParaRPr>
-          </a:p>
-          <a:p>
-            <a:pPr lvl="2" marL="728640" indent="-145440">
+          </a:p>
+          <a:p>
+            <a:pPr marL="728640" lvl="2" indent="-145440">
               <a:lnSpc>
                 <a:spcPct val="90000"/>
               </a:lnSpc>
@@ -3078,7 +3325,7 @@
               <a:buChar char="•"/>
             </a:pPr>
             <a:r>
-              <a:rPr b="0" lang="en-US" sz="1280" spc="-1" strike="noStrike">
+              <a:rPr lang="en-US" sz="1280" b="0" strike="noStrike" spc="-1">
                 <a:solidFill>
                   <a:srgbClr val="000000"/>
                 </a:solidFill>
@@ -3086,15 +3333,9 @@
               </a:rPr>
               <a:t>Third level</a:t>
             </a:r>
-            <a:endParaRPr b="0" lang="en-US" sz="1280" spc="-1" strike="noStrike">
-              <a:solidFill>
-                <a:srgbClr val="000000"/>
-              </a:solidFill>
-              <a:latin typeface="Calibri"/>
-            </a:endParaRPr>
-          </a:p>
-          <a:p>
-            <a:pPr lvl="3" marL="1020240" indent="-145440">
+          </a:p>
+          <a:p>
+            <a:pPr marL="1020240" lvl="3" indent="-145440">
               <a:lnSpc>
                 <a:spcPct val="90000"/>
               </a:lnSpc>
@@ -3108,7 +3349,7 @@
               <a:buChar char="•"/>
             </a:pPr>
             <a:r>
-              <a:rPr b="0" lang="en-US" sz="1150" spc="-1" strike="noStrike">
+              <a:rPr lang="en-US" sz="1150" b="0" strike="noStrike" spc="-1">
                 <a:solidFill>
                   <a:srgbClr val="000000"/>
                 </a:solidFill>
@@ -3116,15 +3357,9 @@
               </a:rPr>
               <a:t>Fourth level</a:t>
             </a:r>
-            <a:endParaRPr b="0" lang="en-US" sz="1150" spc="-1" strike="noStrike">
-              <a:solidFill>
-                <a:srgbClr val="000000"/>
-              </a:solidFill>
-              <a:latin typeface="Calibri"/>
-            </a:endParaRPr>
-          </a:p>
-          <a:p>
-            <a:pPr lvl="4" marL="1311480" indent="-145440">
+          </a:p>
+          <a:p>
+            <a:pPr marL="1311480" lvl="4" indent="-145440">
               <a:lnSpc>
                 <a:spcPct val="90000"/>
               </a:lnSpc>
@@ -3138,7 +3373,7 @@
               <a:buChar char="•"/>
             </a:pPr>
             <a:r>
-              <a:rPr b="0" lang="en-US" sz="1150" spc="-1" strike="noStrike">
+              <a:rPr lang="en-US" sz="1150" b="0" strike="noStrike" spc="-1">
                 <a:solidFill>
                   <a:srgbClr val="000000"/>
                 </a:solidFill>
@@ -3146,12 +3381,6 @@
               </a:rPr>
               <a:t>Fifth level</a:t>
             </a:r>
-            <a:endParaRPr b="0" lang="en-US" sz="1150" spc="-1" strike="noStrike">
-              <a:solidFill>
-                <a:srgbClr val="000000"/>
-              </a:solidFill>
-              <a:latin typeface="Calibri"/>
-            </a:endParaRPr>
           </a:p>
         </p:txBody>
       </p:sp>
@@ -3178,6 +3407,7 @@
           <a:bodyPr anchor="ctr">
             <a:noAutofit/>
           </a:bodyPr>
+          <a:lstStyle/>
           <a:p>
             <a:pPr>
               <a:lnSpc>
@@ -3185,15 +3415,15 @@
               </a:lnSpc>
             </a:pPr>
             <a:fld id="{977030C4-F50D-46A4-B099-818638A2E72B}" type="datetime">
-              <a:rPr b="0" lang="en-US" sz="770" spc="-1" strike="noStrike">
+              <a:rPr lang="en-US" sz="770" b="0" strike="noStrike" spc="-1">
                 <a:solidFill>
-                  <a:srgbClr val="8b8b8b"/>
+                  <a:srgbClr val="8B8B8B"/>
                 </a:solidFill>
                 <a:latin typeface="Calibri"/>
               </a:rPr>
-              <a:t>5/27/21</a:t>
+              <a:t>5/28/21</a:t>
             </a:fld>
-            <a:endParaRPr b="0" lang="en-US" sz="770" spc="-1" strike="noStrike">
+            <a:endParaRPr lang="en-US" sz="770" b="0" strike="noStrike" spc="-1">
               <a:latin typeface="Times New Roman"/>
             </a:endParaRPr>
           </a:p>
@@ -3222,8 +3452,9 @@
           <a:bodyPr anchor="ctr">
             <a:noAutofit/>
           </a:bodyPr>
-          <a:p>
-            <a:endParaRPr b="0" lang="en-US" sz="2400" spc="-1" strike="noStrike">
+          <a:lstStyle/>
+          <a:p>
+            <a:endParaRPr lang="en-US" sz="2400" b="0" strike="noStrike" spc="-1">
               <a:latin typeface="Times New Roman"/>
             </a:endParaRPr>
           </a:p>
@@ -3252,6 +3483,7 @@
           <a:bodyPr anchor="ctr">
             <a:noAutofit/>
           </a:bodyPr>
+          <a:lstStyle/>
           <a:p>
             <a:pPr algn="r">
               <a:lnSpc>
@@ -3259,15 +3491,15 @@
               </a:lnSpc>
             </a:pPr>
             <a:fld id="{C50FDD9C-0A8F-4ED2-AD72-01AFFE83354C}" type="slidenum">
-              <a:rPr b="0" lang="en-US" sz="770" spc="-1" strike="noStrike">
+              <a:rPr lang="en-US" sz="770" b="0" strike="noStrike" spc="-1">
                 <a:solidFill>
-                  <a:srgbClr val="8b8b8b"/>
+                  <a:srgbClr val="8B8B8B"/>
                 </a:solidFill>
                 <a:latin typeface="Calibri"/>
               </a:rPr>
-              <a:t>&lt;number&gt;</a:t>
+              <a:t>‹#›</a:t>
             </a:fld>
-            <a:endParaRPr b="0" lang="en-US" sz="770" spc="-1" strike="noStrike">
+            <a:endParaRPr lang="en-US" sz="770" b="0" strike="noStrike" spc="-1">
               <a:latin typeface="Times New Roman"/>
             </a:endParaRPr>
           </a:p>
@@ -3275,32 +3507,313 @@
       </p:sp>
     </p:spTree>
   </p:cSld>
-  <p:clrMap bg1="lt1" bg2="lt2" tx1="dk1" tx2="dk2" accent1="accent1" accent2="accent2" accent3="accent3" accent4="accent4" accent5="accent5" accent6="accent6" hlink="hlink" folHlink="folHlink"/>
+  <p:clrMap bg1="lt1" tx1="dk1" bg2="lt2" tx2="dk2" accent1="accent1" accent2="accent2" accent3="accent3" accent4="accent4" accent5="accent5" accent6="accent6" hlink="hlink" folHlink="folHlink"/>
   <p:sldLayoutIdLst>
-    <p:sldLayoutId id="2147483649" r:id="rId2"/>
-    <p:sldLayoutId id="2147483650" r:id="rId3"/>
-    <p:sldLayoutId id="2147483651" r:id="rId4"/>
-    <p:sldLayoutId id="2147483652" r:id="rId5"/>
-    <p:sldLayoutId id="2147483653" r:id="rId6"/>
-    <p:sldLayoutId id="2147483654" r:id="rId7"/>
-    <p:sldLayoutId id="2147483655" r:id="rId8"/>
-    <p:sldLayoutId id="2147483656" r:id="rId9"/>
-    <p:sldLayoutId id="2147483657" r:id="rId10"/>
-    <p:sldLayoutId id="2147483658" r:id="rId11"/>
-    <p:sldLayoutId id="2147483659" r:id="rId12"/>
-    <p:sldLayoutId id="2147483660" r:id="rId13"/>
+    <p:sldLayoutId id="2147483649" r:id="rId1"/>
+    <p:sldLayoutId id="2147483650" r:id="rId2"/>
+    <p:sldLayoutId id="2147483651" r:id="rId3"/>
+    <p:sldLayoutId id="2147483652" r:id="rId4"/>
+    <p:sldLayoutId id="2147483653" r:id="rId5"/>
+    <p:sldLayoutId id="2147483654" r:id="rId6"/>
+    <p:sldLayoutId id="2147483655" r:id="rId7"/>
+    <p:sldLayoutId id="2147483656" r:id="rId8"/>
+    <p:sldLayoutId id="2147483657" r:id="rId9"/>
+    <p:sldLayoutId id="2147483658" r:id="rId10"/>
+    <p:sldLayoutId id="2147483659" r:id="rId11"/>
+    <p:sldLayoutId id="2147483660" r:id="rId12"/>
   </p:sldLayoutIdLst>
+  <p:txStyles>
+    <p:titleStyle>
+      <a:lvl1pPr algn="l" defTabSz="914400" rtl="0" eaLnBrk="1" latinLnBrk="0" hangingPunct="1">
+        <a:lnSpc>
+          <a:spcPct val="90000"/>
+        </a:lnSpc>
+        <a:spcBef>
+          <a:spcPct val="0"/>
+        </a:spcBef>
+        <a:buNone/>
+        <a:defRPr sz="4400" kern="1200">
+          <a:solidFill>
+            <a:schemeClr val="tx1"/>
+          </a:solidFill>
+          <a:latin typeface="+mj-lt"/>
+          <a:ea typeface="+mj-ea"/>
+          <a:cs typeface="+mj-cs"/>
+        </a:defRPr>
+      </a:lvl1pPr>
+    </p:titleStyle>
+    <p:bodyStyle>
+      <a:lvl1pPr marL="228600" indent="-228600" algn="l" defTabSz="914400" rtl="0" eaLnBrk="1" latinLnBrk="0" hangingPunct="1">
+        <a:lnSpc>
+          <a:spcPct val="90000"/>
+        </a:lnSpc>
+        <a:spcBef>
+          <a:spcPts val="1000"/>
+        </a:spcBef>
+        <a:buFont typeface="Arial"/>
+        <a:buChar char="•"/>
+        <a:defRPr sz="2800" kern="1200">
+          <a:solidFill>
+            <a:schemeClr val="tx1"/>
+          </a:solidFill>
+          <a:latin typeface="+mn-lt"/>
+          <a:ea typeface="+mn-ea"/>
+          <a:cs typeface="+mn-cs"/>
+        </a:defRPr>
+      </a:lvl1pPr>
+      <a:lvl2pPr marL="685800" indent="-228600" algn="l" defTabSz="914400" rtl="0" eaLnBrk="1" latinLnBrk="0" hangingPunct="1">
+        <a:lnSpc>
+          <a:spcPct val="90000"/>
+        </a:lnSpc>
+        <a:spcBef>
+          <a:spcPts val="500"/>
+        </a:spcBef>
+        <a:buFont typeface="Arial"/>
+        <a:buChar char="•"/>
+        <a:defRPr sz="2400" kern="1200">
+          <a:solidFill>
+            <a:schemeClr val="tx1"/>
+          </a:solidFill>
+          <a:latin typeface="+mn-lt"/>
+          <a:ea typeface="+mn-ea"/>
+          <a:cs typeface="+mn-cs"/>
+        </a:defRPr>
+      </a:lvl2pPr>
+      <a:lvl3pPr marL="1143000" indent="-228600" algn="l" defTabSz="914400" rtl="0" eaLnBrk="1" latinLnBrk="0" hangingPunct="1">
+        <a:lnSpc>
+          <a:spcPct val="90000"/>
+        </a:lnSpc>
+        <a:spcBef>
+          <a:spcPts val="500"/>
+        </a:spcBef>
+        <a:buFont typeface="Arial"/>
+        <a:buChar char="•"/>
+        <a:defRPr sz="2000" kern="1200">
+          <a:solidFill>
+            <a:schemeClr val="tx1"/>
+          </a:solidFill>
+          <a:latin typeface="+mn-lt"/>
+          <a:ea typeface="+mn-ea"/>
+          <a:cs typeface="+mn-cs"/>
+        </a:defRPr>
+      </a:lvl3pPr>
+      <a:lvl4pPr marL="1600200" indent="-228600" algn="l" defTabSz="914400" rtl="0" eaLnBrk="1" latinLnBrk="0" hangingPunct="1">
+        <a:lnSpc>
+          <a:spcPct val="90000"/>
+        </a:lnSpc>
+        <a:spcBef>
+          <a:spcPts val="500"/>
+        </a:spcBef>
+        <a:buFont typeface="Arial"/>
+        <a:buChar char="•"/>
+        <a:defRPr sz="1800" kern="1200">
+          <a:solidFill>
+            <a:schemeClr val="tx1"/>
+          </a:solidFill>
+          <a:latin typeface="+mn-lt"/>
+          <a:ea typeface="+mn-ea"/>
+          <a:cs typeface="+mn-cs"/>
+        </a:defRPr>
+      </a:lvl4pPr>
+      <a:lvl5pPr marL="2057400" indent="-228600" algn="l" defTabSz="914400" rtl="0" eaLnBrk="1" latinLnBrk="0" hangingPunct="1">
+        <a:lnSpc>
+          <a:spcPct val="90000"/>
+        </a:lnSpc>
+        <a:spcBef>
+          <a:spcPts val="500"/>
+        </a:spcBef>
+        <a:buFont typeface="Arial"/>
+        <a:buChar char="•"/>
+        <a:defRPr sz="1800" kern="1200">
+          <a:solidFill>
+            <a:schemeClr val="tx1"/>
+          </a:solidFill>
+          <a:latin typeface="+mn-lt"/>
+          <a:ea typeface="+mn-ea"/>
+          <a:cs typeface="+mn-cs"/>
+        </a:defRPr>
+      </a:lvl5pPr>
+      <a:lvl6pPr marL="2514600" indent="-228600" algn="l" defTabSz="914400" rtl="0" eaLnBrk="1" latinLnBrk="0" hangingPunct="1">
+        <a:lnSpc>
+          <a:spcPct val="90000"/>
+        </a:lnSpc>
+        <a:spcBef>
+          <a:spcPts val="500"/>
+        </a:spcBef>
+        <a:buFont typeface="Arial"/>
+        <a:buChar char="•"/>
+        <a:defRPr sz="1800" kern="1200">
+          <a:solidFill>
+            <a:schemeClr val="tx1"/>
+          </a:solidFill>
+          <a:latin typeface="+mn-lt"/>
+          <a:ea typeface="+mn-ea"/>
+          <a:cs typeface="+mn-cs"/>
+        </a:defRPr>
+      </a:lvl6pPr>
+      <a:lvl7pPr marL="2971800" indent="-228600" algn="l" defTabSz="914400" rtl="0" eaLnBrk="1" latinLnBrk="0" hangingPunct="1">
+        <a:lnSpc>
+          <a:spcPct val="90000"/>
+        </a:lnSpc>
+        <a:spcBef>
+          <a:spcPts val="500"/>
+        </a:spcBef>
+        <a:buFont typeface="Arial"/>
+        <a:buChar char="•"/>
+        <a:defRPr sz="1800" kern="1200">
+          <a:solidFill>
+            <a:schemeClr val="tx1"/>
+          </a:solidFill>
+          <a:latin typeface="+mn-lt"/>
+          <a:ea typeface="+mn-ea"/>
+          <a:cs typeface="+mn-cs"/>
+        </a:defRPr>
+      </a:lvl7pPr>
+      <a:lvl8pPr marL="3429000" indent="-228600" algn="l" defTabSz="914400" rtl="0" eaLnBrk="1" latinLnBrk="0" hangingPunct="1">
+        <a:lnSpc>
+          <a:spcPct val="90000"/>
+        </a:lnSpc>
+        <a:spcBef>
+          <a:spcPts val="500"/>
+        </a:spcBef>
+        <a:buFont typeface="Arial"/>
+        <a:buChar char="•"/>
+        <a:defRPr sz="1800" kern="1200">
+          <a:solidFill>
+            <a:schemeClr val="tx1"/>
+          </a:solidFill>
+          <a:latin typeface="+mn-lt"/>
+          <a:ea typeface="+mn-ea"/>
+          <a:cs typeface="+mn-cs"/>
+        </a:defRPr>
+      </a:lvl8pPr>
+      <a:lvl9pPr marL="3886200" indent="-228600" algn="l" defTabSz="914400" rtl="0" eaLnBrk="1" latinLnBrk="0" hangingPunct="1">
+        <a:lnSpc>
+          <a:spcPct val="90000"/>
+        </a:lnSpc>
+        <a:spcBef>
+          <a:spcPts val="500"/>
+        </a:spcBef>
+        <a:buFont typeface="Arial"/>
+        <a:buChar char="•"/>
+        <a:defRPr sz="1800" kern="1200">
+          <a:solidFill>
+            <a:schemeClr val="tx1"/>
+          </a:solidFill>
+          <a:latin typeface="+mn-lt"/>
+          <a:ea typeface="+mn-ea"/>
+          <a:cs typeface="+mn-cs"/>
+        </a:defRPr>
+      </a:lvl9pPr>
+    </p:bodyStyle>
+    <p:otherStyle>
+      <a:defPPr>
+        <a:defRPr lang="en-US"/>
+      </a:defPPr>
+      <a:lvl1pPr marL="0" algn="l" defTabSz="914400" rtl="0" eaLnBrk="1" latinLnBrk="0" hangingPunct="1">
+        <a:defRPr sz="1800" kern="1200">
+          <a:solidFill>
+            <a:schemeClr val="tx1"/>
+          </a:solidFill>
+          <a:latin typeface="+mn-lt"/>
+          <a:ea typeface="+mn-ea"/>
+          <a:cs typeface="+mn-cs"/>
+        </a:defRPr>
+      </a:lvl1pPr>
+      <a:lvl2pPr marL="457200" algn="l" defTabSz="914400" rtl="0" eaLnBrk="1" latinLnBrk="0" hangingPunct="1">
+        <a:defRPr sz="1800" kern="1200">
+          <a:solidFill>
+            <a:schemeClr val="tx1"/>
+          </a:solidFill>
+          <a:latin typeface="+mn-lt"/>
+          <a:ea typeface="+mn-ea"/>
+          <a:cs typeface="+mn-cs"/>
+        </a:defRPr>
+      </a:lvl2pPr>
+      <a:lvl3pPr marL="914400" algn="l" defTabSz="914400" rtl="0" eaLnBrk="1" latinLnBrk="0" hangingPunct="1">
+        <a:defRPr sz="1800" kern="1200">
+          <a:solidFill>
+            <a:schemeClr val="tx1"/>
+          </a:solidFill>
+          <a:latin typeface="+mn-lt"/>
+          <a:ea typeface="+mn-ea"/>
+          <a:cs typeface="+mn-cs"/>
+        </a:defRPr>
+      </a:lvl3pPr>
+      <a:lvl4pPr marL="1371600" algn="l" defTabSz="914400" rtl="0" eaLnBrk="1" latinLnBrk="0" hangingPunct="1">
+        <a:defRPr sz="1800" kern="1200">
+          <a:solidFill>
+            <a:schemeClr val="tx1"/>
+          </a:solidFill>
+          <a:latin typeface="+mn-lt"/>
+          <a:ea typeface="+mn-ea"/>
+          <a:cs typeface="+mn-cs"/>
+        </a:defRPr>
+      </a:lvl4pPr>
+      <a:lvl5pPr marL="1828800" algn="l" defTabSz="914400" rtl="0" eaLnBrk="1" latinLnBrk="0" hangingPunct="1">
+        <a:defRPr sz="1800" kern="1200">
+          <a:solidFill>
+            <a:schemeClr val="tx1"/>
+          </a:solidFill>
+          <a:latin typeface="+mn-lt"/>
+          <a:ea typeface="+mn-ea"/>
+          <a:cs typeface="+mn-cs"/>
+        </a:defRPr>
+      </a:lvl5pPr>
+      <a:lvl6pPr marL="2286000" algn="l" defTabSz="914400" rtl="0" eaLnBrk="1" latinLnBrk="0" hangingPunct="1">
+        <a:defRPr sz="1800" kern="1200">
+          <a:solidFill>
+            <a:schemeClr val="tx1"/>
+          </a:solidFill>
+          <a:latin typeface="+mn-lt"/>
+          <a:ea typeface="+mn-ea"/>
+          <a:cs typeface="+mn-cs"/>
+        </a:defRPr>
+      </a:lvl6pPr>
+      <a:lvl7pPr marL="2743200" algn="l" defTabSz="914400" rtl="0" eaLnBrk="1" latinLnBrk="0" hangingPunct="1">
+        <a:defRPr sz="1800" kern="1200">
+          <a:solidFill>
+            <a:schemeClr val="tx1"/>
+          </a:solidFill>
+          <a:latin typeface="+mn-lt"/>
+          <a:ea typeface="+mn-ea"/>
+          <a:cs typeface="+mn-cs"/>
+        </a:defRPr>
+      </a:lvl7pPr>
+      <a:lvl8pPr marL="3200400" algn="l" defTabSz="914400" rtl="0" eaLnBrk="1" latinLnBrk="0" hangingPunct="1">
+        <a:defRPr sz="1800" kern="1200">
+          <a:solidFill>
+            <a:schemeClr val="tx1"/>
+          </a:solidFill>
+          <a:latin typeface="+mn-lt"/>
+          <a:ea typeface="+mn-ea"/>
+          <a:cs typeface="+mn-cs"/>
+        </a:defRPr>
+      </a:lvl8pPr>
+      <a:lvl9pPr marL="3657600" algn="l" defTabSz="914400" rtl="0" eaLnBrk="1" latinLnBrk="0" hangingPunct="1">
+        <a:defRPr sz="1800" kern="1200">
+          <a:solidFill>
+            <a:schemeClr val="tx1"/>
+          </a:solidFill>
+          <a:latin typeface="+mn-lt"/>
+          <a:ea typeface="+mn-ea"/>
+          <a:cs typeface="+mn-cs"/>
+        </a:defRPr>
+      </a:lvl9pPr>
+    </p:otherStyle>
+  </p:txStyles>
 </p:sldMaster>
 </file>
 
 <file path=ppt/slideMasters/slideMaster2.xml><?xml version="1.0" encoding="utf-8"?>
-<p:sldMaster xmlns:a="http://schemas.openxmlformats.org/drawingml/2006/main" xmlns:p="http://schemas.openxmlformats.org/presentationml/2006/main" xmlns:r="http://schemas.openxmlformats.org/officeDocument/2006/relationships" xmlns:p14="http://schemas.microsoft.com/office/powerpoint/2010/main" xmlns:p15="http://schemas.microsoft.com/office/powerpoint/2012/main" xmlns:mc="http://schemas.openxmlformats.org/markup-compatibility/2006">
+<p:sldMaster xmlns:a="http://schemas.openxmlformats.org/drawingml/2006/main" xmlns:r="http://schemas.openxmlformats.org/officeDocument/2006/relationships" xmlns:p="http://schemas.openxmlformats.org/presentationml/2006/main">
   <p:cSld>
     <p:bg>
       <p:bgPr>
         <a:solidFill>
-          <a:srgbClr val="ffffff"/>
+          <a:srgbClr val="FFFFFF"/>
         </a:solidFill>
+        <a:effectLst/>
       </p:bgPr>
     </p:bg>
     <p:spTree>
@@ -3340,6 +3853,7 @@
           <a:bodyPr anchor="b">
             <a:noAutofit/>
           </a:bodyPr>
+          <a:lstStyle/>
           <a:p>
             <a:pPr algn="ctr">
               <a:lnSpc>
@@ -3347,7 +3861,7 @@
               </a:lnSpc>
             </a:pPr>
             <a:r>
-              <a:rPr b="0" lang="en-US" sz="3830" spc="-1" strike="noStrike">
+              <a:rPr lang="en-US" sz="3830" b="0" strike="noStrike" spc="-1">
                 <a:solidFill>
                   <a:srgbClr val="000000"/>
                 </a:solidFill>
@@ -3355,7 +3869,7 @@
               </a:rPr>
               <a:t>Click to edit Master title style</a:t>
             </a:r>
-            <a:endParaRPr b="0" lang="en-US" sz="3830" spc="-1" strike="noStrike">
+            <a:endParaRPr lang="en-US" sz="3830" b="0" strike="noStrike" spc="-1">
               <a:solidFill>
                 <a:srgbClr val="000000"/>
               </a:solidFill>
@@ -3387,6 +3901,7 @@
           <a:bodyPr anchor="ctr">
             <a:noAutofit/>
           </a:bodyPr>
+          <a:lstStyle/>
           <a:p>
             <a:pPr>
               <a:lnSpc>
@@ -3394,15 +3909,15 @@
               </a:lnSpc>
             </a:pPr>
             <a:fld id="{610FB9DB-0119-448D-8CE8-8F7C7F4CD76A}" type="datetime">
-              <a:rPr b="0" lang="en-US" sz="770" spc="-1" strike="noStrike">
+              <a:rPr lang="en-US" sz="770" b="0" strike="noStrike" spc="-1">
                 <a:solidFill>
-                  <a:srgbClr val="8b8b8b"/>
+                  <a:srgbClr val="8B8B8B"/>
                 </a:solidFill>
                 <a:latin typeface="Calibri"/>
               </a:rPr>
-              <a:t>5/27/21</a:t>
+              <a:t>5/28/21</a:t>
             </a:fld>
-            <a:endParaRPr b="0" lang="en-US" sz="770" spc="-1" strike="noStrike">
+            <a:endParaRPr lang="en-US" sz="770" b="0" strike="noStrike" spc="-1">
               <a:latin typeface="Times New Roman"/>
             </a:endParaRPr>
           </a:p>
@@ -3431,8 +3946,9 @@
           <a:bodyPr anchor="ctr">
             <a:noAutofit/>
           </a:bodyPr>
-          <a:p>
-            <a:endParaRPr b="0" lang="en-US" sz="2400" spc="-1" strike="noStrike">
+          <a:lstStyle/>
+          <a:p>
+            <a:endParaRPr lang="en-US" sz="2400" b="0" strike="noStrike" spc="-1">
               <a:latin typeface="Times New Roman"/>
             </a:endParaRPr>
           </a:p>
@@ -3461,6 +3977,7 @@
           <a:bodyPr anchor="ctr">
             <a:noAutofit/>
           </a:bodyPr>
+          <a:lstStyle/>
           <a:p>
             <a:pPr algn="r">
               <a:lnSpc>
@@ -3468,15 +3985,15 @@
               </a:lnSpc>
             </a:pPr>
             <a:fld id="{20452307-764C-431B-8FA6-1FE32FB2B6E0}" type="slidenum">
-              <a:rPr b="0" lang="en-US" sz="770" spc="-1" strike="noStrike">
+              <a:rPr lang="en-US" sz="770" b="0" strike="noStrike" spc="-1">
                 <a:solidFill>
-                  <a:srgbClr val="8b8b8b"/>
+                  <a:srgbClr val="8B8B8B"/>
                 </a:solidFill>
                 <a:latin typeface="Calibri"/>
               </a:rPr>
-              <a:t>1</a:t>
+              <a:t>‹#›</a:t>
             </a:fld>
-            <a:endParaRPr b="0" lang="en-US" sz="770" spc="-1" strike="noStrike">
+            <a:endParaRPr lang="en-US" sz="770" b="0" strike="noStrike" spc="-1">
               <a:latin typeface="Times New Roman"/>
             </a:endParaRPr>
           </a:p>
@@ -3502,9 +4019,10 @@
           </a:prstGeom>
         </p:spPr>
         <p:txBody>
-          <a:bodyPr lIns="0" rIns="0" tIns="0" bIns="0">
+          <a:bodyPr lIns="0" tIns="0" rIns="0" bIns="0">
             <a:normAutofit/>
           </a:bodyPr>
+          <a:lstStyle/>
           <a:p>
             <a:pPr marL="432000" indent="-324000">
               <a:spcBef>
@@ -3518,7 +4036,7 @@
               <a:buChar char=""/>
             </a:pPr>
             <a:r>
-              <a:rPr b="0" lang="en-US" sz="1790" spc="-1" strike="noStrike">
+              <a:rPr lang="en-US" sz="1790" b="0" strike="noStrike" spc="-1">
                 <a:solidFill>
                   <a:srgbClr val="000000"/>
                 </a:solidFill>
@@ -3526,15 +4044,9 @@
               </a:rPr>
               <a:t>Click to edit the outline text format</a:t>
             </a:r>
-            <a:endParaRPr b="0" lang="en-US" sz="1790" spc="-1" strike="noStrike">
-              <a:solidFill>
-                <a:srgbClr val="000000"/>
-              </a:solidFill>
-              <a:latin typeface="Calibri"/>
-            </a:endParaRPr>
-          </a:p>
-          <a:p>
-            <a:pPr lvl="1" marL="864000" indent="-324000">
+          </a:p>
+          <a:p>
+            <a:pPr marL="864000" lvl="1" indent="-324000">
               <a:spcBef>
                 <a:spcPts val="1134"/>
               </a:spcBef>
@@ -3546,7 +4058,7 @@
               <a:buChar char=""/>
             </a:pPr>
             <a:r>
-              <a:rPr b="0" lang="en-US" sz="1280" spc="-1" strike="noStrike">
+              <a:rPr lang="en-US" sz="1280" b="0" strike="noStrike" spc="-1">
                 <a:solidFill>
                   <a:srgbClr val="000000"/>
                 </a:solidFill>
@@ -3554,15 +4066,9 @@
               </a:rPr>
               <a:t>Second Outline Level</a:t>
             </a:r>
-            <a:endParaRPr b="0" lang="en-US" sz="1280" spc="-1" strike="noStrike">
-              <a:solidFill>
-                <a:srgbClr val="000000"/>
-              </a:solidFill>
-              <a:latin typeface="Calibri"/>
-            </a:endParaRPr>
-          </a:p>
-          <a:p>
-            <a:pPr lvl="2" marL="1296000" indent="-288000">
+          </a:p>
+          <a:p>
+            <a:pPr marL="1296000" lvl="2" indent="-288000">
               <a:spcBef>
                 <a:spcPts val="850"/>
               </a:spcBef>
@@ -3574,7 +4080,7 @@
               <a:buChar char=""/>
             </a:pPr>
             <a:r>
-              <a:rPr b="0" lang="en-US" sz="1150" spc="-1" strike="noStrike">
+              <a:rPr lang="en-US" sz="1150" b="0" strike="noStrike" spc="-1">
                 <a:solidFill>
                   <a:srgbClr val="000000"/>
                 </a:solidFill>
@@ -3582,15 +4088,9 @@
               </a:rPr>
               <a:t>Third Outline Level</a:t>
             </a:r>
-            <a:endParaRPr b="0" lang="en-US" sz="1150" spc="-1" strike="noStrike">
-              <a:solidFill>
-                <a:srgbClr val="000000"/>
-              </a:solidFill>
-              <a:latin typeface="Calibri"/>
-            </a:endParaRPr>
-          </a:p>
-          <a:p>
-            <a:pPr lvl="3" marL="1728000" indent="-216000">
+          </a:p>
+          <a:p>
+            <a:pPr marL="1728000" lvl="3" indent="-216000">
               <a:spcBef>
                 <a:spcPts val="567"/>
               </a:spcBef>
@@ -3602,7 +4102,7 @@
               <a:buChar char=""/>
             </a:pPr>
             <a:r>
-              <a:rPr b="0" lang="en-US" sz="1150" spc="-1" strike="noStrike">
+              <a:rPr lang="en-US" sz="1150" b="0" strike="noStrike" spc="-1">
                 <a:solidFill>
                   <a:srgbClr val="000000"/>
                 </a:solidFill>
@@ -3610,15 +4110,9 @@
               </a:rPr>
               <a:t>Fourth Outline Level</a:t>
             </a:r>
-            <a:endParaRPr b="0" lang="en-US" sz="1150" spc="-1" strike="noStrike">
-              <a:solidFill>
-                <a:srgbClr val="000000"/>
-              </a:solidFill>
-              <a:latin typeface="Calibri"/>
-            </a:endParaRPr>
-          </a:p>
-          <a:p>
-            <a:pPr lvl="4" marL="2160000" indent="-216000">
+          </a:p>
+          <a:p>
+            <a:pPr marL="2160000" lvl="4" indent="-216000">
               <a:spcBef>
                 <a:spcPts val="283"/>
               </a:spcBef>
@@ -3630,7 +4124,7 @@
               <a:buChar char=""/>
             </a:pPr>
             <a:r>
-              <a:rPr b="0" lang="en-US" sz="2000" spc="-1" strike="noStrike">
+              <a:rPr lang="en-US" sz="2000" b="0" strike="noStrike" spc="-1">
                 <a:solidFill>
                   <a:srgbClr val="000000"/>
                 </a:solidFill>
@@ -3638,15 +4132,9 @@
               </a:rPr>
               <a:t>Fifth Outline Level</a:t>
             </a:r>
-            <a:endParaRPr b="0" lang="en-US" sz="2000" spc="-1" strike="noStrike">
-              <a:solidFill>
-                <a:srgbClr val="000000"/>
-              </a:solidFill>
-              <a:latin typeface="Calibri"/>
-            </a:endParaRPr>
-          </a:p>
-          <a:p>
-            <a:pPr lvl="5" marL="2592000" indent="-216000">
+          </a:p>
+          <a:p>
+            <a:pPr marL="2592000" lvl="5" indent="-216000">
               <a:spcBef>
                 <a:spcPts val="283"/>
               </a:spcBef>
@@ -3658,7 +4146,7 @@
               <a:buChar char=""/>
             </a:pPr>
             <a:r>
-              <a:rPr b="0" lang="en-US" sz="2000" spc="-1" strike="noStrike">
+              <a:rPr lang="en-US" sz="2000" b="0" strike="noStrike" spc="-1">
                 <a:solidFill>
                   <a:srgbClr val="000000"/>
                 </a:solidFill>
@@ -3666,15 +4154,9 @@
               </a:rPr>
               <a:t>Sixth Outline Level</a:t>
             </a:r>
-            <a:endParaRPr b="0" lang="en-US" sz="2000" spc="-1" strike="noStrike">
-              <a:solidFill>
-                <a:srgbClr val="000000"/>
-              </a:solidFill>
-              <a:latin typeface="Calibri"/>
-            </a:endParaRPr>
-          </a:p>
-          <a:p>
-            <a:pPr lvl="6" marL="3024000" indent="-216000">
+          </a:p>
+          <a:p>
+            <a:pPr marL="3024000" lvl="6" indent="-216000">
               <a:spcBef>
                 <a:spcPts val="283"/>
               </a:spcBef>
@@ -3686,7 +4168,7 @@
               <a:buChar char=""/>
             </a:pPr>
             <a:r>
-              <a:rPr b="0" lang="en-US" sz="2000" spc="-1" strike="noStrike">
+              <a:rPr lang="en-US" sz="2000" b="0" strike="noStrike" spc="-1">
                 <a:solidFill>
                   <a:srgbClr val="000000"/>
                 </a:solidFill>
@@ -3694,37 +4176,311 @@
               </a:rPr>
               <a:t>Seventh Outline Level</a:t>
             </a:r>
-            <a:endParaRPr b="0" lang="en-US" sz="2000" spc="-1" strike="noStrike">
-              <a:solidFill>
-                <a:srgbClr val="000000"/>
-              </a:solidFill>
-              <a:latin typeface="Calibri"/>
-            </a:endParaRPr>
           </a:p>
         </p:txBody>
       </p:sp>
     </p:spTree>
   </p:cSld>
-  <p:clrMap bg1="lt1" bg2="lt2" tx1="dk1" tx2="dk2" accent1="accent1" accent2="accent2" accent3="accent3" accent4="accent4" accent5="accent5" accent6="accent6" hlink="hlink" folHlink="folHlink"/>
+  <p:clrMap bg1="lt1" tx1="dk1" bg2="lt2" tx2="dk2" accent1="accent1" accent2="accent2" accent3="accent3" accent4="accent4" accent5="accent5" accent6="accent6" hlink="hlink" folHlink="folHlink"/>
   <p:sldLayoutIdLst>
-    <p:sldLayoutId id="2147483662" r:id="rId2"/>
-    <p:sldLayoutId id="2147483663" r:id="rId3"/>
-    <p:sldLayoutId id="2147483664" r:id="rId4"/>
-    <p:sldLayoutId id="2147483665" r:id="rId5"/>
-    <p:sldLayoutId id="2147483666" r:id="rId6"/>
-    <p:sldLayoutId id="2147483667" r:id="rId7"/>
-    <p:sldLayoutId id="2147483668" r:id="rId8"/>
-    <p:sldLayoutId id="2147483669" r:id="rId9"/>
-    <p:sldLayoutId id="2147483670" r:id="rId10"/>
-    <p:sldLayoutId id="2147483671" r:id="rId11"/>
-    <p:sldLayoutId id="2147483672" r:id="rId12"/>
-    <p:sldLayoutId id="2147483673" r:id="rId13"/>
+    <p:sldLayoutId id="2147483662" r:id="rId1"/>
+    <p:sldLayoutId id="2147483663" r:id="rId2"/>
+    <p:sldLayoutId id="2147483664" r:id="rId3"/>
+    <p:sldLayoutId id="2147483665" r:id="rId4"/>
+    <p:sldLayoutId id="2147483666" r:id="rId5"/>
+    <p:sldLayoutId id="2147483667" r:id="rId6"/>
+    <p:sldLayoutId id="2147483668" r:id="rId7"/>
+    <p:sldLayoutId id="2147483669" r:id="rId8"/>
+    <p:sldLayoutId id="2147483670" r:id="rId9"/>
+    <p:sldLayoutId id="2147483671" r:id="rId10"/>
+    <p:sldLayoutId id="2147483672" r:id="rId11"/>
+    <p:sldLayoutId id="2147483673" r:id="rId12"/>
   </p:sldLayoutIdLst>
+  <p:txStyles>
+    <p:titleStyle>
+      <a:lvl1pPr algn="l" defTabSz="914400" rtl="0" eaLnBrk="1" latinLnBrk="0" hangingPunct="1">
+        <a:lnSpc>
+          <a:spcPct val="90000"/>
+        </a:lnSpc>
+        <a:spcBef>
+          <a:spcPct val="0"/>
+        </a:spcBef>
+        <a:buNone/>
+        <a:defRPr sz="4400" kern="1200">
+          <a:solidFill>
+            <a:schemeClr val="tx1"/>
+          </a:solidFill>
+          <a:latin typeface="+mj-lt"/>
+          <a:ea typeface="+mj-ea"/>
+          <a:cs typeface="+mj-cs"/>
+        </a:defRPr>
+      </a:lvl1pPr>
+    </p:titleStyle>
+    <p:bodyStyle>
+      <a:lvl1pPr marL="228600" indent="-228600" algn="l" defTabSz="914400" rtl="0" eaLnBrk="1" latinLnBrk="0" hangingPunct="1">
+        <a:lnSpc>
+          <a:spcPct val="90000"/>
+        </a:lnSpc>
+        <a:spcBef>
+          <a:spcPts val="1000"/>
+        </a:spcBef>
+        <a:buFont typeface="Arial"/>
+        <a:buChar char="•"/>
+        <a:defRPr sz="2800" kern="1200">
+          <a:solidFill>
+            <a:schemeClr val="tx1"/>
+          </a:solidFill>
+          <a:latin typeface="+mn-lt"/>
+          <a:ea typeface="+mn-ea"/>
+          <a:cs typeface="+mn-cs"/>
+        </a:defRPr>
+      </a:lvl1pPr>
+      <a:lvl2pPr marL="685800" indent="-228600" algn="l" defTabSz="914400" rtl="0" eaLnBrk="1" latinLnBrk="0" hangingPunct="1">
+        <a:lnSpc>
+          <a:spcPct val="90000"/>
+        </a:lnSpc>
+        <a:spcBef>
+          <a:spcPts val="500"/>
+        </a:spcBef>
+        <a:buFont typeface="Arial"/>
+        <a:buChar char="•"/>
+        <a:defRPr sz="2400" kern="1200">
+          <a:solidFill>
+            <a:schemeClr val="tx1"/>
+          </a:solidFill>
+          <a:latin typeface="+mn-lt"/>
+          <a:ea typeface="+mn-ea"/>
+          <a:cs typeface="+mn-cs"/>
+        </a:defRPr>
+      </a:lvl2pPr>
+      <a:lvl3pPr marL="1143000" indent="-228600" algn="l" defTabSz="914400" rtl="0" eaLnBrk="1" latinLnBrk="0" hangingPunct="1">
+        <a:lnSpc>
+          <a:spcPct val="90000"/>
+        </a:lnSpc>
+        <a:spcBef>
+          <a:spcPts val="500"/>
+        </a:spcBef>
+        <a:buFont typeface="Arial"/>
+        <a:buChar char="•"/>
+        <a:defRPr sz="2000" kern="1200">
+          <a:solidFill>
+            <a:schemeClr val="tx1"/>
+          </a:solidFill>
+          <a:latin typeface="+mn-lt"/>
+          <a:ea typeface="+mn-ea"/>
+          <a:cs typeface="+mn-cs"/>
+        </a:defRPr>
+      </a:lvl3pPr>
+      <a:lvl4pPr marL="1600200" indent="-228600" algn="l" defTabSz="914400" rtl="0" eaLnBrk="1" latinLnBrk="0" hangingPunct="1">
+        <a:lnSpc>
+          <a:spcPct val="90000"/>
+        </a:lnSpc>
+        <a:spcBef>
+          <a:spcPts val="500"/>
+        </a:spcBef>
+        <a:buFont typeface="Arial"/>
+        <a:buChar char="•"/>
+        <a:defRPr sz="1800" kern="1200">
+          <a:solidFill>
+            <a:schemeClr val="tx1"/>
+          </a:solidFill>
+          <a:latin typeface="+mn-lt"/>
+          <a:ea typeface="+mn-ea"/>
+          <a:cs typeface="+mn-cs"/>
+        </a:defRPr>
+      </a:lvl4pPr>
+      <a:lvl5pPr marL="2057400" indent="-228600" algn="l" defTabSz="914400" rtl="0" eaLnBrk="1" latinLnBrk="0" hangingPunct="1">
+        <a:lnSpc>
+          <a:spcPct val="90000"/>
+        </a:lnSpc>
+        <a:spcBef>
+          <a:spcPts val="500"/>
+        </a:spcBef>
+        <a:buFont typeface="Arial"/>
+        <a:buChar char="•"/>
+        <a:defRPr sz="1800" kern="1200">
+          <a:solidFill>
+            <a:schemeClr val="tx1"/>
+          </a:solidFill>
+          <a:latin typeface="+mn-lt"/>
+          <a:ea typeface="+mn-ea"/>
+          <a:cs typeface="+mn-cs"/>
+        </a:defRPr>
+      </a:lvl5pPr>
+      <a:lvl6pPr marL="2514600" indent="-228600" algn="l" defTabSz="914400" rtl="0" eaLnBrk="1" latinLnBrk="0" hangingPunct="1">
+        <a:lnSpc>
+          <a:spcPct val="90000"/>
+        </a:lnSpc>
+        <a:spcBef>
+          <a:spcPts val="500"/>
+        </a:spcBef>
+        <a:buFont typeface="Arial"/>
+        <a:buChar char="•"/>
+        <a:defRPr sz="1800" kern="1200">
+          <a:solidFill>
+            <a:schemeClr val="tx1"/>
+          </a:solidFill>
+          <a:latin typeface="+mn-lt"/>
+          <a:ea typeface="+mn-ea"/>
+          <a:cs typeface="+mn-cs"/>
+        </a:defRPr>
+      </a:lvl6pPr>
+      <a:lvl7pPr marL="2971800" indent="-228600" algn="l" defTabSz="914400" rtl="0" eaLnBrk="1" latinLnBrk="0" hangingPunct="1">
+        <a:lnSpc>
+          <a:spcPct val="90000"/>
+        </a:lnSpc>
+        <a:spcBef>
+          <a:spcPts val="500"/>
+        </a:spcBef>
+        <a:buFont typeface="Arial"/>
+        <a:buChar char="•"/>
+        <a:defRPr sz="1800" kern="1200">
+          <a:solidFill>
+            <a:schemeClr val="tx1"/>
+          </a:solidFill>
+          <a:latin typeface="+mn-lt"/>
+          <a:ea typeface="+mn-ea"/>
+          <a:cs typeface="+mn-cs"/>
+        </a:defRPr>
+      </a:lvl7pPr>
+      <a:lvl8pPr marL="3429000" indent="-228600" algn="l" defTabSz="914400" rtl="0" eaLnBrk="1" latinLnBrk="0" hangingPunct="1">
+        <a:lnSpc>
+          <a:spcPct val="90000"/>
+        </a:lnSpc>
+        <a:spcBef>
+          <a:spcPts val="500"/>
+        </a:spcBef>
+        <a:buFont typeface="Arial"/>
+        <a:buChar char="•"/>
+        <a:defRPr sz="1800" kern="1200">
+          <a:solidFill>
+            <a:schemeClr val="tx1"/>
+          </a:solidFill>
+          <a:latin typeface="+mn-lt"/>
+          <a:ea typeface="+mn-ea"/>
+          <a:cs typeface="+mn-cs"/>
+        </a:defRPr>
+      </a:lvl8pPr>
+      <a:lvl9pPr marL="3886200" indent="-228600" algn="l" defTabSz="914400" rtl="0" eaLnBrk="1" latinLnBrk="0" hangingPunct="1">
+        <a:lnSpc>
+          <a:spcPct val="90000"/>
+        </a:lnSpc>
+        <a:spcBef>
+          <a:spcPts val="500"/>
+        </a:spcBef>
+        <a:buFont typeface="Arial"/>
+        <a:buChar char="•"/>
+        <a:defRPr sz="1800" kern="1200">
+          <a:solidFill>
+            <a:schemeClr val="tx1"/>
+          </a:solidFill>
+          <a:latin typeface="+mn-lt"/>
+          <a:ea typeface="+mn-ea"/>
+          <a:cs typeface="+mn-cs"/>
+        </a:defRPr>
+      </a:lvl9pPr>
+    </p:bodyStyle>
+    <p:otherStyle>
+      <a:defPPr>
+        <a:defRPr lang="en-US"/>
+      </a:defPPr>
+      <a:lvl1pPr marL="0" algn="l" defTabSz="914400" rtl="0" eaLnBrk="1" latinLnBrk="0" hangingPunct="1">
+        <a:defRPr sz="1800" kern="1200">
+          <a:solidFill>
+            <a:schemeClr val="tx1"/>
+          </a:solidFill>
+          <a:latin typeface="+mn-lt"/>
+          <a:ea typeface="+mn-ea"/>
+          <a:cs typeface="+mn-cs"/>
+        </a:defRPr>
+      </a:lvl1pPr>
+      <a:lvl2pPr marL="457200" algn="l" defTabSz="914400" rtl="0" eaLnBrk="1" latinLnBrk="0" hangingPunct="1">
+        <a:defRPr sz="1800" kern="1200">
+          <a:solidFill>
+            <a:schemeClr val="tx1"/>
+          </a:solidFill>
+          <a:latin typeface="+mn-lt"/>
+          <a:ea typeface="+mn-ea"/>
+          <a:cs typeface="+mn-cs"/>
+        </a:defRPr>
+      </a:lvl2pPr>
+      <a:lvl3pPr marL="914400" algn="l" defTabSz="914400" rtl="0" eaLnBrk="1" latinLnBrk="0" hangingPunct="1">
+        <a:defRPr sz="1800" kern="1200">
+          <a:solidFill>
+            <a:schemeClr val="tx1"/>
+          </a:solidFill>
+          <a:latin typeface="+mn-lt"/>
+          <a:ea typeface="+mn-ea"/>
+          <a:cs typeface="+mn-cs"/>
+        </a:defRPr>
+      </a:lvl3pPr>
+      <a:lvl4pPr marL="1371600" algn="l" defTabSz="914400" rtl="0" eaLnBrk="1" latinLnBrk="0" hangingPunct="1">
+        <a:defRPr sz="1800" kern="1200">
+          <a:solidFill>
+            <a:schemeClr val="tx1"/>
+          </a:solidFill>
+          <a:latin typeface="+mn-lt"/>
+          <a:ea typeface="+mn-ea"/>
+          <a:cs typeface="+mn-cs"/>
+        </a:defRPr>
+      </a:lvl4pPr>
+      <a:lvl5pPr marL="1828800" algn="l" defTabSz="914400" rtl="0" eaLnBrk="1" latinLnBrk="0" hangingPunct="1">
+        <a:defRPr sz="1800" kern="1200">
+          <a:solidFill>
+            <a:schemeClr val="tx1"/>
+          </a:solidFill>
+          <a:latin typeface="+mn-lt"/>
+          <a:ea typeface="+mn-ea"/>
+          <a:cs typeface="+mn-cs"/>
+        </a:defRPr>
+      </a:lvl5pPr>
+      <a:lvl6pPr marL="2286000" algn="l" defTabSz="914400" rtl="0" eaLnBrk="1" latinLnBrk="0" hangingPunct="1">
+        <a:defRPr sz="1800" kern="1200">
+          <a:solidFill>
+            <a:schemeClr val="tx1"/>
+          </a:solidFill>
+          <a:latin typeface="+mn-lt"/>
+          <a:ea typeface="+mn-ea"/>
+          <a:cs typeface="+mn-cs"/>
+        </a:defRPr>
+      </a:lvl6pPr>
+      <a:lvl7pPr marL="2743200" algn="l" defTabSz="914400" rtl="0" eaLnBrk="1" latinLnBrk="0" hangingPunct="1">
+        <a:defRPr sz="1800" kern="1200">
+          <a:solidFill>
+            <a:schemeClr val="tx1"/>
+          </a:solidFill>
+          <a:latin typeface="+mn-lt"/>
+          <a:ea typeface="+mn-ea"/>
+          <a:cs typeface="+mn-cs"/>
+        </a:defRPr>
+      </a:lvl7pPr>
+      <a:lvl8pPr marL="3200400" algn="l" defTabSz="914400" rtl="0" eaLnBrk="1" latinLnBrk="0" hangingPunct="1">
+        <a:defRPr sz="1800" kern="1200">
+          <a:solidFill>
+            <a:schemeClr val="tx1"/>
+          </a:solidFill>
+          <a:latin typeface="+mn-lt"/>
+          <a:ea typeface="+mn-ea"/>
+          <a:cs typeface="+mn-cs"/>
+        </a:defRPr>
+      </a:lvl8pPr>
+      <a:lvl9pPr marL="3657600" algn="l" defTabSz="914400" rtl="0" eaLnBrk="1" latinLnBrk="0" hangingPunct="1">
+        <a:defRPr sz="1800" kern="1200">
+          <a:solidFill>
+            <a:schemeClr val="tx1"/>
+          </a:solidFill>
+          <a:latin typeface="+mn-lt"/>
+          <a:ea typeface="+mn-ea"/>
+          <a:cs typeface="+mn-cs"/>
+        </a:defRPr>
+      </a:lvl9pPr>
+    </p:otherStyle>
+  </p:txStyles>
 </p:sldMaster>
 </file>
 
 <file path=ppt/slides/slide1.xml><?xml version="1.0" encoding="utf-8"?>
-<p:sld xmlns:a="http://schemas.openxmlformats.org/drawingml/2006/main" xmlns:p="http://schemas.openxmlformats.org/presentationml/2006/main" xmlns:r="http://schemas.openxmlformats.org/officeDocument/2006/relationships" xmlns:p14="http://schemas.microsoft.com/office/powerpoint/2010/main" xmlns:p15="http://schemas.microsoft.com/office/powerpoint/2012/main" xmlns:mc="http://schemas.openxmlformats.org/markup-compatibility/2006">
+<p:sld xmlns:a="http://schemas.openxmlformats.org/drawingml/2006/main" xmlns:r="http://schemas.openxmlformats.org/officeDocument/2006/relationships" xmlns:p="http://schemas.openxmlformats.org/presentationml/2006/main">
   <p:cSld>
     <p:spTree>
       <p:nvGrpSpPr>
@@ -3757,9 +4513,17 @@
             </a:avLst>
           </a:prstGeom>
           <a:solidFill>
-            <a:srgbClr val="dddddd"/>
+            <a:schemeClr val="bg1">
+              <a:lumMod val="95000"/>
+            </a:schemeClr>
           </a:solidFill>
-          <a:ln/>
+          <a:ln>
+            <a:solidFill>
+              <a:schemeClr val="bg1">
+                <a:lumMod val="50000"/>
+              </a:schemeClr>
+            </a:solidFill>
+          </a:ln>
         </p:spPr>
         <p:style>
           <a:lnRef idx="2">
@@ -3815,52 +4579,6 @@
           <a:fontRef idx="minor"/>
         </p:style>
       </p:sp>
-      <p:pic>
-        <p:nvPicPr>
-          <p:cNvPr id="84" name="Picture 2" descr="orkgroup Switch icon"/>
-          <p:cNvPicPr/>
-          <p:nvPr/>
-        </p:nvPicPr>
-        <p:blipFill>
-          <a:blip r:embed="rId1"/>
-          <a:stretch/>
-        </p:blipFill>
-        <p:spPr>
-          <a:xfrm>
-            <a:off x="2571120" y="2485080"/>
-            <a:ext cx="255240" cy="255240"/>
-          </a:xfrm>
-          <a:prstGeom prst="rect">
-            <a:avLst/>
-          </a:prstGeom>
-          <a:ln>
-            <a:noFill/>
-          </a:ln>
-        </p:spPr>
-      </p:pic>
-      <p:pic>
-        <p:nvPicPr>
-          <p:cNvPr id="85" name="Picture 4" descr="outer Icon | Cisco Networking Iconset | Yudha Agung Pribadi"/>
-          <p:cNvPicPr/>
-          <p:nvPr/>
-        </p:nvPicPr>
-        <p:blipFill>
-          <a:blip r:embed="rId2"/>
-          <a:stretch/>
-        </p:blipFill>
-        <p:spPr>
-          <a:xfrm>
-            <a:off x="4631040" y="2278800"/>
-            <a:ext cx="272520" cy="272520"/>
-          </a:xfrm>
-          <a:prstGeom prst="rect">
-            <a:avLst/>
-          </a:prstGeom>
-          <a:ln>
-            <a:noFill/>
-          </a:ln>
-        </p:spPr>
-      </p:pic>
       <p:sp>
         <p:nvSpPr>
           <p:cNvPr id="86" name="CustomShape 3"/>
@@ -3922,15 +4640,22 @@
           </a:ln>
         </p:spPr>
         <p:style>
-          <a:lnRef idx="0"/>
-          <a:fillRef idx="0"/>
-          <a:effectRef idx="0"/>
+          <a:lnRef idx="0">
+            <a:scrgbClr r="0" g="0" b="0"/>
+          </a:lnRef>
+          <a:fillRef idx="0">
+            <a:scrgbClr r="0" g="0" b="0"/>
+          </a:fillRef>
+          <a:effectRef idx="0">
+            <a:scrgbClr r="0" g="0" b="0"/>
+          </a:effectRef>
           <a:fontRef idx="minor"/>
         </p:style>
         <p:txBody>
-          <a:bodyPr wrap="none" lIns="90000" rIns="90000" tIns="45000" bIns="45000">
+          <a:bodyPr wrap="none" lIns="90000" tIns="45000" rIns="90000" bIns="45000">
             <a:spAutoFit/>
           </a:bodyPr>
+          <a:lstStyle/>
           <a:p>
             <a:pPr>
               <a:lnSpc>
@@ -3938,7 +4663,7 @@
               </a:lnSpc>
             </a:pPr>
             <a:r>
-              <a:rPr b="0" lang="en-US" sz="1150" spc="-1" strike="noStrike">
+              <a:rPr lang="en-US" sz="1150" b="0" strike="noStrike" spc="-1">
                 <a:solidFill>
                   <a:srgbClr val="000000"/>
                 </a:solidFill>
@@ -3946,7 +4671,7 @@
               </a:rPr>
               <a:t>Internet</a:t>
             </a:r>
-            <a:endParaRPr b="0" lang="en-US" sz="1150" spc="-1" strike="noStrike">
+            <a:endParaRPr lang="en-US" sz="1150" b="0" strike="noStrike" spc="-1">
               <a:latin typeface="Arial"/>
             </a:endParaRPr>
           </a:p>
@@ -3983,7 +4708,7 @@
               </a:avLst>
             </a:prstGeom>
             <a:solidFill>
-              <a:srgbClr val="dddddd"/>
+              <a:srgbClr val="DDDDDD"/>
             </a:solidFill>
             <a:ln w="9360">
               <a:solidFill>
@@ -4022,23 +4747,28 @@
             <a:prstGeom prst="rect">
               <a:avLst/>
             </a:prstGeom>
-            <a:solidFill>
-              <a:srgbClr val="dddddd"/>
-            </a:solidFill>
+            <a:noFill/>
             <a:ln>
               <a:noFill/>
             </a:ln>
           </p:spPr>
           <p:style>
-            <a:lnRef idx="0"/>
-            <a:fillRef idx="0"/>
-            <a:effectRef idx="0"/>
+            <a:lnRef idx="0">
+              <a:scrgbClr r="0" g="0" b="0"/>
+            </a:lnRef>
+            <a:fillRef idx="0">
+              <a:scrgbClr r="0" g="0" b="0"/>
+            </a:fillRef>
+            <a:effectRef idx="0">
+              <a:scrgbClr r="0" g="0" b="0"/>
+            </a:effectRef>
             <a:fontRef idx="minor"/>
           </p:style>
           <p:txBody>
-            <a:bodyPr wrap="none" lIns="90000" rIns="90000" tIns="45000" bIns="45000">
+            <a:bodyPr wrap="none" lIns="90000" tIns="45000" rIns="90000" bIns="45000">
               <a:spAutoFit/>
             </a:bodyPr>
+            <a:lstStyle/>
             <a:p>
               <a:pPr>
                 <a:lnSpc>
@@ -4046,7 +4776,7 @@
                 </a:lnSpc>
               </a:pPr>
               <a:r>
-                <a:rPr b="0" lang="en-US" sz="700" spc="-1" strike="noStrike">
+                <a:rPr lang="en-US" sz="700" b="0" strike="noStrike" spc="-1">
                   <a:solidFill>
                     <a:srgbClr val="000000"/>
                   </a:solidFill>
@@ -4054,7 +4784,7 @@
                 </a:rPr>
                 <a:t>Manufacturer</a:t>
               </a:r>
-              <a:endParaRPr b="0" lang="en-US" sz="700" spc="-1" strike="noStrike">
+              <a:endParaRPr lang="en-US" sz="700" b="0" strike="noStrike" spc="-1">
                 <a:latin typeface="Arial"/>
               </a:endParaRPr>
             </a:p>
@@ -4065,7 +4795,7 @@
                 </a:lnSpc>
               </a:pPr>
               <a:r>
-                <a:rPr b="0" lang="en-US" sz="1100" spc="-1" strike="noStrike">
+                <a:rPr lang="en-US" sz="1100" b="0" strike="noStrike" spc="-1">
                   <a:solidFill>
                     <a:srgbClr val="000000"/>
                   </a:solidFill>
@@ -4073,7 +4803,7 @@
                 </a:rPr>
                 <a:t>N MASA</a:t>
               </a:r>
-              <a:endParaRPr b="0" lang="en-US" sz="1100" spc="-1" strike="noStrike">
+              <a:endParaRPr lang="en-US" sz="1100" b="0" strike="noStrike" spc="-1">
                 <a:latin typeface="Arial"/>
               </a:endParaRPr>
             </a:p>
@@ -4111,7 +4841,7 @@
               </a:avLst>
             </a:prstGeom>
             <a:solidFill>
-              <a:srgbClr val="dddddd"/>
+              <a:srgbClr val="DDDDDD"/>
             </a:solidFill>
             <a:ln w="9360">
               <a:solidFill>
@@ -4150,23 +4880,28 @@
             <a:prstGeom prst="rect">
               <a:avLst/>
             </a:prstGeom>
-            <a:solidFill>
-              <a:srgbClr val="dddddd"/>
-            </a:solidFill>
+            <a:noFill/>
             <a:ln>
               <a:noFill/>
             </a:ln>
           </p:spPr>
           <p:style>
-            <a:lnRef idx="0"/>
-            <a:fillRef idx="0"/>
-            <a:effectRef idx="0"/>
+            <a:lnRef idx="0">
+              <a:scrgbClr r="0" g="0" b="0"/>
+            </a:lnRef>
+            <a:fillRef idx="0">
+              <a:scrgbClr r="0" g="0" b="0"/>
+            </a:fillRef>
+            <a:effectRef idx="0">
+              <a:scrgbClr r="0" g="0" b="0"/>
+            </a:effectRef>
             <a:fontRef idx="minor"/>
           </p:style>
           <p:txBody>
-            <a:bodyPr wrap="none" lIns="90000" rIns="90000" tIns="45000" bIns="45000">
+            <a:bodyPr wrap="none" lIns="90000" tIns="45000" rIns="90000" bIns="45000">
               <a:spAutoFit/>
             </a:bodyPr>
+            <a:lstStyle/>
             <a:p>
               <a:pPr>
                 <a:lnSpc>
@@ -4174,7 +4909,7 @@
                 </a:lnSpc>
               </a:pPr>
               <a:r>
-                <a:rPr b="0" lang="en-US" sz="700" spc="-1" strike="noStrike">
+                <a:rPr lang="en-US" sz="700" b="0" strike="noStrike" spc="-1">
                   <a:solidFill>
                     <a:srgbClr val="000000"/>
                   </a:solidFill>
@@ -4182,7 +4917,7 @@
                 </a:rPr>
                 <a:t>Manufacturer</a:t>
               </a:r>
-              <a:endParaRPr b="0" lang="en-US" sz="700" spc="-1" strike="noStrike">
+              <a:endParaRPr lang="en-US" sz="700" b="0" strike="noStrike" spc="-1">
                 <a:latin typeface="Arial"/>
               </a:endParaRPr>
             </a:p>
@@ -4193,7 +4928,7 @@
                 </a:lnSpc>
               </a:pPr>
               <a:r>
-                <a:rPr b="0" lang="en-US" sz="1100" spc="-1" strike="noStrike">
+                <a:rPr lang="en-US" sz="1100" b="0" strike="noStrike" spc="-1">
                   <a:solidFill>
                     <a:srgbClr val="000000"/>
                   </a:solidFill>
@@ -4201,7 +4936,7 @@
                 </a:rPr>
                 <a:t>1 MASA</a:t>
               </a:r>
-              <a:endParaRPr b="0" lang="en-US" sz="1100" spc="-1" strike="noStrike">
+              <a:endParaRPr lang="en-US" sz="1100" b="0" strike="noStrike" spc="-1">
                 <a:latin typeface="Arial"/>
               </a:endParaRPr>
             </a:p>
@@ -4216,7 +4951,7 @@
         </p:nvSpPr>
         <p:spPr>
           <a:xfrm flipH="1">
-            <a:off x="6282720" y="1693080"/>
+            <a:off x="6298560" y="1713510"/>
             <a:ext cx="205200" cy="238680"/>
           </a:xfrm>
           <a:prstGeom prst="line">
@@ -4224,7 +4959,7 @@
           </a:prstGeom>
           <a:ln w="12600">
             <a:solidFill>
-              <a:srgbClr val="0070c0"/>
+              <a:srgbClr val="0070C0"/>
             </a:solidFill>
           </a:ln>
         </p:spPr>
@@ -4249,7 +4984,7 @@
         </p:nvSpPr>
         <p:spPr>
           <a:xfrm flipH="1">
-            <a:off x="6436800" y="2241720"/>
+            <a:off x="6447519" y="2218830"/>
             <a:ext cx="235440" cy="0"/>
           </a:xfrm>
           <a:prstGeom prst="line">
@@ -4257,7 +4992,7 @@
           </a:prstGeom>
           <a:ln w="12600">
             <a:solidFill>
-              <a:srgbClr val="0070c0"/>
+              <a:srgbClr val="0070C0"/>
             </a:solidFill>
           </a:ln>
         </p:spPr>
@@ -4273,6 +5008,13 @@
           </a:effectRef>
           <a:fontRef idx="minor"/>
         </p:style>
+        <p:txBody>
+          <a:bodyPr/>
+          <a:lstStyle/>
+          <a:p>
+            <a:endParaRPr lang="en-US"/>
+          </a:p>
+        </p:txBody>
       </p:sp>
       <p:sp>
         <p:nvSpPr>
@@ -4282,15 +5024,15 @@
         </p:nvSpPr>
         <p:spPr>
           <a:xfrm flipH="1">
-            <a:off x="4903560" y="2241720"/>
-            <a:ext cx="528480" cy="173160"/>
+            <a:off x="4942800" y="2241720"/>
+            <a:ext cx="489240" cy="302576"/>
           </a:xfrm>
           <a:prstGeom prst="line">
             <a:avLst/>
           </a:prstGeom>
           <a:ln w="12600">
             <a:solidFill>
-              <a:srgbClr val="0070c0"/>
+              <a:srgbClr val="0070C0"/>
             </a:solidFill>
           </a:ln>
         </p:spPr>
@@ -4307,259 +5049,6 @@
           <a:fontRef idx="minor"/>
         </p:style>
       </p:sp>
-      <p:pic>
-        <p:nvPicPr>
-          <p:cNvPr id="97" name="Picture 6" descr="omputer Hardware Laptop icon"/>
-          <p:cNvPicPr/>
-          <p:nvPr/>
-        </p:nvPicPr>
-        <p:blipFill>
-          <a:blip r:embed="rId3"/>
-          <a:stretch/>
-        </p:blipFill>
-        <p:spPr>
-          <a:xfrm>
-            <a:off x="4311000" y="1749240"/>
-            <a:ext cx="290160" cy="290160"/>
-          </a:xfrm>
-          <a:prstGeom prst="rect">
-            <a:avLst/>
-          </a:prstGeom>
-          <a:ln>
-            <a:noFill/>
-          </a:ln>
-        </p:spPr>
-      </p:pic>
-      <p:pic>
-        <p:nvPicPr>
-          <p:cNvPr id="98" name="Picture 4" descr="outer Icon | Cisco Networking Iconset | Yudha Agung Pribadi"/>
-          <p:cNvPicPr/>
-          <p:nvPr/>
-        </p:nvPicPr>
-        <p:blipFill>
-          <a:blip r:embed="rId4"/>
-          <a:stretch/>
-        </p:blipFill>
-        <p:spPr>
-          <a:xfrm>
-            <a:off x="2708640" y="1928880"/>
-            <a:ext cx="272520" cy="272520"/>
-          </a:xfrm>
-          <a:prstGeom prst="rect">
-            <a:avLst/>
-          </a:prstGeom>
-          <a:ln>
-            <a:noFill/>
-          </a:ln>
-        </p:spPr>
-      </p:pic>
-      <p:pic>
-        <p:nvPicPr>
-          <p:cNvPr id="99" name="Picture 4" descr="outer Icon | Cisco Networking Iconset | Yudha Agung Pribadi"/>
-          <p:cNvPicPr/>
-          <p:nvPr/>
-        </p:nvPicPr>
-        <p:blipFill>
-          <a:blip r:embed="rId5"/>
-          <a:stretch/>
-        </p:blipFill>
-        <p:spPr>
-          <a:xfrm>
-            <a:off x="3215880" y="2940480"/>
-            <a:ext cx="272520" cy="272520"/>
-          </a:xfrm>
-          <a:prstGeom prst="rect">
-            <a:avLst/>
-          </a:prstGeom>
-          <a:ln>
-            <a:noFill/>
-          </a:ln>
-        </p:spPr>
-      </p:pic>
-      <p:pic>
-        <p:nvPicPr>
-          <p:cNvPr id="100" name="Picture 4" descr="outer Icon | Cisco Networking Iconset | Yudha Agung Pribadi"/>
-          <p:cNvPicPr/>
-          <p:nvPr/>
-        </p:nvPicPr>
-        <p:blipFill>
-          <a:blip r:embed="rId6"/>
-          <a:stretch/>
-        </p:blipFill>
-        <p:spPr>
-          <a:xfrm>
-            <a:off x="1949400" y="1801440"/>
-            <a:ext cx="272520" cy="272520"/>
-          </a:xfrm>
-          <a:prstGeom prst="rect">
-            <a:avLst/>
-          </a:prstGeom>
-          <a:ln>
-            <a:noFill/>
-          </a:ln>
-        </p:spPr>
-      </p:pic>
-      <p:pic>
-        <p:nvPicPr>
-          <p:cNvPr id="101" name="Picture 2" descr="orkgroup Switch icon"/>
-          <p:cNvPicPr/>
-          <p:nvPr/>
-        </p:nvPicPr>
-        <p:blipFill>
-          <a:blip r:embed="rId7"/>
-          <a:stretch/>
-        </p:blipFill>
-        <p:spPr>
-          <a:xfrm>
-            <a:off x="1422000" y="1964880"/>
-            <a:ext cx="255240" cy="255240"/>
-          </a:xfrm>
-          <a:prstGeom prst="rect">
-            <a:avLst/>
-          </a:prstGeom>
-          <a:ln>
-            <a:noFill/>
-          </a:ln>
-        </p:spPr>
-      </p:pic>
-      <p:pic>
-        <p:nvPicPr>
-          <p:cNvPr id="102" name="Picture 4" descr="outer Icon | Cisco Networking Iconset | Yudha Agung Pribadi"/>
-          <p:cNvPicPr/>
-          <p:nvPr/>
-        </p:nvPicPr>
-        <p:blipFill>
-          <a:blip r:embed="rId8"/>
-          <a:stretch/>
-        </p:blipFill>
-        <p:spPr>
-          <a:xfrm>
-            <a:off x="963000" y="2182320"/>
-            <a:ext cx="272520" cy="272520"/>
-          </a:xfrm>
-          <a:prstGeom prst="rect">
-            <a:avLst/>
-          </a:prstGeom>
-          <a:ln>
-            <a:noFill/>
-          </a:ln>
-        </p:spPr>
-      </p:pic>
-      <p:pic>
-        <p:nvPicPr>
-          <p:cNvPr id="103" name="Picture 4" descr="outer Icon | Cisco Networking Iconset | Yudha Agung Pribadi"/>
-          <p:cNvPicPr/>
-          <p:nvPr/>
-        </p:nvPicPr>
-        <p:blipFill>
-          <a:blip r:embed="rId9"/>
-          <a:stretch/>
-        </p:blipFill>
-        <p:spPr>
-          <a:xfrm>
-            <a:off x="949320" y="1595520"/>
-            <a:ext cx="272520" cy="272520"/>
-          </a:xfrm>
-          <a:prstGeom prst="rect">
-            <a:avLst/>
-          </a:prstGeom>
-          <a:ln>
-            <a:noFill/>
-          </a:ln>
-        </p:spPr>
-      </p:pic>
-      <p:pic>
-        <p:nvPicPr>
-          <p:cNvPr id="104" name="Picture 4" descr="outer Icon | Cisco Networking Iconset | Yudha Agung Pribadi"/>
-          <p:cNvPicPr/>
-          <p:nvPr/>
-        </p:nvPicPr>
-        <p:blipFill>
-          <a:blip r:embed="rId10"/>
-          <a:stretch/>
-        </p:blipFill>
-        <p:spPr>
-          <a:xfrm>
-            <a:off x="1393920" y="2794680"/>
-            <a:ext cx="272520" cy="272520"/>
-          </a:xfrm>
-          <a:prstGeom prst="rect">
-            <a:avLst/>
-          </a:prstGeom>
-          <a:ln>
-            <a:noFill/>
-          </a:ln>
-        </p:spPr>
-      </p:pic>
-      <p:pic>
-        <p:nvPicPr>
-          <p:cNvPr id="105" name="Picture 8" descr="ome Server icon"/>
-          <p:cNvPicPr/>
-          <p:nvPr/>
-        </p:nvPicPr>
-        <p:blipFill>
-          <a:blip r:embed="rId11"/>
-          <a:stretch/>
-        </p:blipFill>
-        <p:spPr>
-          <a:xfrm>
-            <a:off x="4766040" y="1728000"/>
-            <a:ext cx="353520" cy="353520"/>
-          </a:xfrm>
-          <a:prstGeom prst="rect">
-            <a:avLst/>
-          </a:prstGeom>
-          <a:ln>
-            <a:noFill/>
-          </a:ln>
-        </p:spPr>
-      </p:pic>
-      <p:pic>
-        <p:nvPicPr>
-          <p:cNvPr id="106" name="Picture 4" descr="outer Icon | Cisco Networking Iconset | Yudha Agung Pribadi"/>
-          <p:cNvPicPr/>
-          <p:nvPr/>
-        </p:nvPicPr>
-        <p:blipFill>
-          <a:blip r:embed="rId12"/>
-          <a:stretch/>
-        </p:blipFill>
-        <p:spPr>
-          <a:xfrm>
-            <a:off x="3488760" y="2238120"/>
-            <a:ext cx="272520" cy="272520"/>
-          </a:xfrm>
-          <a:prstGeom prst="rect">
-            <a:avLst/>
-          </a:prstGeom>
-          <a:ln>
-            <a:noFill/>
-          </a:ln>
-        </p:spPr>
-      </p:pic>
-      <p:pic>
-        <p:nvPicPr>
-          <p:cNvPr id="107" name="Picture 4" descr="outer Icon | Cisco Networking Iconset | Yudha Agung Pribadi"/>
-          <p:cNvPicPr/>
-          <p:nvPr/>
-        </p:nvPicPr>
-        <p:blipFill>
-          <a:blip r:embed="rId13"/>
-          <a:stretch/>
-        </p:blipFill>
-        <p:spPr>
-          <a:xfrm>
-            <a:off x="2426040" y="3250440"/>
-            <a:ext cx="272520" cy="272520"/>
-          </a:xfrm>
-          <a:prstGeom prst="rect">
-            <a:avLst/>
-          </a:prstGeom>
-          <a:ln>
-            <a:noFill/>
-          </a:ln>
-        </p:spPr>
-      </p:pic>
       <p:sp>
         <p:nvSpPr>
           <p:cNvPr id="108" name="CustomShape 14"/>
@@ -4580,15 +5069,22 @@
           </a:ln>
         </p:spPr>
         <p:style>
-          <a:lnRef idx="0"/>
-          <a:fillRef idx="0"/>
-          <a:effectRef idx="0"/>
+          <a:lnRef idx="0">
+            <a:scrgbClr r="0" g="0" b="0"/>
+          </a:lnRef>
+          <a:fillRef idx="0">
+            <a:scrgbClr r="0" g="0" b="0"/>
+          </a:fillRef>
+          <a:effectRef idx="0">
+            <a:scrgbClr r="0" g="0" b="0"/>
+          </a:effectRef>
           <a:fontRef idx="minor"/>
         </p:style>
         <p:txBody>
-          <a:bodyPr wrap="none" lIns="90000" rIns="90000" tIns="45000" bIns="45000">
+          <a:bodyPr wrap="none" lIns="90000" tIns="45000" rIns="90000" bIns="45000">
             <a:spAutoFit/>
           </a:bodyPr>
+          <a:lstStyle/>
           <a:p>
             <a:pPr algn="ctr">
               <a:lnSpc>
@@ -4596,7 +5092,7 @@
               </a:lnSpc>
             </a:pPr>
             <a:r>
-              <a:rPr b="0" lang="en-US" sz="1000" spc="-1" strike="noStrike">
+              <a:rPr lang="en-US" sz="1000" b="0" strike="noStrike" spc="-1">
                 <a:solidFill>
                   <a:srgbClr val="000000"/>
                 </a:solidFill>
@@ -4604,7 +5100,7 @@
               </a:rPr>
               <a:t>Controller</a:t>
             </a:r>
-            <a:endParaRPr b="0" lang="en-US" sz="1000" spc="-1" strike="noStrike">
+            <a:endParaRPr lang="en-US" sz="1000" b="0" strike="noStrike" spc="-1">
               <a:latin typeface="Arial"/>
             </a:endParaRPr>
           </a:p>
@@ -4615,7 +5111,7 @@
               </a:lnSpc>
             </a:pPr>
             <a:r>
-              <a:rPr b="0" lang="en-US" sz="1000" spc="-1" strike="noStrike">
+              <a:rPr lang="en-US" sz="1000" b="0" strike="noStrike" spc="-1">
                 <a:solidFill>
                   <a:srgbClr val="000000"/>
                 </a:solidFill>
@@ -4623,7 +5119,7 @@
               </a:rPr>
               <a:t>Orchestrator</a:t>
             </a:r>
-            <a:endParaRPr b="0" lang="en-US" sz="1000" spc="-1" strike="noStrike">
+            <a:endParaRPr lang="en-US" sz="1000" b="0" strike="noStrike" spc="-1">
               <a:latin typeface="Arial"/>
             </a:endParaRPr>
           </a:p>
@@ -4634,7 +5130,7 @@
               </a:lnSpc>
             </a:pPr>
             <a:r>
-              <a:rPr b="0" lang="en-US" sz="1000" spc="-1" strike="noStrike">
+              <a:rPr lang="en-US" sz="1000" b="0" strike="noStrike" spc="-1">
                 <a:solidFill>
                   <a:srgbClr val="000000"/>
                 </a:solidFill>
@@ -4642,7 +5138,7 @@
               </a:rPr>
               <a:t>…</a:t>
             </a:r>
-            <a:endParaRPr b="0" lang="en-US" sz="1000" spc="-1" strike="noStrike">
+            <a:endParaRPr lang="en-US" sz="1000" b="0" strike="noStrike" spc="-1">
               <a:latin typeface="Arial"/>
             </a:endParaRPr>
           </a:p>
@@ -4657,7 +5153,7 @@
         <p:spPr>
           <a:xfrm flipH="1" flipV="1">
             <a:off x="3761280" y="2374200"/>
-            <a:ext cx="869400" cy="40680"/>
+            <a:ext cx="810066" cy="170096"/>
           </a:xfrm>
           <a:prstGeom prst="line">
             <a:avLst/>
@@ -4692,7 +5188,7 @@
         <p:spPr>
           <a:xfrm flipH="1" flipV="1">
             <a:off x="4456440" y="2039760"/>
-            <a:ext cx="310680" cy="238680"/>
+            <a:ext cx="232099" cy="392040"/>
           </a:xfrm>
           <a:prstGeom prst="line">
             <a:avLst/>
@@ -4724,8 +5220,8 @@
         </p:nvSpPr>
         <p:spPr>
           <a:xfrm flipV="1">
-            <a:off x="4767120" y="2081880"/>
-            <a:ext cx="175680" cy="196560"/>
+            <a:off x="4800540" y="2081879"/>
+            <a:ext cx="142260" cy="365571"/>
           </a:xfrm>
           <a:prstGeom prst="line">
             <a:avLst/>
@@ -4757,8 +5253,8 @@
         </p:nvSpPr>
         <p:spPr>
           <a:xfrm flipH="1">
-            <a:off x="3488400" y="2414880"/>
-            <a:ext cx="1142280" cy="662040"/>
+            <a:off x="3488399" y="2579056"/>
+            <a:ext cx="1077107" cy="497864"/>
           </a:xfrm>
           <a:prstGeom prst="line">
             <a:avLst/>
@@ -5073,7 +5569,7 @@
         <p:spPr>
           <a:xfrm flipH="1" flipV="1">
             <a:off x="1216080" y="2233800"/>
-            <a:ext cx="314280" cy="560880"/>
+            <a:ext cx="332520" cy="591686"/>
           </a:xfrm>
           <a:prstGeom prst="line">
             <a:avLst/>
@@ -5106,9 +5602,9 @@
           <p:nvPr/>
         </p:nvSpPr>
         <p:spPr>
-          <a:xfrm flipV="1">
-            <a:off x="1530360" y="2220120"/>
-            <a:ext cx="19440" cy="574560"/>
+          <a:xfrm flipH="1" flipV="1">
+            <a:off x="1549800" y="2220120"/>
+            <a:ext cx="9780" cy="638280"/>
           </a:xfrm>
           <a:prstGeom prst="line">
             <a:avLst/>
@@ -5142,7 +5638,7 @@
         </p:nvSpPr>
         <p:spPr>
           <a:xfrm>
-            <a:off x="4675680" y="2496240"/>
+            <a:off x="4675680" y="2707784"/>
             <a:ext cx="344160" cy="265680"/>
           </a:xfrm>
           <a:prstGeom prst="rect">
@@ -5154,15 +5650,22 @@
           </a:ln>
         </p:spPr>
         <p:style>
-          <a:lnRef idx="0"/>
-          <a:fillRef idx="0"/>
-          <a:effectRef idx="0"/>
+          <a:lnRef idx="0">
+            <a:scrgbClr r="0" g="0" b="0"/>
+          </a:lnRef>
+          <a:fillRef idx="0">
+            <a:scrgbClr r="0" g="0" b="0"/>
+          </a:fillRef>
+          <a:effectRef idx="0">
+            <a:scrgbClr r="0" g="0" b="0"/>
+          </a:effectRef>
           <a:fontRef idx="minor"/>
         </p:style>
         <p:txBody>
-          <a:bodyPr wrap="none" lIns="90000" rIns="90000" tIns="45000" bIns="45000">
+          <a:bodyPr wrap="none" lIns="90000" tIns="45000" rIns="90000" bIns="45000">
             <a:spAutoFit/>
           </a:bodyPr>
+          <a:lstStyle/>
           <a:p>
             <a:pPr>
               <a:lnSpc>
@@ -5170,7 +5673,7 @@
               </a:lnSpc>
             </a:pPr>
             <a:r>
-              <a:rPr b="0" lang="en-US" sz="1150" spc="-1" strike="noStrike">
+              <a:rPr lang="en-US" sz="1150" b="0" strike="noStrike" spc="-1">
                 <a:solidFill>
                   <a:srgbClr val="000000"/>
                 </a:solidFill>
@@ -5178,7 +5681,7 @@
               </a:rPr>
               <a:t>(1)</a:t>
             </a:r>
-            <a:endParaRPr b="0" lang="en-US" sz="1150" spc="-1" strike="noStrike">
+            <a:endParaRPr lang="en-US" sz="1150" b="0" strike="noStrike" spc="-1">
               <a:latin typeface="Arial"/>
             </a:endParaRPr>
           </a:p>
@@ -5193,7 +5696,7 @@
         <p:spPr>
           <a:xfrm>
             <a:off x="1339920" y="1186560"/>
-            <a:ext cx="1976400" cy="265680"/>
+            <a:ext cx="2114338" cy="267850"/>
           </a:xfrm>
           <a:prstGeom prst="rect">
             <a:avLst/>
@@ -5204,15 +5707,22 @@
           </a:ln>
         </p:spPr>
         <p:style>
-          <a:lnRef idx="0"/>
-          <a:fillRef idx="0"/>
-          <a:effectRef idx="0"/>
+          <a:lnRef idx="0">
+            <a:scrgbClr r="0" g="0" b="0"/>
+          </a:lnRef>
+          <a:fillRef idx="0">
+            <a:scrgbClr r="0" g="0" b="0"/>
+          </a:fillRef>
+          <a:effectRef idx="0">
+            <a:scrgbClr r="0" g="0" b="0"/>
+          </a:effectRef>
           <a:fontRef idx="minor"/>
         </p:style>
         <p:txBody>
-          <a:bodyPr wrap="none" lIns="90000" rIns="90000" tIns="45000" bIns="45000">
+          <a:bodyPr wrap="none" lIns="90000" tIns="45000" rIns="90000" bIns="45000">
             <a:spAutoFit/>
           </a:bodyPr>
+          <a:lstStyle/>
           <a:p>
             <a:pPr>
               <a:lnSpc>
@@ -5220,15 +5730,15 @@
               </a:lnSpc>
             </a:pPr>
             <a:r>
-              <a:rPr b="0" lang="en-US" sz="1150" spc="-1" strike="noStrike">
+              <a:rPr lang="en-US" sz="1150" b="0" strike="noStrike" spc="-1">
                 <a:solidFill>
                   <a:srgbClr val="000000"/>
                 </a:solidFill>
                 <a:latin typeface="Calibri"/>
               </a:rPr>
-              <a:t>(2) Install network  equipment</a:t>
+              <a:t>(2) Wire up network  equipment</a:t>
             </a:r>
-            <a:endParaRPr b="0" lang="en-US" sz="1150" spc="-1" strike="noStrike">
+            <a:endParaRPr lang="en-US" sz="1150" b="0" strike="noStrike" spc="-1">
               <a:latin typeface="Arial"/>
             </a:endParaRPr>
           </a:p>
@@ -5254,15 +5764,22 @@
           </a:ln>
         </p:spPr>
         <p:style>
-          <a:lnRef idx="0"/>
-          <a:fillRef idx="0"/>
-          <a:effectRef idx="0"/>
+          <a:lnRef idx="0">
+            <a:scrgbClr r="0" g="0" b="0"/>
+          </a:lnRef>
+          <a:fillRef idx="0">
+            <a:scrgbClr r="0" g="0" b="0"/>
+          </a:fillRef>
+          <a:effectRef idx="0">
+            <a:scrgbClr r="0" g="0" b="0"/>
+          </a:effectRef>
           <a:fontRef idx="minor"/>
         </p:style>
         <p:txBody>
-          <a:bodyPr wrap="none" lIns="90000" rIns="90000" tIns="45000" bIns="45000">
+          <a:bodyPr wrap="none" lIns="90000" tIns="45000" rIns="90000" bIns="45000">
             <a:spAutoFit/>
           </a:bodyPr>
+          <a:lstStyle/>
           <a:p>
             <a:pPr>
               <a:lnSpc>
@@ -5270,24 +5787,15 @@
               </a:lnSpc>
             </a:pPr>
             <a:r>
-              <a:rPr b="0" i="1" lang="en-US" sz="1000" spc="-1" strike="noStrike">
+              <a:rPr lang="en-US" sz="1000" b="0" i="1" strike="noStrike" spc="-1">
                 <a:solidFill>
                   <a:srgbClr val="000000"/>
                 </a:solidFill>
                 <a:latin typeface="Calibri"/>
               </a:rPr>
-              <a:t>“</a:t>
+              <a:t>“NOC” </a:t>
             </a:r>
-            <a:r>
-              <a:rPr b="0" i="1" lang="en-US" sz="1000" spc="-1" strike="noStrike">
-                <a:solidFill>
-                  <a:srgbClr val="000000"/>
-                </a:solidFill>
-                <a:latin typeface="Calibri"/>
-              </a:rPr>
-              <a:t>NOC” </a:t>
-            </a:r>
-            <a:endParaRPr b="0" lang="en-US" sz="1000" spc="-1" strike="noStrike">
+            <a:endParaRPr lang="en-US" sz="1000" b="0" strike="noStrike" spc="-1">
               <a:latin typeface="Arial"/>
             </a:endParaRPr>
           </a:p>
@@ -5298,7 +5806,7 @@
               </a:lnSpc>
             </a:pPr>
             <a:r>
-              <a:rPr b="0" i="1" lang="en-US" sz="900" spc="-1" strike="noStrike">
+              <a:rPr lang="en-US" sz="900" b="0" i="1" strike="noStrike" spc="-1">
                 <a:solidFill>
                   <a:srgbClr val="000000"/>
                 </a:solidFill>
@@ -5306,7 +5814,7 @@
               </a:rPr>
               <a:t>Configured equipment</a:t>
             </a:r>
-            <a:endParaRPr b="0" lang="en-US" sz="900" spc="-1" strike="noStrike">
+            <a:endParaRPr lang="en-US" sz="900" b="0" strike="noStrike" spc="-1">
               <a:latin typeface="Arial"/>
             </a:endParaRPr>
           </a:p>
@@ -5332,15 +5840,22 @@
           </a:ln>
         </p:spPr>
         <p:style>
-          <a:lnRef idx="0"/>
-          <a:fillRef idx="0"/>
-          <a:effectRef idx="0"/>
+          <a:lnRef idx="0">
+            <a:scrgbClr r="0" g="0" b="0"/>
+          </a:lnRef>
+          <a:fillRef idx="0">
+            <a:scrgbClr r="0" g="0" b="0"/>
+          </a:fillRef>
+          <a:effectRef idx="0">
+            <a:scrgbClr r="0" g="0" b="0"/>
+          </a:effectRef>
           <a:fontRef idx="minor"/>
         </p:style>
         <p:txBody>
-          <a:bodyPr wrap="none" lIns="90000" rIns="90000" tIns="45000" bIns="45000">
+          <a:bodyPr wrap="none" lIns="90000" tIns="45000" rIns="90000" bIns="45000">
             <a:spAutoFit/>
           </a:bodyPr>
+          <a:lstStyle/>
           <a:p>
             <a:pPr>
               <a:lnSpc>
@@ -5348,7 +5863,7 @@
               </a:lnSpc>
             </a:pPr>
             <a:r>
-              <a:rPr b="0" i="1" lang="en-US" sz="1000" spc="-1" strike="noStrike">
+              <a:rPr lang="en-US" sz="1000" b="0" i="1" strike="noStrike" spc="-1">
                 <a:solidFill>
                   <a:srgbClr val="000000"/>
                 </a:solidFill>
@@ -5356,7 +5871,7 @@
               </a:rPr>
               <a:t>Autonomous network with ANI</a:t>
             </a:r>
-            <a:endParaRPr b="0" lang="en-US" sz="1000" spc="-1" strike="noStrike">
+            <a:endParaRPr lang="en-US" sz="1000" b="0" strike="noStrike" spc="-1">
               <a:latin typeface="Arial"/>
             </a:endParaRPr>
           </a:p>
@@ -5382,15 +5897,22 @@
           </a:ln>
         </p:spPr>
         <p:style>
-          <a:lnRef idx="0"/>
-          <a:fillRef idx="0"/>
-          <a:effectRef idx="0"/>
+          <a:lnRef idx="0">
+            <a:scrgbClr r="0" g="0" b="0"/>
+          </a:lnRef>
+          <a:fillRef idx="0">
+            <a:scrgbClr r="0" g="0" b="0"/>
+          </a:fillRef>
+          <a:effectRef idx="0">
+            <a:scrgbClr r="0" g="0" b="0"/>
+          </a:effectRef>
           <a:fontRef idx="minor"/>
         </p:style>
         <p:txBody>
-          <a:bodyPr wrap="none" lIns="90000" rIns="90000" tIns="45000" bIns="45000">
+          <a:bodyPr wrap="none" lIns="90000" tIns="45000" rIns="90000" bIns="45000">
             <a:spAutoFit/>
           </a:bodyPr>
+          <a:lstStyle/>
           <a:p>
             <a:pPr>
               <a:lnSpc>
@@ -5398,7 +5920,7 @@
               </a:lnSpc>
             </a:pPr>
             <a:r>
-              <a:rPr b="0" lang="en-US" sz="1400" spc="-1" strike="noStrike">
+              <a:rPr lang="en-US" sz="1400" b="0" strike="noStrike" spc="-1">
                 <a:solidFill>
                   <a:srgbClr val="000000"/>
                 </a:solidFill>
@@ -5406,7 +5928,7 @@
               </a:rPr>
               <a:t>…</a:t>
             </a:r>
-            <a:endParaRPr b="0" lang="en-US" sz="1400" spc="-1" strike="noStrike">
+            <a:endParaRPr lang="en-US" sz="1400" b="0" strike="noStrike" spc="-1">
               <a:latin typeface="Arial"/>
             </a:endParaRPr>
           </a:p>
@@ -5432,15 +5954,22 @@
           </a:ln>
         </p:spPr>
         <p:style>
-          <a:lnRef idx="0"/>
-          <a:fillRef idx="0"/>
-          <a:effectRef idx="0"/>
+          <a:lnRef idx="0">
+            <a:scrgbClr r="0" g="0" b="0"/>
+          </a:lnRef>
+          <a:fillRef idx="0">
+            <a:scrgbClr r="0" g="0" b="0"/>
+          </a:fillRef>
+          <a:effectRef idx="0">
+            <a:scrgbClr r="0" g="0" b="0"/>
+          </a:effectRef>
           <a:fontRef idx="minor"/>
         </p:style>
         <p:txBody>
-          <a:bodyPr wrap="none" lIns="90000" rIns="90000" tIns="45000" bIns="45000">
+          <a:bodyPr wrap="none" lIns="90000" tIns="45000" rIns="90000" bIns="45000">
             <a:spAutoFit/>
           </a:bodyPr>
+          <a:lstStyle/>
           <a:p>
             <a:pPr>
               <a:lnSpc>
@@ -5448,7 +5977,7 @@
               </a:lnSpc>
             </a:pPr>
             <a:r>
-              <a:rPr b="0" lang="en-US" sz="1150" spc="-1" strike="noStrike">
+              <a:rPr lang="en-US" sz="1150" b="0" strike="noStrike" spc="-1">
                 <a:solidFill>
                   <a:srgbClr val="000000"/>
                 </a:solidFill>
@@ -5456,35 +5985,12 @@
               </a:rPr>
               <a:t>(3)</a:t>
             </a:r>
-            <a:endParaRPr b="0" lang="en-US" sz="1150" spc="-1" strike="noStrike">
+            <a:endParaRPr lang="en-US" sz="1150" b="0" strike="noStrike" spc="-1">
               <a:latin typeface="Arial"/>
             </a:endParaRPr>
           </a:p>
         </p:txBody>
       </p:sp>
-      <p:pic>
-        <p:nvPicPr>
-          <p:cNvPr id="129" name="Picture 6" descr="omputer Hardware Laptop icon"/>
-          <p:cNvPicPr/>
-          <p:nvPr/>
-        </p:nvPicPr>
-        <p:blipFill>
-          <a:blip r:embed="rId14"/>
-          <a:stretch/>
-        </p:blipFill>
-        <p:spPr>
-          <a:xfrm>
-            <a:off x="980640" y="3330360"/>
-            <a:ext cx="290160" cy="290160"/>
-          </a:xfrm>
-          <a:prstGeom prst="rect">
-            <a:avLst/>
-          </a:prstGeom>
-          <a:ln>
-            <a:noFill/>
-          </a:ln>
-        </p:spPr>
-      </p:pic>
       <p:sp>
         <p:nvSpPr>
           <p:cNvPr id="130" name="Line 35"/>
@@ -5522,22 +6028,354 @@
       </p:sp>
       <p:sp>
         <p:nvSpPr>
-          <p:cNvPr id="131" name="CustomShape 36"/>
+          <p:cNvPr id="132" name="CustomShape 37"/>
           <p:cNvSpPr/>
           <p:nvPr/>
         </p:nvSpPr>
         <p:spPr>
           <a:xfrm>
-            <a:off x="1251720" y="3110760"/>
-            <a:ext cx="93960" cy="173160"/>
-          </a:xfrm>
-          <a:prstGeom prst="lightningBolt">
-            <a:avLst/>
+            <a:off x="607320" y="3305880"/>
+            <a:ext cx="455400" cy="265680"/>
+          </a:xfrm>
+          <a:prstGeom prst="rect">
+            <a:avLst/>
+          </a:prstGeom>
+          <a:noFill/>
+          <a:ln>
+            <a:noFill/>
+          </a:ln>
+        </p:spPr>
+        <p:style>
+          <a:lnRef idx="0">
+            <a:scrgbClr r="0" g="0" b="0"/>
+          </a:lnRef>
+          <a:fillRef idx="0">
+            <a:scrgbClr r="0" g="0" b="0"/>
+          </a:fillRef>
+          <a:effectRef idx="0">
+            <a:scrgbClr r="0" g="0" b="0"/>
+          </a:effectRef>
+          <a:fontRef idx="minor"/>
+        </p:style>
+        <p:txBody>
+          <a:bodyPr wrap="none" lIns="90000" tIns="45000" rIns="90000" bIns="45000">
+            <a:spAutoFit/>
+          </a:bodyPr>
+          <a:lstStyle/>
+          <a:p>
+            <a:pPr>
+              <a:lnSpc>
+                <a:spcPct val="100000"/>
+              </a:lnSpc>
+            </a:pPr>
+            <a:r>
+              <a:rPr lang="en-US" sz="1150" b="0" strike="noStrike" spc="-1">
+                <a:solidFill>
+                  <a:srgbClr val="000000"/>
+                </a:solidFill>
+                <a:latin typeface="Calibri"/>
+              </a:rPr>
+              <a:t>(4.3)</a:t>
+            </a:r>
+            <a:endParaRPr lang="en-US" sz="1150" b="0" strike="noStrike" spc="-1">
+              <a:latin typeface="Arial"/>
+            </a:endParaRPr>
+          </a:p>
+        </p:txBody>
+      </p:sp>
+      <p:pic>
+        <p:nvPicPr>
+          <p:cNvPr id="133" name="Picture 10" descr="py icon"/>
+          <p:cNvPicPr/>
+          <p:nvPr/>
+        </p:nvPicPr>
+        <p:blipFill>
+          <a:blip r:embed="rId2"/>
+          <a:stretch/>
+        </p:blipFill>
+        <p:spPr>
+          <a:xfrm>
+            <a:off x="1713240" y="3126960"/>
+            <a:ext cx="265320" cy="265320"/>
+          </a:xfrm>
+          <a:prstGeom prst="rect">
+            <a:avLst/>
+          </a:prstGeom>
+          <a:ln>
+            <a:noFill/>
+          </a:ln>
+        </p:spPr>
+      </p:pic>
+      <p:pic>
+        <p:nvPicPr>
+          <p:cNvPr id="134" name="Picture 12" descr="ealthcare Stethoscope icon"/>
+          <p:cNvPicPr/>
+          <p:nvPr/>
+        </p:nvPicPr>
+        <p:blipFill>
+          <a:blip r:embed="rId3"/>
+          <a:stretch/>
+        </p:blipFill>
+        <p:spPr>
+          <a:xfrm flipH="1">
+            <a:off x="1824120" y="3129120"/>
+            <a:ext cx="309960" cy="309960"/>
+          </a:xfrm>
+          <a:prstGeom prst="rect">
+            <a:avLst/>
+          </a:prstGeom>
+          <a:ln>
+            <a:noFill/>
+          </a:ln>
+        </p:spPr>
+      </p:pic>
+      <p:sp>
+        <p:nvSpPr>
+          <p:cNvPr id="135" name="CustomShape 38"/>
+          <p:cNvSpPr/>
+          <p:nvPr/>
+        </p:nvSpPr>
+        <p:spPr>
+          <a:xfrm>
+            <a:off x="1387080" y="3125880"/>
+            <a:ext cx="455400" cy="265680"/>
+          </a:xfrm>
+          <a:prstGeom prst="rect">
+            <a:avLst/>
+          </a:prstGeom>
+          <a:noFill/>
+          <a:ln>
+            <a:noFill/>
+          </a:ln>
+        </p:spPr>
+        <p:style>
+          <a:lnRef idx="0">
+            <a:scrgbClr r="0" g="0" b="0"/>
+          </a:lnRef>
+          <a:fillRef idx="0">
+            <a:scrgbClr r="0" g="0" b="0"/>
+          </a:fillRef>
+          <a:effectRef idx="0">
+            <a:scrgbClr r="0" g="0" b="0"/>
+          </a:effectRef>
+          <a:fontRef idx="minor"/>
+        </p:style>
+        <p:txBody>
+          <a:bodyPr wrap="none" lIns="90000" tIns="45000" rIns="90000" bIns="45000">
+            <a:spAutoFit/>
+          </a:bodyPr>
+          <a:lstStyle/>
+          <a:p>
+            <a:pPr>
+              <a:lnSpc>
+                <a:spcPct val="100000"/>
+              </a:lnSpc>
+            </a:pPr>
+            <a:r>
+              <a:rPr lang="en-US" sz="1150" b="0" strike="noStrike" spc="-1">
+                <a:solidFill>
+                  <a:srgbClr val="000000"/>
+                </a:solidFill>
+                <a:latin typeface="Calibri"/>
+              </a:rPr>
+              <a:t>(4.2)</a:t>
+            </a:r>
+            <a:endParaRPr lang="en-US" sz="1150" b="0" strike="noStrike" spc="-1">
+              <a:latin typeface="Arial"/>
+            </a:endParaRPr>
+          </a:p>
+        </p:txBody>
+      </p:sp>
+      <p:sp>
+        <p:nvSpPr>
+          <p:cNvPr id="139" name="Line 41"/>
+          <p:cNvSpPr/>
+          <p:nvPr/>
+        </p:nvSpPr>
+        <p:spPr>
+          <a:xfrm flipH="1" flipV="1">
+            <a:off x="1130760" y="2721240"/>
+            <a:ext cx="263160" cy="209880"/>
+          </a:xfrm>
+          <a:prstGeom prst="line">
+            <a:avLst/>
+          </a:prstGeom>
+          <a:ln w="12600">
+            <a:solidFill>
+              <a:schemeClr val="accent6">
+                <a:lumMod val="50000"/>
+              </a:schemeClr>
+            </a:solidFill>
+          </a:ln>
+        </p:spPr>
+        <p:style>
+          <a:lnRef idx="1">
+            <a:schemeClr val="accent1"/>
+          </a:lnRef>
+          <a:fillRef idx="0">
+            <a:schemeClr val="accent1"/>
+          </a:fillRef>
+          <a:effectRef idx="0">
+            <a:schemeClr val="accent1"/>
+          </a:effectRef>
+          <a:fontRef idx="minor"/>
+        </p:style>
+      </p:sp>
+      <p:sp>
+        <p:nvSpPr>
+          <p:cNvPr id="140" name="CustomShape 42"/>
+          <p:cNvSpPr/>
+          <p:nvPr/>
+        </p:nvSpPr>
+        <p:spPr>
+          <a:xfrm>
+            <a:off x="894600" y="2792520"/>
+            <a:ext cx="455400" cy="265680"/>
+          </a:xfrm>
+          <a:prstGeom prst="rect">
+            <a:avLst/>
+          </a:prstGeom>
+          <a:noFill/>
+          <a:ln>
+            <a:noFill/>
+          </a:ln>
+        </p:spPr>
+        <p:style>
+          <a:lnRef idx="0">
+            <a:scrgbClr r="0" g="0" b="0"/>
+          </a:lnRef>
+          <a:fillRef idx="0">
+            <a:scrgbClr r="0" g="0" b="0"/>
+          </a:fillRef>
+          <a:effectRef idx="0">
+            <a:scrgbClr r="0" g="0" b="0"/>
+          </a:effectRef>
+          <a:fontRef idx="minor"/>
+        </p:style>
+        <p:txBody>
+          <a:bodyPr wrap="none" lIns="90000" tIns="45000" rIns="90000" bIns="45000">
+            <a:spAutoFit/>
+          </a:bodyPr>
+          <a:lstStyle/>
+          <a:p>
+            <a:pPr>
+              <a:lnSpc>
+                <a:spcPct val="100000"/>
+              </a:lnSpc>
+            </a:pPr>
+            <a:r>
+              <a:rPr lang="en-US" sz="1150" b="0" strike="noStrike" spc="-1">
+                <a:solidFill>
+                  <a:srgbClr val="000000"/>
+                </a:solidFill>
+                <a:latin typeface="Calibri"/>
+              </a:rPr>
+              <a:t>(4.1)</a:t>
+            </a:r>
+            <a:endParaRPr lang="en-US" sz="1150" b="0" strike="noStrike" spc="-1">
+              <a:latin typeface="Arial"/>
+            </a:endParaRPr>
+          </a:p>
+        </p:txBody>
+      </p:sp>
+      <p:sp>
+        <p:nvSpPr>
+          <p:cNvPr id="142" name="CustomShape 44"/>
+          <p:cNvSpPr/>
+          <p:nvPr/>
+        </p:nvSpPr>
+        <p:spPr>
+          <a:xfrm>
+            <a:off x="4058640" y="1357200"/>
+            <a:ext cx="536040" cy="394920"/>
+          </a:xfrm>
+          <a:prstGeom prst="rect">
+            <a:avLst/>
+          </a:prstGeom>
+          <a:noFill/>
+          <a:ln>
+            <a:noFill/>
+          </a:ln>
+        </p:spPr>
+        <p:style>
+          <a:lnRef idx="0">
+            <a:scrgbClr r="0" g="0" b="0"/>
+          </a:lnRef>
+          <a:fillRef idx="0">
+            <a:scrgbClr r="0" g="0" b="0"/>
+          </a:fillRef>
+          <a:effectRef idx="0">
+            <a:scrgbClr r="0" g="0" b="0"/>
+          </a:effectRef>
+          <a:fontRef idx="minor"/>
+        </p:style>
+        <p:txBody>
+          <a:bodyPr wrap="none" lIns="90000" tIns="45000" rIns="90000" bIns="45000">
+            <a:spAutoFit/>
+          </a:bodyPr>
+          <a:lstStyle/>
+          <a:p>
+            <a:pPr algn="ctr">
+              <a:lnSpc>
+                <a:spcPct val="100000"/>
+              </a:lnSpc>
+            </a:pPr>
+            <a:r>
+              <a:rPr lang="en-US" sz="1000" b="0" strike="noStrike" spc="-1">
+                <a:solidFill>
+                  <a:srgbClr val="000000"/>
+                </a:solidFill>
+                <a:latin typeface="Calibri"/>
+              </a:rPr>
+              <a:t>Mgmt</a:t>
+            </a:r>
+            <a:endParaRPr lang="en-US" sz="1000" b="0" strike="noStrike" spc="-1">
+              <a:latin typeface="Arial"/>
+            </a:endParaRPr>
+          </a:p>
+          <a:p>
+            <a:pPr algn="ctr">
+              <a:lnSpc>
+                <a:spcPct val="100000"/>
+              </a:lnSpc>
+            </a:pPr>
+            <a:r>
+              <a:rPr lang="en-US" sz="1000" b="0" strike="noStrike" spc="-1">
+                <a:solidFill>
+                  <a:srgbClr val="000000"/>
+                </a:solidFill>
+                <a:latin typeface="Calibri"/>
+              </a:rPr>
+              <a:t>Laptop</a:t>
+            </a:r>
+            <a:endParaRPr lang="en-US" sz="1000" b="0" strike="noStrike" spc="-1">
+              <a:latin typeface="Arial"/>
+            </a:endParaRPr>
+          </a:p>
+        </p:txBody>
+      </p:sp>
+      <p:sp>
+        <p:nvSpPr>
+          <p:cNvPr id="143" name="CustomShape 45"/>
+          <p:cNvSpPr/>
+          <p:nvPr/>
+        </p:nvSpPr>
+        <p:spPr>
+          <a:xfrm>
+            <a:off x="5467943" y="2729723"/>
+            <a:ext cx="2055793" cy="1019221"/>
+          </a:xfrm>
+          <a:prstGeom prst="wedgeRoundRectCallout">
+            <a:avLst>
+              <a:gd name="adj1" fmla="val -77907"/>
+              <a:gd name="adj2" fmla="val -57010"/>
+              <a:gd name="adj3" fmla="val 16667"/>
+            </a:avLst>
           </a:prstGeom>
           <a:solidFill>
-            <a:srgbClr val="000000"/>
+            <a:srgbClr val="E5F2FF"/>
           </a:solidFill>
-          <a:ln>
+          <a:ln w="12700">
             <a:solidFill>
               <a:srgbClr val="000000"/>
             </a:solidFill>
@@ -5557,17 +6395,24 @@
           </a:effectRef>
           <a:fontRef idx="minor"/>
         </p:style>
-      </p:sp>
-      <p:sp>
-        <p:nvSpPr>
-          <p:cNvPr id="132" name="CustomShape 37"/>
+        <p:txBody>
+          <a:bodyPr/>
+          <a:lstStyle/>
+          <a:p>
+            <a:endParaRPr lang="en-US"/>
+          </a:p>
+        </p:txBody>
+      </p:sp>
+      <p:sp>
+        <p:nvSpPr>
+          <p:cNvPr id="144" name="CustomShape 46"/>
           <p:cNvSpPr/>
           <p:nvPr/>
         </p:nvSpPr>
         <p:spPr>
           <a:xfrm>
-            <a:off x="607320" y="3305880"/>
-            <a:ext cx="455400" cy="265680"/>
+            <a:off x="4156900" y="2724656"/>
+            <a:ext cx="885284" cy="444822"/>
           </a:xfrm>
           <a:prstGeom prst="rect">
             <a:avLst/>
@@ -5578,15 +6423,98 @@
           </a:ln>
         </p:spPr>
         <p:style>
-          <a:lnRef idx="0"/>
-          <a:fillRef idx="0"/>
-          <a:effectRef idx="0"/>
+          <a:lnRef idx="0">
+            <a:scrgbClr r="0" g="0" b="0"/>
+          </a:lnRef>
+          <a:fillRef idx="0">
+            <a:scrgbClr r="0" g="0" b="0"/>
+          </a:fillRef>
+          <a:effectRef idx="0">
+            <a:scrgbClr r="0" g="0" b="0"/>
+          </a:effectRef>
           <a:fontRef idx="minor"/>
         </p:style>
         <p:txBody>
-          <a:bodyPr wrap="none" lIns="90000" rIns="90000" tIns="45000" bIns="45000">
+          <a:bodyPr wrap="none" lIns="90000" tIns="45000" rIns="90000" bIns="45000">
             <a:spAutoFit/>
           </a:bodyPr>
+          <a:lstStyle/>
+          <a:p>
+            <a:pPr algn="ctr">
+              <a:lnSpc>
+                <a:spcPct val="100000"/>
+              </a:lnSpc>
+            </a:pPr>
+            <a:r>
+              <a:rPr lang="en-US" sz="1150" b="0" strike="noStrike" spc="-1">
+                <a:solidFill>
+                  <a:srgbClr val="000000"/>
+                </a:solidFill>
+                <a:latin typeface="Calibri"/>
+              </a:rPr>
+              <a:t>ANI </a:t>
+            </a:r>
+            <a:endParaRPr lang="en-US" sz="1150" b="0" strike="noStrike" spc="-1">
+              <a:latin typeface="Arial"/>
+            </a:endParaRPr>
+          </a:p>
+          <a:p>
+            <a:pPr algn="ctr">
+              <a:lnSpc>
+                <a:spcPct val="100000"/>
+              </a:lnSpc>
+            </a:pPr>
+            <a:r>
+              <a:rPr lang="en-US" sz="1150" b="0" strike="noStrike" spc="-1">
+                <a:solidFill>
+                  <a:srgbClr val="000000"/>
+                </a:solidFill>
+                <a:latin typeface="Calibri"/>
+              </a:rPr>
+              <a:t>     Registrar</a:t>
+            </a:r>
+            <a:endParaRPr lang="en-US" sz="1150" b="0" strike="noStrike" spc="-1">
+              <a:latin typeface="Arial"/>
+            </a:endParaRPr>
+          </a:p>
+        </p:txBody>
+      </p:sp>
+      <p:sp>
+        <p:nvSpPr>
+          <p:cNvPr id="145" name="CustomShape 47"/>
+          <p:cNvSpPr/>
+          <p:nvPr/>
+        </p:nvSpPr>
+        <p:spPr>
+          <a:xfrm>
+            <a:off x="5464121" y="2736074"/>
+            <a:ext cx="2682136" cy="937264"/>
+          </a:xfrm>
+          <a:prstGeom prst="rect">
+            <a:avLst/>
+          </a:prstGeom>
+          <a:noFill/>
+          <a:ln>
+            <a:noFill/>
+          </a:ln>
+        </p:spPr>
+        <p:style>
+          <a:lnRef idx="0">
+            <a:scrgbClr r="0" g="0" b="0"/>
+          </a:lnRef>
+          <a:fillRef idx="0">
+            <a:scrgbClr r="0" g="0" b="0"/>
+          </a:fillRef>
+          <a:effectRef idx="0">
+            <a:scrgbClr r="0" g="0" b="0"/>
+          </a:effectRef>
+          <a:fontRef idx="minor"/>
+        </p:style>
+        <p:txBody>
+          <a:bodyPr wrap="square" lIns="90000" tIns="45000" rIns="90000" bIns="45000">
+            <a:spAutoFit/>
+          </a:bodyPr>
+          <a:lstStyle/>
           <a:p>
             <a:pPr>
               <a:lnSpc>
@@ -5594,95 +6522,22 @@
               </a:lnSpc>
             </a:pPr>
             <a:r>
-              <a:rPr b="0" lang="en-US" sz="1150" spc="-1" strike="noStrike">
+              <a:rPr lang="en-US" sz="800" b="0" strike="noStrike" spc="-50">
                 <a:solidFill>
                   <a:srgbClr val="000000"/>
                 </a:solidFill>
-                <a:latin typeface="Calibri"/>
+                <a:latin typeface="Courier" charset="0"/>
+                <a:ea typeface="Courier" charset="0"/>
+                <a:cs typeface="Courier" charset="0"/>
               </a:rPr>
-              <a:t>(4.3)</a:t>
+              <a:t>ani registrar               ! [A]</a:t>
             </a:r>
-            <a:endParaRPr b="0" lang="en-US" sz="1150" spc="-1" strike="noStrike">
-              <a:latin typeface="Arial"/>
-            </a:endParaRPr>
-          </a:p>
-        </p:txBody>
-      </p:sp>
-      <p:pic>
-        <p:nvPicPr>
-          <p:cNvPr id="133" name="Picture 10" descr="py icon"/>
-          <p:cNvPicPr/>
-          <p:nvPr/>
-        </p:nvPicPr>
-        <p:blipFill>
-          <a:blip r:embed="rId15"/>
-          <a:stretch/>
-        </p:blipFill>
-        <p:spPr>
-          <a:xfrm>
-            <a:off x="1713240" y="3126960"/>
-            <a:ext cx="265320" cy="265320"/>
-          </a:xfrm>
-          <a:prstGeom prst="rect">
-            <a:avLst/>
-          </a:prstGeom>
-          <a:ln>
-            <a:noFill/>
-          </a:ln>
-        </p:spPr>
-      </p:pic>
-      <p:pic>
-        <p:nvPicPr>
-          <p:cNvPr id="134" name="Picture 12" descr="ealthcare Stethoscope icon"/>
-          <p:cNvPicPr/>
-          <p:nvPr/>
-        </p:nvPicPr>
-        <p:blipFill>
-          <a:blip r:embed="rId16"/>
-          <a:stretch/>
-        </p:blipFill>
-        <p:spPr>
-          <a:xfrm flipH="1">
-            <a:off x="1824120" y="3129120"/>
-            <a:ext cx="309960" cy="309960"/>
-          </a:xfrm>
-          <a:prstGeom prst="rect">
-            <a:avLst/>
-          </a:prstGeom>
-          <a:ln>
-            <a:noFill/>
-          </a:ln>
-        </p:spPr>
-      </p:pic>
-      <p:sp>
-        <p:nvSpPr>
-          <p:cNvPr id="135" name="CustomShape 38"/>
-          <p:cNvSpPr/>
-          <p:nvPr/>
-        </p:nvSpPr>
-        <p:spPr>
-          <a:xfrm>
-            <a:off x="1387080" y="3125880"/>
-            <a:ext cx="455400" cy="265680"/>
-          </a:xfrm>
-          <a:prstGeom prst="rect">
-            <a:avLst/>
-          </a:prstGeom>
-          <a:noFill/>
-          <a:ln>
-            <a:noFill/>
-          </a:ln>
-        </p:spPr>
-        <p:style>
-          <a:lnRef idx="0"/>
-          <a:fillRef idx="0"/>
-          <a:effectRef idx="0"/>
-          <a:fontRef idx="minor"/>
-        </p:style>
-        <p:txBody>
-          <a:bodyPr wrap="none" lIns="90000" rIns="90000" tIns="45000" bIns="45000">
-            <a:spAutoFit/>
-          </a:bodyPr>
+            <a:endParaRPr lang="en-US" sz="800" b="0" strike="noStrike" spc="-50">
+              <a:latin typeface="Courier" charset="0"/>
+              <a:ea typeface="Courier" charset="0"/>
+              <a:cs typeface="Courier" charset="0"/>
+            </a:endParaRPr>
+          </a:p>
           <a:p>
             <a:pPr>
               <a:lnSpc>
@@ -5690,158 +6545,45 @@
               </a:lnSpc>
             </a:pPr>
             <a:r>
-              <a:rPr b="0" lang="en-US" sz="1150" spc="-1" strike="noStrike">
+              <a:rPr lang="en-US" sz="800" b="0" strike="noStrike" spc="-50">
                 <a:solidFill>
                   <a:srgbClr val="000000"/>
                 </a:solidFill>
-                <a:latin typeface="Calibri"/>
+                <a:latin typeface="Courier" charset="0"/>
+                <a:ea typeface="Courier" charset="0"/>
+                <a:cs typeface="Courier" charset="0"/>
               </a:rPr>
-              <a:t>(4.2)</a:t>
+              <a:t>   domain-name </a:t>
             </a:r>
-            <a:endParaRPr b="0" lang="en-US" sz="1150" spc="-1" strike="noStrike">
-              <a:latin typeface="Arial"/>
-            </a:endParaRPr>
-          </a:p>
-        </p:txBody>
-      </p:sp>
-      <p:grpSp>
-        <p:nvGrpSpPr>
-          <p:cNvPr id="136" name="Group 39"/>
-          <p:cNvGrpSpPr/>
-          <p:nvPr/>
-        </p:nvGrpSpPr>
-        <p:grpSpPr>
-          <a:xfrm>
-            <a:off x="862560" y="2584440"/>
-            <a:ext cx="267840" cy="273960"/>
-            <a:chOff x="862560" y="2584440"/>
-            <a:chExt cx="267840" cy="273960"/>
-          </a:xfrm>
-        </p:grpSpPr>
-        <p:sp>
-          <p:nvSpPr>
-            <p:cNvPr id="137" name="CustomShape 40"/>
-            <p:cNvSpPr/>
-            <p:nvPr/>
-          </p:nvSpPr>
-          <p:spPr>
-            <a:xfrm>
-              <a:off x="871560" y="2599920"/>
-              <a:ext cx="248040" cy="240840"/>
-            </a:xfrm>
-            <a:prstGeom prst="ellipse">
-              <a:avLst/>
-            </a:prstGeom>
-            <a:solidFill>
-              <a:srgbClr val="808080"/>
-            </a:solidFill>
-            <a:ln>
-              <a:noFill/>
-            </a:ln>
-          </p:spPr>
-          <p:style>
-            <a:lnRef idx="2">
-              <a:schemeClr val="accent1">
-                <a:shade val="50000"/>
-              </a:schemeClr>
-            </a:lnRef>
-            <a:fillRef idx="1">
-              <a:schemeClr val="accent1"/>
-            </a:fillRef>
-            <a:effectRef idx="0">
-              <a:schemeClr val="accent1"/>
-            </a:effectRef>
-            <a:fontRef idx="minor"/>
-          </p:style>
-        </p:sp>
-        <p:pic>
-          <p:nvPicPr>
-            <p:cNvPr id="138" name="Picture 52" descr=""/>
-            <p:cNvPicPr/>
-            <p:nvPr/>
-          </p:nvPicPr>
-          <p:blipFill>
-            <a:blip r:embed="rId17"/>
-            <a:stretch/>
-          </p:blipFill>
-          <p:spPr>
-            <a:xfrm>
-              <a:off x="862560" y="2584440"/>
-              <a:ext cx="267840" cy="273960"/>
-            </a:xfrm>
-            <a:prstGeom prst="rect">
-              <a:avLst/>
-            </a:prstGeom>
-            <a:ln>
-              <a:noFill/>
-            </a:ln>
-          </p:spPr>
-        </p:pic>
-      </p:grpSp>
-      <p:sp>
-        <p:nvSpPr>
-          <p:cNvPr id="139" name="Line 41"/>
-          <p:cNvSpPr/>
-          <p:nvPr/>
-        </p:nvSpPr>
-        <p:spPr>
-          <a:xfrm flipH="1" flipV="1">
-            <a:off x="1130760" y="2721240"/>
-            <a:ext cx="263160" cy="209880"/>
-          </a:xfrm>
-          <a:prstGeom prst="line">
-            <a:avLst/>
-          </a:prstGeom>
-          <a:ln w="12600">
-            <a:solidFill>
-              <a:schemeClr val="accent6">
-                <a:lumMod val="50000"/>
-              </a:schemeClr>
-            </a:solidFill>
-          </a:ln>
-        </p:spPr>
-        <p:style>
-          <a:lnRef idx="1">
-            <a:schemeClr val="accent1"/>
-          </a:lnRef>
-          <a:fillRef idx="0">
-            <a:schemeClr val="accent1"/>
-          </a:fillRef>
-          <a:effectRef idx="0">
-            <a:schemeClr val="accent1"/>
-          </a:effectRef>
-          <a:fontRef idx="minor"/>
-        </p:style>
-      </p:sp>
-      <p:sp>
-        <p:nvSpPr>
-          <p:cNvPr id="140" name="CustomShape 42"/>
-          <p:cNvSpPr/>
-          <p:nvPr/>
-        </p:nvSpPr>
-        <p:spPr>
-          <a:xfrm>
-            <a:off x="894600" y="2792520"/>
-            <a:ext cx="455400" cy="265680"/>
-          </a:xfrm>
-          <a:prstGeom prst="rect">
-            <a:avLst/>
-          </a:prstGeom>
-          <a:noFill/>
-          <a:ln>
-            <a:noFill/>
-          </a:ln>
-        </p:spPr>
-        <p:style>
-          <a:lnRef idx="0"/>
-          <a:fillRef idx="0"/>
-          <a:effectRef idx="0"/>
-          <a:fontRef idx="minor"/>
-        </p:style>
-        <p:txBody>
-          <a:bodyPr wrap="none" lIns="90000" rIns="90000" tIns="45000" bIns="45000">
-            <a:spAutoFit/>
-          </a:bodyPr>
+            <a:r>
+              <a:rPr lang="en-US" sz="800" b="0" i="1" strike="noStrike" spc="-50">
+                <a:solidFill>
+                  <a:srgbClr val="000000"/>
+                </a:solidFill>
+                <a:latin typeface="Courier" charset="0"/>
+                <a:ea typeface="Courier" charset="0"/>
+                <a:cs typeface="Courier" charset="0"/>
+              </a:rPr>
+              <a:t>ani.example.com</a:t>
+            </a:r>
+            <a:endParaRPr lang="en-US" sz="800" b="0" strike="noStrike" spc="-50">
+              <a:latin typeface="Courier" charset="0"/>
+              <a:ea typeface="Courier" charset="0"/>
+              <a:cs typeface="Courier" charset="0"/>
+            </a:endParaRPr>
+          </a:p>
+          <a:p>
+            <a:pPr>
+              <a:lnSpc>
+                <a:spcPct val="100000"/>
+              </a:lnSpc>
+            </a:pPr>
+            <a:endParaRPr lang="en-US" sz="800" b="0" strike="noStrike" spc="-50">
+              <a:latin typeface="Courier" charset="0"/>
+              <a:ea typeface="Courier" charset="0"/>
+              <a:cs typeface="Courier" charset="0"/>
+            </a:endParaRPr>
+          </a:p>
           <a:p>
             <a:pPr>
               <a:lnSpc>
@@ -5849,41 +6591,118 @@
               </a:lnSpc>
             </a:pPr>
             <a:r>
-              <a:rPr b="0" lang="en-US" sz="1150" spc="-1" strike="noStrike">
+              <a:rPr lang="en-US" sz="800" spc="-50">
                 <a:solidFill>
                   <a:srgbClr val="000000"/>
                 </a:solidFill>
-                <a:latin typeface="Calibri"/>
+                <a:latin typeface="Courier" charset="0"/>
+                <a:ea typeface="Courier" charset="0"/>
+                <a:cs typeface="Courier" charset="0"/>
               </a:rPr>
-              <a:t>(4.1)</a:t>
+              <a:t>e</a:t>
             </a:r>
-            <a:endParaRPr b="0" lang="en-US" sz="1150" spc="-1" strike="noStrike">
-              <a:latin typeface="Arial"/>
-            </a:endParaRPr>
-          </a:p>
-        </p:txBody>
-      </p:sp>
-      <p:sp>
-        <p:nvSpPr>
-          <p:cNvPr id="141" name="CustomShape 43"/>
+            <a:r>
+              <a:rPr lang="en-US" sz="800" b="0" strike="noStrike" spc="-50">
+                <a:solidFill>
+                  <a:srgbClr val="000000"/>
+                </a:solidFill>
+                <a:latin typeface="Courier" charset="0"/>
+                <a:ea typeface="Courier" charset="0"/>
+                <a:cs typeface="Courier" charset="0"/>
+              </a:rPr>
+              <a:t>thernet 0                  ! [B]</a:t>
+            </a:r>
+            <a:endParaRPr lang="en-US" sz="800" b="0" strike="noStrike" spc="-50">
+              <a:latin typeface="Courier" charset="0"/>
+              <a:ea typeface="Courier" charset="0"/>
+              <a:cs typeface="Courier" charset="0"/>
+            </a:endParaRPr>
+          </a:p>
+          <a:p>
+            <a:pPr>
+              <a:lnSpc>
+                <a:spcPct val="100000"/>
+              </a:lnSpc>
+            </a:pPr>
+            <a:r>
+              <a:rPr lang="en-US" sz="800" b="0" strike="noStrike" spc="-50">
+                <a:solidFill>
+                  <a:srgbClr val="000000"/>
+                </a:solidFill>
+                <a:latin typeface="Courier" charset="0"/>
+                <a:ea typeface="Courier" charset="0"/>
+                <a:cs typeface="Courier" charset="0"/>
+              </a:rPr>
+              <a:t>   acp-connect</a:t>
+            </a:r>
+            <a:endParaRPr lang="en-US" sz="800" b="0" strike="noStrike" spc="-50">
+              <a:latin typeface="Courier" charset="0"/>
+              <a:ea typeface="Courier" charset="0"/>
+              <a:cs typeface="Courier" charset="0"/>
+            </a:endParaRPr>
+          </a:p>
+          <a:p>
+            <a:pPr>
+              <a:lnSpc>
+                <a:spcPct val="100000"/>
+              </a:lnSpc>
+            </a:pPr>
+            <a:endParaRPr lang="en-US" sz="700" b="0" strike="noStrike" spc="-50">
+              <a:latin typeface="Courier" charset="0"/>
+              <a:ea typeface="Courier" charset="0"/>
+              <a:cs typeface="Courier" charset="0"/>
+            </a:endParaRPr>
+          </a:p>
+          <a:p>
+            <a:pPr>
+              <a:lnSpc>
+                <a:spcPct val="100000"/>
+              </a:lnSpc>
+            </a:pPr>
+            <a:r>
+              <a:rPr lang="en-US" sz="800" b="0" i="1" strike="noStrike" spc="-100">
+                <a:solidFill>
+                  <a:srgbClr val="000000"/>
+                </a:solidFill>
+                <a:latin typeface="Courier" charset="0"/>
+                <a:ea typeface="Courier" charset="0"/>
+                <a:cs typeface="Courier" charset="0"/>
+              </a:rPr>
+              <a:t>Register my cert with vendor MASAs ! [C]</a:t>
+            </a:r>
+            <a:endParaRPr lang="en-US" sz="800" b="0" strike="noStrike" spc="-100">
+              <a:latin typeface="Courier" charset="0"/>
+              <a:ea typeface="Courier" charset="0"/>
+              <a:cs typeface="Courier" charset="0"/>
+            </a:endParaRPr>
+          </a:p>
+        </p:txBody>
+      </p:sp>
+      <p:sp>
+        <p:nvSpPr>
+          <p:cNvPr id="67" name="CustomShape 36"/>
           <p:cNvSpPr/>
           <p:nvPr/>
         </p:nvSpPr>
         <p:spPr>
           <a:xfrm>
-            <a:off x="1251360" y="2742840"/>
-            <a:ext cx="93960" cy="173160"/>
+            <a:off x="1943146" y="3190500"/>
+            <a:ext cx="169380" cy="219780"/>
           </a:xfrm>
           <a:prstGeom prst="lightningBolt">
             <a:avLst/>
           </a:prstGeom>
           <a:solidFill>
-            <a:srgbClr val="000000"/>
+            <a:schemeClr val="accent1">
+              <a:lumMod val="20000"/>
+              <a:lumOff val="80000"/>
+            </a:schemeClr>
           </a:solidFill>
-          <a:ln>
+          <a:ln w="6350">
             <a:solidFill>
               <a:srgbClr val="000000"/>
             </a:solidFill>
+            <a:prstDash val="solid"/>
           </a:ln>
         </p:spPr>
         <p:style>
@@ -5903,98 +6722,29 @@
       </p:sp>
       <p:sp>
         <p:nvSpPr>
-          <p:cNvPr id="142" name="CustomShape 44"/>
+          <p:cNvPr id="68" name="CustomShape 36"/>
           <p:cNvSpPr/>
           <p:nvPr/>
         </p:nvSpPr>
         <p:spPr>
           <a:xfrm>
-            <a:off x="4058640" y="1357200"/>
-            <a:ext cx="536040" cy="394920"/>
-          </a:xfrm>
-          <a:prstGeom prst="rect">
-            <a:avLst/>
-          </a:prstGeom>
-          <a:noFill/>
-          <a:ln>
-            <a:noFill/>
-          </a:ln>
-        </p:spPr>
-        <p:style>
-          <a:lnRef idx="0"/>
-          <a:fillRef idx="0"/>
-          <a:effectRef idx="0"/>
-          <a:fontRef idx="minor"/>
-        </p:style>
-        <p:txBody>
-          <a:bodyPr wrap="none" lIns="90000" rIns="90000" tIns="45000" bIns="45000">
-            <a:spAutoFit/>
-          </a:bodyPr>
-          <a:p>
-            <a:pPr algn="ctr">
-              <a:lnSpc>
-                <a:spcPct val="100000"/>
-              </a:lnSpc>
-            </a:pPr>
-            <a:r>
-              <a:rPr b="0" lang="en-US" sz="1000" spc="-1" strike="noStrike">
-                <a:solidFill>
-                  <a:srgbClr val="000000"/>
-                </a:solidFill>
-                <a:latin typeface="Calibri"/>
-              </a:rPr>
-              <a:t>Mgmt</a:t>
-            </a:r>
-            <a:endParaRPr b="0" lang="en-US" sz="1000" spc="-1" strike="noStrike">
-              <a:latin typeface="Arial"/>
-            </a:endParaRPr>
-          </a:p>
-          <a:p>
-            <a:pPr algn="ctr">
-              <a:lnSpc>
-                <a:spcPct val="100000"/>
-              </a:lnSpc>
-            </a:pPr>
-            <a:r>
-              <a:rPr b="0" lang="en-US" sz="1000" spc="-1" strike="noStrike">
-                <a:solidFill>
-                  <a:srgbClr val="000000"/>
-                </a:solidFill>
-                <a:latin typeface="Calibri"/>
-              </a:rPr>
-              <a:t>Laptop</a:t>
-            </a:r>
-            <a:endParaRPr b="0" lang="en-US" sz="1000" spc="-1" strike="noStrike">
-              <a:latin typeface="Arial"/>
-            </a:endParaRPr>
-          </a:p>
-        </p:txBody>
-      </p:sp>
-      <p:sp>
-        <p:nvSpPr>
-          <p:cNvPr id="143" name="CustomShape 45"/>
-          <p:cNvSpPr/>
-          <p:nvPr/>
-        </p:nvSpPr>
-        <p:spPr>
-          <a:xfrm>
-            <a:off x="5701320" y="2841480"/>
-            <a:ext cx="1796760" cy="999000"/>
-          </a:xfrm>
-          <a:prstGeom prst="wedgeRoundRectCallout">
-            <a:avLst>
-              <a:gd name="adj1" fmla="val -98804"/>
-              <a:gd name="adj2" fmla="val -91860"/>
-              <a:gd name="adj3" fmla="val 16667"/>
-            </a:avLst>
+            <a:off x="1245330" y="3069566"/>
+            <a:ext cx="169380" cy="219780"/>
+          </a:xfrm>
+          <a:prstGeom prst="lightningBolt">
+            <a:avLst/>
           </a:prstGeom>
           <a:solidFill>
-            <a:srgbClr val="ffffff"/>
+            <a:schemeClr val="accent1">
+              <a:lumMod val="20000"/>
+              <a:lumOff val="80000"/>
+            </a:schemeClr>
           </a:solidFill>
-          <a:ln>
+          <a:ln w="6350">
             <a:solidFill>
               <a:srgbClr val="000000"/>
             </a:solidFill>
+            <a:prstDash val="solid"/>
           </a:ln>
         </p:spPr>
         <p:style>
@@ -6014,14 +6764,772 @@
       </p:sp>
       <p:sp>
         <p:nvSpPr>
-          <p:cNvPr id="144" name="CustomShape 46"/>
+          <p:cNvPr id="69" name="CustomShape 36"/>
           <p:cNvSpPr/>
           <p:nvPr/>
         </p:nvSpPr>
         <p:spPr>
           <a:xfrm>
-            <a:off x="4246920" y="2492640"/>
-            <a:ext cx="705240" cy="441000"/>
+            <a:off x="1169640" y="2713860"/>
+            <a:ext cx="169380" cy="219780"/>
+          </a:xfrm>
+          <a:prstGeom prst="lightningBolt">
+            <a:avLst/>
+          </a:prstGeom>
+          <a:solidFill>
+            <a:schemeClr val="accent1">
+              <a:lumMod val="20000"/>
+              <a:lumOff val="80000"/>
+            </a:schemeClr>
+          </a:solidFill>
+          <a:ln w="6350">
+            <a:solidFill>
+              <a:srgbClr val="000000"/>
+            </a:solidFill>
+            <a:prstDash val="solid"/>
+          </a:ln>
+        </p:spPr>
+        <p:style>
+          <a:lnRef idx="2">
+            <a:schemeClr val="accent1">
+              <a:shade val="50000"/>
+            </a:schemeClr>
+          </a:lnRef>
+          <a:fillRef idx="1">
+            <a:schemeClr val="accent1"/>
+          </a:fillRef>
+          <a:effectRef idx="0">
+            <a:schemeClr val="accent1"/>
+          </a:effectRef>
+          <a:fontRef idx="minor"/>
+        </p:style>
+      </p:sp>
+      <p:pic>
+        <p:nvPicPr>
+          <p:cNvPr id="71" name="Picture 20" descr="C:\Users\ecoffey\AppData\Local\Temp\Rar$DRa1.653\30059_Device_laptop_3145_unknown_64.png"/>
+          <p:cNvPicPr>
+            <a:picLocks noChangeAspect="1" noChangeArrowheads="1"/>
+          </p:cNvPicPr>
+          <p:nvPr/>
+        </p:nvPicPr>
+        <p:blipFill>
+          <a:blip r:embed="rId4">
+            <a:extLst>
+              <a:ext uri="{28A0092B-C50C-407E-A947-70E740481C1C}">
+                <a14:useLocalDpi xmlns:a14="http://schemas.microsoft.com/office/drawing/2010/main" val="0"/>
+              </a:ext>
+            </a:extLst>
+          </a:blip>
+          <a:srcRect/>
+          <a:stretch>
+            <a:fillRect/>
+          </a:stretch>
+        </p:blipFill>
+        <p:spPr bwMode="auto">
+          <a:xfrm>
+            <a:off x="4201260" y="1741800"/>
+            <a:ext cx="356280" cy="356280"/>
+          </a:xfrm>
+          <a:prstGeom prst="rect">
+            <a:avLst/>
+          </a:prstGeom>
+          <a:noFill/>
+          <a:extLst>
+            <a:ext uri="{909E8E84-426E-40DD-AFC4-6F175D3DCCD1}">
+              <a14:hiddenFill xmlns:a14="http://schemas.microsoft.com/office/drawing/2010/main">
+                <a:solidFill>
+                  <a:srgbClr val="FFFFFF"/>
+                </a:solidFill>
+              </a14:hiddenFill>
+            </a:ext>
+          </a:extLst>
+        </p:spPr>
+      </p:pic>
+      <p:pic>
+        <p:nvPicPr>
+          <p:cNvPr id="73" name="Picture 10" descr="C:\Users\ecoffey\AppData\Local\Temp\Rar$DRa1.653\30059_Device_laptop_3145_default_256.png"/>
+          <p:cNvPicPr>
+            <a:picLocks noChangeAspect="1" noChangeArrowheads="1"/>
+          </p:cNvPicPr>
+          <p:nvPr/>
+        </p:nvPicPr>
+        <p:blipFill>
+          <a:blip r:embed="rId5">
+            <a:extLst>
+              <a:ext uri="{28A0092B-C50C-407E-A947-70E740481C1C}">
+                <a14:useLocalDpi xmlns:a14="http://schemas.microsoft.com/office/drawing/2010/main" val="0"/>
+              </a:ext>
+            </a:extLst>
+          </a:blip>
+          <a:srcRect/>
+          <a:stretch>
+            <a:fillRect/>
+          </a:stretch>
+        </p:blipFill>
+        <p:spPr bwMode="auto">
+          <a:xfrm>
+            <a:off x="932760" y="3223845"/>
+            <a:ext cx="403500" cy="403500"/>
+          </a:xfrm>
+          <a:prstGeom prst="rect">
+            <a:avLst/>
+          </a:prstGeom>
+          <a:noFill/>
+          <a:extLst>
+            <a:ext uri="{909E8E84-426E-40DD-AFC4-6F175D3DCCD1}">
+              <a14:hiddenFill xmlns:a14="http://schemas.microsoft.com/office/drawing/2010/main">
+                <a:solidFill>
+                  <a:srgbClr val="FFFFFF"/>
+                </a:solidFill>
+              </a14:hiddenFill>
+            </a:ext>
+          </a:extLst>
+        </p:spPr>
+      </p:pic>
+      <p:pic>
+        <p:nvPicPr>
+          <p:cNvPr id="75" name="Picture 20" descr="C:\Users\ecoffey\AppData\Local\Temp\Rar$DRa0.386\30067_Device_router_unknown_64.png"/>
+          <p:cNvPicPr>
+            <a:picLocks noChangeAspect="1" noChangeArrowheads="1"/>
+          </p:cNvPicPr>
+          <p:nvPr/>
+        </p:nvPicPr>
+        <p:blipFill>
+          <a:blip r:embed="rId6">
+            <a:extLst>
+              <a:ext uri="{28A0092B-C50C-407E-A947-70E740481C1C}">
+                <a14:useLocalDpi xmlns:a14="http://schemas.microsoft.com/office/drawing/2010/main" val="0"/>
+              </a:ext>
+            </a:extLst>
+          </a:blip>
+          <a:srcRect/>
+          <a:stretch>
+            <a:fillRect/>
+          </a:stretch>
+        </p:blipFill>
+        <p:spPr bwMode="auto">
+          <a:xfrm>
+            <a:off x="2737170" y="1911960"/>
+            <a:ext cx="378900" cy="378900"/>
+          </a:xfrm>
+          <a:prstGeom prst="rect">
+            <a:avLst/>
+          </a:prstGeom>
+          <a:noFill/>
+          <a:extLst>
+            <a:ext uri="{909E8E84-426E-40DD-AFC4-6F175D3DCCD1}">
+              <a14:hiddenFill xmlns:a14="http://schemas.microsoft.com/office/drawing/2010/main">
+                <a:solidFill>
+                  <a:srgbClr val="FFFFFF"/>
+                </a:solidFill>
+              </a14:hiddenFill>
+            </a:ext>
+          </a:extLst>
+        </p:spPr>
+      </p:pic>
+      <p:pic>
+        <p:nvPicPr>
+          <p:cNvPr id="76" name="Picture 20" descr="C:\Users\ecoffey\AppData\Local\Temp\Rar$DRa0.386\30067_Device_router_unknown_64.png"/>
+          <p:cNvPicPr>
+            <a:picLocks noChangeAspect="1" noChangeArrowheads="1"/>
+          </p:cNvPicPr>
+          <p:nvPr/>
+        </p:nvPicPr>
+        <p:blipFill>
+          <a:blip r:embed="rId6">
+            <a:extLst>
+              <a:ext uri="{28A0092B-C50C-407E-A947-70E740481C1C}">
+                <a14:useLocalDpi xmlns:a14="http://schemas.microsoft.com/office/drawing/2010/main" val="0"/>
+              </a:ext>
+            </a:extLst>
+          </a:blip>
+          <a:srcRect/>
+          <a:stretch>
+            <a:fillRect/>
+          </a:stretch>
+        </p:blipFill>
+        <p:spPr bwMode="auto">
+          <a:xfrm>
+            <a:off x="3427665" y="2201400"/>
+            <a:ext cx="378900" cy="378900"/>
+          </a:xfrm>
+          <a:prstGeom prst="rect">
+            <a:avLst/>
+          </a:prstGeom>
+          <a:noFill/>
+          <a:extLst>
+            <a:ext uri="{909E8E84-426E-40DD-AFC4-6F175D3DCCD1}">
+              <a14:hiddenFill xmlns:a14="http://schemas.microsoft.com/office/drawing/2010/main">
+                <a:solidFill>
+                  <a:srgbClr val="FFFFFF"/>
+                </a:solidFill>
+              </a14:hiddenFill>
+            </a:ext>
+          </a:extLst>
+        </p:spPr>
+      </p:pic>
+      <p:pic>
+        <p:nvPicPr>
+          <p:cNvPr id="77" name="Picture 20" descr="C:\Users\ecoffey\AppData\Local\Temp\Rar$DRa0.386\30067_Device_router_unknown_64.png"/>
+          <p:cNvPicPr>
+            <a:picLocks noChangeAspect="1" noChangeArrowheads="1"/>
+          </p:cNvPicPr>
+          <p:nvPr/>
+        </p:nvPicPr>
+        <p:blipFill>
+          <a:blip r:embed="rId6">
+            <a:extLst>
+              <a:ext uri="{28A0092B-C50C-407E-A947-70E740481C1C}">
+                <a14:useLocalDpi xmlns:a14="http://schemas.microsoft.com/office/drawing/2010/main" val="0"/>
+              </a:ext>
+            </a:extLst>
+          </a:blip>
+          <a:srcRect/>
+          <a:stretch>
+            <a:fillRect/>
+          </a:stretch>
+        </p:blipFill>
+        <p:spPr bwMode="auto">
+          <a:xfrm>
+            <a:off x="3169710" y="2868750"/>
+            <a:ext cx="378900" cy="378900"/>
+          </a:xfrm>
+          <a:prstGeom prst="rect">
+            <a:avLst/>
+          </a:prstGeom>
+          <a:noFill/>
+          <a:extLst>
+            <a:ext uri="{909E8E84-426E-40DD-AFC4-6F175D3DCCD1}">
+              <a14:hiddenFill xmlns:a14="http://schemas.microsoft.com/office/drawing/2010/main">
+                <a:solidFill>
+                  <a:srgbClr val="FFFFFF"/>
+                </a:solidFill>
+              </a14:hiddenFill>
+            </a:ext>
+          </a:extLst>
+        </p:spPr>
+      </p:pic>
+      <p:pic>
+        <p:nvPicPr>
+          <p:cNvPr id="78" name="Picture 20" descr="C:\Users\ecoffey\AppData\Local\Temp\Rar$DRa0.386\30067_Device_router_unknown_64.png"/>
+          <p:cNvPicPr>
+            <a:picLocks noChangeAspect="1" noChangeArrowheads="1"/>
+          </p:cNvPicPr>
+          <p:nvPr/>
+        </p:nvPicPr>
+        <p:blipFill>
+          <a:blip r:embed="rId6">
+            <a:extLst>
+              <a:ext uri="{28A0092B-C50C-407E-A947-70E740481C1C}">
+                <a14:useLocalDpi xmlns:a14="http://schemas.microsoft.com/office/drawing/2010/main" val="0"/>
+              </a:ext>
+            </a:extLst>
+          </a:blip>
+          <a:srcRect/>
+          <a:stretch>
+            <a:fillRect/>
+          </a:stretch>
+        </p:blipFill>
+        <p:spPr bwMode="auto">
+          <a:xfrm>
+            <a:off x="2353110" y="3187710"/>
+            <a:ext cx="378900" cy="378900"/>
+          </a:xfrm>
+          <a:prstGeom prst="rect">
+            <a:avLst/>
+          </a:prstGeom>
+          <a:noFill/>
+          <a:extLst>
+            <a:ext uri="{909E8E84-426E-40DD-AFC4-6F175D3DCCD1}">
+              <a14:hiddenFill xmlns:a14="http://schemas.microsoft.com/office/drawing/2010/main">
+                <a:solidFill>
+                  <a:srgbClr val="FFFFFF"/>
+                </a:solidFill>
+              </a14:hiddenFill>
+            </a:ext>
+          </a:extLst>
+        </p:spPr>
+      </p:pic>
+      <p:pic>
+        <p:nvPicPr>
+          <p:cNvPr id="79" name="Picture 20" descr="C:\Users\ecoffey\AppData\Local\Temp\Rar$DRa0.386\30067_Device_router_unknown_64.png"/>
+          <p:cNvPicPr>
+            <a:picLocks noChangeAspect="1" noChangeArrowheads="1"/>
+          </p:cNvPicPr>
+          <p:nvPr/>
+        </p:nvPicPr>
+        <p:blipFill>
+          <a:blip r:embed="rId6">
+            <a:extLst>
+              <a:ext uri="{28A0092B-C50C-407E-A947-70E740481C1C}">
+                <a14:useLocalDpi xmlns:a14="http://schemas.microsoft.com/office/drawing/2010/main" val="0"/>
+              </a:ext>
+            </a:extLst>
+          </a:blip>
+          <a:srcRect/>
+          <a:stretch>
+            <a:fillRect/>
+          </a:stretch>
+        </p:blipFill>
+        <p:spPr bwMode="auto">
+          <a:xfrm>
+            <a:off x="1393110" y="2763900"/>
+            <a:ext cx="378900" cy="378900"/>
+          </a:xfrm>
+          <a:prstGeom prst="rect">
+            <a:avLst/>
+          </a:prstGeom>
+          <a:noFill/>
+          <a:extLst>
+            <a:ext uri="{909E8E84-426E-40DD-AFC4-6F175D3DCCD1}">
+              <a14:hiddenFill xmlns:a14="http://schemas.microsoft.com/office/drawing/2010/main">
+                <a:solidFill>
+                  <a:srgbClr val="FFFFFF"/>
+                </a:solidFill>
+              </a14:hiddenFill>
+            </a:ext>
+          </a:extLst>
+        </p:spPr>
+      </p:pic>
+      <p:pic>
+        <p:nvPicPr>
+          <p:cNvPr id="80" name="Picture 20" descr="C:\Users\ecoffey\AppData\Local\Temp\Rar$DRa0.386\30067_Device_router_unknown_64.png"/>
+          <p:cNvPicPr>
+            <a:picLocks noChangeAspect="1" noChangeArrowheads="1"/>
+          </p:cNvPicPr>
+          <p:nvPr/>
+        </p:nvPicPr>
+        <p:blipFill>
+          <a:blip r:embed="rId6">
+            <a:extLst>
+              <a:ext uri="{28A0092B-C50C-407E-A947-70E740481C1C}">
+                <a14:useLocalDpi xmlns:a14="http://schemas.microsoft.com/office/drawing/2010/main" val="0"/>
+              </a:ext>
+            </a:extLst>
+          </a:blip>
+          <a:srcRect/>
+          <a:stretch>
+            <a:fillRect/>
+          </a:stretch>
+        </p:blipFill>
+        <p:spPr bwMode="auto">
+          <a:xfrm>
+            <a:off x="1809293" y="1810263"/>
+            <a:ext cx="378900" cy="378900"/>
+          </a:xfrm>
+          <a:prstGeom prst="rect">
+            <a:avLst/>
+          </a:prstGeom>
+          <a:noFill/>
+          <a:extLst>
+            <a:ext uri="{909E8E84-426E-40DD-AFC4-6F175D3DCCD1}">
+              <a14:hiddenFill xmlns:a14="http://schemas.microsoft.com/office/drawing/2010/main">
+                <a:solidFill>
+                  <a:srgbClr val="FFFFFF"/>
+                </a:solidFill>
+              </a14:hiddenFill>
+            </a:ext>
+          </a:extLst>
+        </p:spPr>
+      </p:pic>
+      <p:pic>
+        <p:nvPicPr>
+          <p:cNvPr id="81" name="Picture 20" descr="C:\Users\ecoffey\AppData\Local\Temp\Rar$DRa0.386\30067_Device_router_unknown_64.png"/>
+          <p:cNvPicPr>
+            <a:picLocks noChangeAspect="1" noChangeArrowheads="1"/>
+          </p:cNvPicPr>
+          <p:nvPr/>
+        </p:nvPicPr>
+        <p:blipFill>
+          <a:blip r:embed="rId6">
+            <a:extLst>
+              <a:ext uri="{28A0092B-C50C-407E-A947-70E740481C1C}">
+                <a14:useLocalDpi xmlns:a14="http://schemas.microsoft.com/office/drawing/2010/main" val="0"/>
+              </a:ext>
+            </a:extLst>
+          </a:blip>
+          <a:srcRect/>
+          <a:stretch>
+            <a:fillRect/>
+          </a:stretch>
+        </p:blipFill>
+        <p:spPr bwMode="auto">
+          <a:xfrm>
+            <a:off x="843750" y="2025148"/>
+            <a:ext cx="378900" cy="378900"/>
+          </a:xfrm>
+          <a:prstGeom prst="rect">
+            <a:avLst/>
+          </a:prstGeom>
+          <a:noFill/>
+          <a:extLst>
+            <a:ext uri="{909E8E84-426E-40DD-AFC4-6F175D3DCCD1}">
+              <a14:hiddenFill xmlns:a14="http://schemas.microsoft.com/office/drawing/2010/main">
+                <a:solidFill>
+                  <a:srgbClr val="FFFFFF"/>
+                </a:solidFill>
+              </a14:hiddenFill>
+            </a:ext>
+          </a:extLst>
+        </p:spPr>
+      </p:pic>
+      <p:pic>
+        <p:nvPicPr>
+          <p:cNvPr id="146" name="Picture 20" descr="C:\Users\ecoffey\AppData\Local\Temp\Rar$DRa0.386\30067_Device_router_unknown_64.png"/>
+          <p:cNvPicPr>
+            <a:picLocks noChangeAspect="1" noChangeArrowheads="1"/>
+          </p:cNvPicPr>
+          <p:nvPr/>
+        </p:nvPicPr>
+        <p:blipFill>
+          <a:blip r:embed="rId6">
+            <a:extLst>
+              <a:ext uri="{28A0092B-C50C-407E-A947-70E740481C1C}">
+                <a14:useLocalDpi xmlns:a14="http://schemas.microsoft.com/office/drawing/2010/main" val="0"/>
+              </a:ext>
+            </a:extLst>
+          </a:blip>
+          <a:srcRect/>
+          <a:stretch>
+            <a:fillRect/>
+          </a:stretch>
+        </p:blipFill>
+        <p:spPr bwMode="auto">
+          <a:xfrm>
+            <a:off x="853470" y="1524060"/>
+            <a:ext cx="378900" cy="378900"/>
+          </a:xfrm>
+          <a:prstGeom prst="rect">
+            <a:avLst/>
+          </a:prstGeom>
+          <a:noFill/>
+          <a:extLst>
+            <a:ext uri="{909E8E84-426E-40DD-AFC4-6F175D3DCCD1}">
+              <a14:hiddenFill xmlns:a14="http://schemas.microsoft.com/office/drawing/2010/main">
+                <a:solidFill>
+                  <a:srgbClr val="FFFFFF"/>
+                </a:solidFill>
+              </a14:hiddenFill>
+            </a:ext>
+          </a:extLst>
+        </p:spPr>
+      </p:pic>
+      <p:pic>
+        <p:nvPicPr>
+          <p:cNvPr id="147" name="Picture 27" descr="C:\Users\ecoffey\AppData\Local\Temp\Rar$DRa0.386\30067_Device_router_unreachable_64.png"/>
+          <p:cNvPicPr>
+            <a:picLocks noChangeAspect="1" noChangeArrowheads="1"/>
+          </p:cNvPicPr>
+          <p:nvPr/>
+        </p:nvPicPr>
+        <p:blipFill>
+          <a:blip r:embed="rId7">
+            <a:extLst>
+              <a:ext uri="{28A0092B-C50C-407E-A947-70E740481C1C}">
+                <a14:useLocalDpi xmlns:a14="http://schemas.microsoft.com/office/drawing/2010/main" val="0"/>
+              </a:ext>
+            </a:extLst>
+          </a:blip>
+          <a:srcRect/>
+          <a:stretch>
+            <a:fillRect/>
+          </a:stretch>
+        </p:blipFill>
+        <p:spPr bwMode="auto">
+          <a:xfrm>
+            <a:off x="753075" y="2523105"/>
+            <a:ext cx="377550" cy="377550"/>
+          </a:xfrm>
+          <a:prstGeom prst="rect">
+            <a:avLst/>
+          </a:prstGeom>
+          <a:noFill/>
+          <a:extLst>
+            <a:ext uri="{909E8E84-426E-40DD-AFC4-6F175D3DCCD1}">
+              <a14:hiddenFill xmlns:a14="http://schemas.microsoft.com/office/drawing/2010/main">
+                <a:solidFill>
+                  <a:srgbClr val="FFFFFF"/>
+                </a:solidFill>
+              </a14:hiddenFill>
+            </a:ext>
+          </a:extLst>
+        </p:spPr>
+      </p:pic>
+      <p:pic>
+        <p:nvPicPr>
+          <p:cNvPr id="148" name="Picture 20" descr="C:\Users\ecoffey\AppData\Local\Temp\Rar$DRa0.608\30080_Device_switch_unknown_64.png"/>
+          <p:cNvPicPr>
+            <a:picLocks noChangeAspect="1" noChangeArrowheads="1"/>
+          </p:cNvPicPr>
+          <p:nvPr/>
+        </p:nvPicPr>
+        <p:blipFill>
+          <a:blip r:embed="rId8">
+            <a:extLst>
+              <a:ext uri="{28A0092B-C50C-407E-A947-70E740481C1C}">
+                <a14:useLocalDpi xmlns:a14="http://schemas.microsoft.com/office/drawing/2010/main" val="0"/>
+              </a:ext>
+            </a:extLst>
+          </a:blip>
+          <a:srcRect/>
+          <a:stretch>
+            <a:fillRect/>
+          </a:stretch>
+        </p:blipFill>
+        <p:spPr bwMode="auto">
+          <a:xfrm>
+            <a:off x="2514574" y="2403090"/>
+            <a:ext cx="381293" cy="381293"/>
+          </a:xfrm>
+          <a:prstGeom prst="rect">
+            <a:avLst/>
+          </a:prstGeom>
+          <a:noFill/>
+          <a:extLst>
+            <a:ext uri="{909E8E84-426E-40DD-AFC4-6F175D3DCCD1}">
+              <a14:hiddenFill xmlns:a14="http://schemas.microsoft.com/office/drawing/2010/main">
+                <a:solidFill>
+                  <a:srgbClr val="FFFFFF"/>
+                </a:solidFill>
+              </a14:hiddenFill>
+            </a:ext>
+          </a:extLst>
+        </p:spPr>
+      </p:pic>
+      <p:pic>
+        <p:nvPicPr>
+          <p:cNvPr id="149" name="Picture 20" descr="C:\Users\ecoffey\AppData\Local\Temp\Rar$DRa0.608\30080_Device_switch_unknown_64.png"/>
+          <p:cNvPicPr>
+            <a:picLocks noChangeAspect="1" noChangeArrowheads="1"/>
+          </p:cNvPicPr>
+          <p:nvPr/>
+        </p:nvPicPr>
+        <p:blipFill>
+          <a:blip r:embed="rId8">
+            <a:extLst>
+              <a:ext uri="{28A0092B-C50C-407E-A947-70E740481C1C}">
+                <a14:useLocalDpi xmlns:a14="http://schemas.microsoft.com/office/drawing/2010/main" val="0"/>
+              </a:ext>
+            </a:extLst>
+          </a:blip>
+          <a:srcRect/>
+          <a:stretch>
+            <a:fillRect/>
+          </a:stretch>
+        </p:blipFill>
+        <p:spPr bwMode="auto">
+          <a:xfrm>
+            <a:off x="1344158" y="1952426"/>
+            <a:ext cx="381293" cy="381293"/>
+          </a:xfrm>
+          <a:prstGeom prst="rect">
+            <a:avLst/>
+          </a:prstGeom>
+          <a:noFill/>
+          <a:extLst>
+            <a:ext uri="{909E8E84-426E-40DD-AFC4-6F175D3DCCD1}">
+              <a14:hiddenFill xmlns:a14="http://schemas.microsoft.com/office/drawing/2010/main">
+                <a:solidFill>
+                  <a:srgbClr val="FFFFFF"/>
+                </a:solidFill>
+              </a14:hiddenFill>
+            </a:ext>
+          </a:extLst>
+        </p:spPr>
+      </p:pic>
+      <p:pic>
+        <p:nvPicPr>
+          <p:cNvPr id="150" name="Picture 20" descr="C:\Users\ecoffey\AppData\Local\Temp\Rar$DRa0.386\30067_Device_router_unknown_64.png"/>
+          <p:cNvPicPr>
+            <a:picLocks noChangeAspect="1" noChangeArrowheads="1"/>
+          </p:cNvPicPr>
+          <p:nvPr/>
+        </p:nvPicPr>
+        <p:blipFill>
+          <a:blip r:embed="rId6">
+            <a:extLst>
+              <a:ext uri="{28A0092B-C50C-407E-A947-70E740481C1C}">
+                <a14:useLocalDpi xmlns:a14="http://schemas.microsoft.com/office/drawing/2010/main" val="0"/>
+              </a:ext>
+            </a:extLst>
+          </a:blip>
+          <a:srcRect/>
+          <a:stretch>
+            <a:fillRect/>
+          </a:stretch>
+        </p:blipFill>
+        <p:spPr bwMode="auto">
+          <a:xfrm>
+            <a:off x="4565507" y="2355749"/>
+            <a:ext cx="378900" cy="378900"/>
+          </a:xfrm>
+          <a:prstGeom prst="rect">
+            <a:avLst/>
+          </a:prstGeom>
+          <a:noFill/>
+          <a:extLst>
+            <a:ext uri="{909E8E84-426E-40DD-AFC4-6F175D3DCCD1}">
+              <a14:hiddenFill xmlns:a14="http://schemas.microsoft.com/office/drawing/2010/main">
+                <a:solidFill>
+                  <a:srgbClr val="FFFFFF"/>
+                </a:solidFill>
+              </a14:hiddenFill>
+            </a:ext>
+          </a:extLst>
+        </p:spPr>
+      </p:pic>
+      <p:sp>
+        <p:nvSpPr>
+          <p:cNvPr id="2" name="TextBox 1"/>
+          <p:cNvSpPr txBox="1"/>
+          <p:nvPr/>
+        </p:nvSpPr>
+        <p:spPr>
+          <a:xfrm>
+            <a:off x="4637946" y="2505230"/>
+            <a:ext cx="240772" cy="184666"/>
+          </a:xfrm>
+          <a:prstGeom prst="rect">
+            <a:avLst/>
+          </a:prstGeom>
+          <a:noFill/>
+        </p:spPr>
+        <p:txBody>
+          <a:bodyPr wrap="none" rtlCol="0">
+            <a:spAutoFit/>
+          </a:bodyPr>
+          <a:lstStyle/>
+          <a:p>
+            <a:r>
+              <a:rPr lang="en-US" sz="600">
+                <a:solidFill>
+                  <a:schemeClr val="bg1"/>
+                </a:solidFill>
+              </a:rPr>
+              <a:t>R</a:t>
+            </a:r>
+          </a:p>
+        </p:txBody>
+      </p:sp>
+      <p:sp>
+        <p:nvSpPr>
+          <p:cNvPr id="3" name="Rounded Rectangle 2"/>
+          <p:cNvSpPr/>
+          <p:nvPr/>
+        </p:nvSpPr>
+        <p:spPr>
+          <a:xfrm>
+            <a:off x="4714150" y="2552309"/>
+            <a:ext cx="86450" cy="83835"/>
+          </a:xfrm>
+          <a:prstGeom prst="roundRect">
+            <a:avLst/>
+          </a:prstGeom>
+          <a:noFill/>
+          <a:ln w="6350">
+            <a:solidFill>
+              <a:schemeClr val="bg1"/>
+            </a:solidFill>
+          </a:ln>
+        </p:spPr>
+        <p:style>
+          <a:lnRef idx="2">
+            <a:schemeClr val="accent1">
+              <a:shade val="50000"/>
+            </a:schemeClr>
+          </a:lnRef>
+          <a:fillRef idx="1">
+            <a:schemeClr val="accent1"/>
+          </a:fillRef>
+          <a:effectRef idx="0">
+            <a:schemeClr val="accent1"/>
+          </a:effectRef>
+          <a:fontRef idx="minor">
+            <a:schemeClr val="lt1"/>
+          </a:fontRef>
+        </p:style>
+        <p:txBody>
+          <a:bodyPr rtlCol="0" anchor="ctr"/>
+          <a:lstStyle/>
+          <a:p>
+            <a:pPr algn="ctr"/>
+            <a:endParaRPr lang="en-US"/>
+          </a:p>
+        </p:txBody>
+      </p:sp>
+      <p:pic>
+        <p:nvPicPr>
+          <p:cNvPr id="5" name="Picture 4"/>
+          <p:cNvPicPr>
+            <a:picLocks noChangeAspect="1"/>
+          </p:cNvPicPr>
+          <p:nvPr/>
+        </p:nvPicPr>
+        <p:blipFill>
+          <a:blip r:embed="rId9">
+            <a:extLst>
+              <a:ext uri="{28A0092B-C50C-407E-A947-70E740481C1C}">
+                <a14:useLocalDpi xmlns:a14="http://schemas.microsoft.com/office/drawing/2010/main" val="0"/>
+              </a:ext>
+            </a:extLst>
+          </a:blip>
+          <a:stretch>
+            <a:fillRect/>
+          </a:stretch>
+        </p:blipFill>
+        <p:spPr>
+          <a:xfrm>
+            <a:off x="4757375" y="1693080"/>
+            <a:ext cx="408432" cy="402336"/>
+          </a:xfrm>
+          <a:prstGeom prst="rect">
+            <a:avLst/>
+          </a:prstGeom>
+        </p:spPr>
+      </p:pic>
+      <p:sp>
+        <p:nvSpPr>
+          <p:cNvPr id="6" name="TextBox 5"/>
+          <p:cNvSpPr txBox="1"/>
+          <p:nvPr/>
+        </p:nvSpPr>
+        <p:spPr>
+          <a:xfrm>
+            <a:off x="4767960" y="1937880"/>
+            <a:ext cx="378630" cy="169277"/>
+          </a:xfrm>
+          <a:prstGeom prst="rect">
+            <a:avLst/>
+          </a:prstGeom>
+          <a:noFill/>
+        </p:spPr>
+        <p:txBody>
+          <a:bodyPr wrap="none" rtlCol="0">
+            <a:spAutoFit/>
+          </a:bodyPr>
+          <a:lstStyle/>
+          <a:p>
+            <a:r>
+              <a:rPr lang="en-US" sz="500">
+                <a:solidFill>
+                  <a:schemeClr val="bg1"/>
+                </a:solidFill>
+              </a:rPr>
+              <a:t>MGMT</a:t>
+            </a:r>
+          </a:p>
+        </p:txBody>
+      </p:sp>
+      <p:sp>
+        <p:nvSpPr>
+          <p:cNvPr id="151" name="CustomShape 14"/>
+          <p:cNvSpPr/>
+          <p:nvPr/>
+        </p:nvSpPr>
+        <p:spPr>
+          <a:xfrm>
+            <a:off x="4040498" y="2060814"/>
+            <a:ext cx="547948" cy="367878"/>
           </a:xfrm>
           <a:prstGeom prst="rect">
             <a:avLst/>
@@ -6032,15 +7540,22 @@
           </a:ln>
         </p:spPr>
         <p:style>
-          <a:lnRef idx="0"/>
-          <a:fillRef idx="0"/>
-          <a:effectRef idx="0"/>
+          <a:lnRef idx="0">
+            <a:scrgbClr r="0" g="0" b="0"/>
+          </a:lnRef>
+          <a:fillRef idx="0">
+            <a:scrgbClr r="0" g="0" b="0"/>
+          </a:fillRef>
+          <a:effectRef idx="0">
+            <a:scrgbClr r="0" g="0" b="0"/>
+          </a:effectRef>
           <a:fontRef idx="minor"/>
         </p:style>
         <p:txBody>
-          <a:bodyPr wrap="none" lIns="90000" rIns="90000" tIns="45000" bIns="45000">
+          <a:bodyPr wrap="none" lIns="90000" tIns="45000" rIns="90000" bIns="45000">
             <a:spAutoFit/>
           </a:bodyPr>
+          <a:lstStyle/>
           <a:p>
             <a:pPr algn="ctr">
               <a:lnSpc>
@@ -6048,17 +7563,16 @@
               </a:lnSpc>
             </a:pPr>
             <a:r>
-              <a:rPr b="0" lang="en-US" sz="1150" spc="-1" strike="noStrike">
+              <a:rPr lang="en-US" sz="900" b="0" i="1" strike="noStrike" spc="-1">
                 <a:solidFill>
-                  <a:srgbClr val="000000"/>
+                  <a:schemeClr val="accent1">
+                    <a:lumMod val="50000"/>
+                  </a:schemeClr>
                 </a:solidFill>
                 <a:latin typeface="Calibri"/>
               </a:rPr>
-              <a:t>ANI </a:t>
+              <a:t>ACP</a:t>
             </a:r>
-            <a:endParaRPr b="0" lang="en-US" sz="1150" spc="-1" strike="noStrike">
-              <a:latin typeface="Arial"/>
-            </a:endParaRPr>
           </a:p>
           <a:p>
             <a:pPr algn="ctr">
@@ -6067,15 +7581,22 @@
               </a:lnSpc>
             </a:pPr>
             <a:r>
-              <a:rPr b="0" lang="en-US" sz="1150" spc="-1" strike="noStrike">
+              <a:rPr lang="en-US" sz="900" i="1" spc="-1">
                 <a:solidFill>
-                  <a:srgbClr val="000000"/>
+                  <a:schemeClr val="accent1">
+                    <a:lumMod val="50000"/>
+                  </a:schemeClr>
                 </a:solidFill>
                 <a:latin typeface="Calibri"/>
               </a:rPr>
-              <a:t>Registrar</a:t>
+              <a:t>connect</a:t>
             </a:r>
-            <a:endParaRPr b="0" lang="en-US" sz="1150" spc="-1" strike="noStrike">
+            <a:endParaRPr lang="en-US" sz="900" b="0" i="1" strike="noStrike" spc="-1">
+              <a:solidFill>
+                <a:schemeClr val="accent1">
+                  <a:lumMod val="50000"/>
+                </a:schemeClr>
+              </a:solidFill>
               <a:latin typeface="Arial"/>
             </a:endParaRPr>
           </a:p>
@@ -6083,189 +7604,311 @@
       </p:sp>
       <p:sp>
         <p:nvSpPr>
-          <p:cNvPr id="145" name="CustomShape 47"/>
+          <p:cNvPr id="7" name="Oval 6"/>
           <p:cNvSpPr/>
           <p:nvPr/>
         </p:nvSpPr>
         <p:spPr>
           <a:xfrm>
-            <a:off x="5760720" y="2913480"/>
-            <a:ext cx="1647000" cy="835560"/>
-          </a:xfrm>
-          <a:prstGeom prst="rect">
-            <a:avLst/>
-          </a:prstGeom>
-          <a:solidFill>
-            <a:srgbClr val="ffffff"/>
-          </a:solidFill>
-          <a:ln>
-            <a:noFill/>
+            <a:off x="4532505" y="2203682"/>
+            <a:ext cx="399034" cy="133925"/>
+          </a:xfrm>
+          <a:prstGeom prst="ellipse">
+            <a:avLst/>
+          </a:prstGeom>
+          <a:noFill/>
+        </p:spPr>
+        <p:style>
+          <a:lnRef idx="2">
+            <a:schemeClr val="accent1">
+              <a:shade val="50000"/>
+            </a:schemeClr>
+          </a:lnRef>
+          <a:fillRef idx="1">
+            <a:schemeClr val="accent1"/>
+          </a:fillRef>
+          <a:effectRef idx="0">
+            <a:schemeClr val="accent1"/>
+          </a:effectRef>
+          <a:fontRef idx="minor">
+            <a:schemeClr val="lt1"/>
+          </a:fontRef>
+        </p:style>
+        <p:txBody>
+          <a:bodyPr rtlCol="0" anchor="ctr"/>
+          <a:lstStyle/>
+          <a:p>
+            <a:pPr algn="ctr"/>
+            <a:endParaRPr lang="en-US"/>
+          </a:p>
+        </p:txBody>
+      </p:sp>
+      <p:sp>
+        <p:nvSpPr>
+          <p:cNvPr id="152" name="Line 17"/>
+          <p:cNvSpPr/>
+          <p:nvPr/>
+        </p:nvSpPr>
+        <p:spPr>
+          <a:xfrm flipV="1">
+            <a:off x="4861359" y="2092319"/>
+            <a:ext cx="77689" cy="205649"/>
+          </a:xfrm>
+          <a:prstGeom prst="line">
+            <a:avLst/>
+          </a:prstGeom>
+          <a:ln w="12600">
+            <a:solidFill>
+              <a:srgbClr val="000000"/>
+            </a:solidFill>
           </a:ln>
         </p:spPr>
         <p:style>
-          <a:lnRef idx="0"/>
-          <a:fillRef idx="0"/>
-          <a:effectRef idx="0"/>
+          <a:lnRef idx="1">
+            <a:schemeClr val="accent1"/>
+          </a:lnRef>
+          <a:fillRef idx="0">
+            <a:schemeClr val="accent1"/>
+          </a:fillRef>
+          <a:effectRef idx="0">
+            <a:schemeClr val="accent1"/>
+          </a:effectRef>
           <a:fontRef idx="minor"/>
         </p:style>
-        <p:txBody>
-          <a:bodyPr wrap="none" lIns="90000" rIns="90000" tIns="45000" bIns="45000">
+      </p:sp>
+      <p:sp>
+        <p:nvSpPr>
+          <p:cNvPr id="153" name="Line 16"/>
+          <p:cNvSpPr/>
+          <p:nvPr/>
+        </p:nvSpPr>
+        <p:spPr>
+          <a:xfrm flipH="1" flipV="1">
+            <a:off x="4480786" y="2088000"/>
+            <a:ext cx="126881" cy="209968"/>
+          </a:xfrm>
+          <a:prstGeom prst="line">
+            <a:avLst/>
+          </a:prstGeom>
+          <a:ln w="12600">
+            <a:solidFill>
+              <a:srgbClr val="000000"/>
+            </a:solidFill>
+          </a:ln>
+        </p:spPr>
+        <p:style>
+          <a:lnRef idx="1">
+            <a:schemeClr val="accent1"/>
+          </a:lnRef>
+          <a:fillRef idx="0">
+            <a:schemeClr val="accent1"/>
+          </a:fillRef>
+          <a:effectRef idx="0">
+            <a:schemeClr val="accent1"/>
+          </a:effectRef>
+          <a:fontRef idx="minor"/>
+        </p:style>
+      </p:sp>
+      <p:sp>
+        <p:nvSpPr>
+          <p:cNvPr id="154" name="Line 22"/>
+          <p:cNvSpPr/>
+          <p:nvPr/>
+        </p:nvSpPr>
+        <p:spPr>
+          <a:xfrm flipH="1">
+            <a:off x="1736909" y="2655541"/>
+            <a:ext cx="777663" cy="255922"/>
+          </a:xfrm>
+          <a:prstGeom prst="line">
+            <a:avLst/>
+          </a:prstGeom>
+          <a:ln w="12600">
+            <a:solidFill>
+              <a:schemeClr val="accent6">
+                <a:lumMod val="50000"/>
+              </a:schemeClr>
+            </a:solidFill>
+          </a:ln>
+        </p:spPr>
+        <p:style>
+          <a:lnRef idx="1">
+            <a:schemeClr val="accent1"/>
+          </a:lnRef>
+          <a:fillRef idx="0">
+            <a:schemeClr val="accent1"/>
+          </a:fillRef>
+          <a:effectRef idx="0">
+            <a:schemeClr val="accent1"/>
+          </a:effectRef>
+          <a:fontRef idx="minor"/>
+        </p:style>
+      </p:sp>
+      <p:sp>
+        <p:nvSpPr>
+          <p:cNvPr id="8" name="Rectangle 7"/>
+          <p:cNvSpPr/>
+          <p:nvPr/>
+        </p:nvSpPr>
+        <p:spPr>
+          <a:xfrm>
+            <a:off x="498701" y="353678"/>
+            <a:ext cx="6857899" cy="600164"/>
+          </a:xfrm>
+          <a:prstGeom prst="rect">
+            <a:avLst/>
+          </a:prstGeom>
+        </p:spPr>
+        <p:txBody>
+          <a:bodyPr wrap="square">
             <a:spAutoFit/>
           </a:bodyPr>
-          <a:p>
-            <a:pPr>
-              <a:lnSpc>
-                <a:spcPct val="100000"/>
-              </a:lnSpc>
-            </a:pPr>
+          <a:lstStyle/>
+          <a:p>
             <a:r>
-              <a:rPr b="0" lang="en-US" sz="700" spc="-1" strike="noStrike">
+              <a:rPr lang="en-US" sz="1100">
                 <a:solidFill>
-                  <a:srgbClr val="000000"/>
+                  <a:prstClr val="black"/>
                 </a:solidFill>
-                <a:latin typeface="Calibri"/>
+                <a:latin typeface="Menlo-Regular" charset="0"/>
               </a:rPr>
-              <a:t>ani registrar                                        ! [A]</a:t>
+              <a:t>According to Ole/IPJ, prefer to use Cisco brand icon library:</a:t>
             </a:r>
-            <a:endParaRPr b="0" lang="en-US" sz="700" spc="-1" strike="noStrike">
-              <a:latin typeface="Arial"/>
-            </a:endParaRPr>
-          </a:p>
-          <a:p>
-            <a:pPr>
-              <a:lnSpc>
-                <a:spcPct val="100000"/>
-              </a:lnSpc>
-            </a:pPr>
+          </a:p>
+          <a:p>
             <a:r>
-              <a:rPr b="0" lang="en-US" sz="700" spc="-1" strike="noStrike">
+              <a:rPr lang="en-US" sz="1100">
                 <a:solidFill>
-                  <a:srgbClr val="000000"/>
+                  <a:prstClr val="black"/>
                 </a:solidFill>
-                <a:latin typeface="Calibri"/>
+                <a:latin typeface="Menlo-Regular" charset="0"/>
+                <a:hlinkClick r:id="rId10"/>
               </a:rPr>
-              <a:t>   </a:t>
+              <a:t>https://www.cisco.com/c/en/us/about/brand-center/network-topology-icons.html</a:t>
             </a:r>
+            <a:endParaRPr lang="en-US" sz="1100">
+              <a:solidFill>
+                <a:prstClr val="black"/>
+              </a:solidFill>
+              <a:latin typeface="Menlo-Regular" charset="0"/>
+            </a:endParaRPr>
+          </a:p>
+          <a:p>
             <a:r>
-              <a:rPr b="0" lang="en-US" sz="700" spc="-1" strike="noStrike">
+              <a:rPr lang="en-US" sz="1100">
                 <a:solidFill>
-                  <a:srgbClr val="000000"/>
+                  <a:prstClr val="black"/>
                 </a:solidFill>
-                <a:latin typeface="Calibri"/>
+                <a:latin typeface="Menlo-Regular" charset="0"/>
               </a:rPr>
-              <a:t>domain-name </a:t>
+              <a:t>This is now using that library (except for the spy).</a:t>
             </a:r>
-            <a:r>
-              <a:rPr b="0" i="1" lang="en-US" sz="700" spc="-1" strike="noStrike">
-                <a:solidFill>
-                  <a:srgbClr val="000000"/>
-                </a:solidFill>
-                <a:latin typeface="Calibri"/>
-              </a:rPr>
-              <a:t>ani.example.com</a:t>
-            </a:r>
-            <a:endParaRPr b="0" lang="en-US" sz="700" spc="-1" strike="noStrike">
-              <a:latin typeface="Arial"/>
-            </a:endParaRPr>
-          </a:p>
-          <a:p>
-            <a:pPr>
-              <a:lnSpc>
-                <a:spcPct val="100000"/>
-              </a:lnSpc>
-            </a:pPr>
-            <a:endParaRPr b="0" lang="en-US" sz="700" spc="-1" strike="noStrike">
-              <a:latin typeface="Arial"/>
-            </a:endParaRPr>
-          </a:p>
-          <a:p>
-            <a:pPr>
-              <a:lnSpc>
-                <a:spcPct val="100000"/>
-              </a:lnSpc>
-            </a:pPr>
-            <a:r>
-              <a:rPr b="0" i="1" lang="en-US" sz="700" spc="-1" strike="noStrike">
-                <a:solidFill>
-                  <a:srgbClr val="000000"/>
-                </a:solidFill>
-                <a:latin typeface="Calibri"/>
-              </a:rPr>
-              <a:t>Ethernet 0                                            ! [B]</a:t>
-            </a:r>
-            <a:endParaRPr b="0" lang="en-US" sz="700" spc="-1" strike="noStrike">
-              <a:latin typeface="Arial"/>
-            </a:endParaRPr>
-          </a:p>
-          <a:p>
-            <a:pPr>
-              <a:lnSpc>
-                <a:spcPct val="100000"/>
-              </a:lnSpc>
-            </a:pPr>
-            <a:r>
-              <a:rPr b="0" i="1" lang="en-US" sz="700" spc="-1" strike="noStrike">
-                <a:solidFill>
-                  <a:srgbClr val="000000"/>
-                </a:solidFill>
-                <a:latin typeface="Calibri"/>
-              </a:rPr>
-              <a:t>   </a:t>
-            </a:r>
-            <a:r>
-              <a:rPr b="0" i="1" lang="en-US" sz="700" spc="-1" strike="noStrike">
-                <a:solidFill>
-                  <a:srgbClr val="000000"/>
-                </a:solidFill>
-                <a:latin typeface="Calibri"/>
-              </a:rPr>
-              <a:t>acp-connect</a:t>
-            </a:r>
-            <a:endParaRPr b="0" lang="en-US" sz="700" spc="-1" strike="noStrike">
-              <a:latin typeface="Arial"/>
-            </a:endParaRPr>
-          </a:p>
-          <a:p>
-            <a:pPr>
-              <a:lnSpc>
-                <a:spcPct val="100000"/>
-              </a:lnSpc>
-            </a:pPr>
-            <a:endParaRPr b="0" lang="en-US" sz="700" spc="-1" strike="noStrike">
-              <a:latin typeface="Arial"/>
-            </a:endParaRPr>
-          </a:p>
-          <a:p>
-            <a:pPr>
-              <a:lnSpc>
-                <a:spcPct val="100000"/>
-              </a:lnSpc>
-            </a:pPr>
-            <a:r>
-              <a:rPr b="0" i="1" lang="en-US" sz="700" spc="-1" strike="noStrike">
-                <a:solidFill>
-                  <a:srgbClr val="000000"/>
-                </a:solidFill>
-                <a:latin typeface="Calibri"/>
-              </a:rPr>
-              <a:t>Register my cert with vendor MASAs ! [C]</a:t>
-            </a:r>
-            <a:endParaRPr b="0" lang="en-US" sz="700" spc="-1" strike="noStrike">
-              <a:latin typeface="Arial"/>
-            </a:endParaRPr>
+            <a:endParaRPr lang="en-US" sz="1100"/>
           </a:p>
         </p:txBody>
       </p:sp>
     </p:spTree>
   </p:cSld>
-  <mc:AlternateContent>
+  <p:clrMapOvr>
+    <a:masterClrMapping/>
+  </p:clrMapOvr>
+  <mc:AlternateContent xmlns:mc="http://schemas.openxmlformats.org/markup-compatibility/2006" xmlns:p14="http://schemas.microsoft.com/office/powerpoint/2010/main">
     <mc:Choice Requires="p14">
       <p:transition spd="slow" p14:dur="2000"/>
     </mc:Choice>
-    <mc:Fallback>
+    <mc:Fallback xmlns:p15="http://schemas.microsoft.com/office/powerpoint/2012/main" xmlns="">
       <p:transition spd="slow"/>
     </mc:Fallback>
   </mc:AlternateContent>
+</p:sld>
+</file>
+
+<file path=ppt/slides/slide2.xml><?xml version="1.0" encoding="utf-8"?>
+<p:sld xmlns:a="http://schemas.openxmlformats.org/drawingml/2006/main" xmlns:r="http://schemas.openxmlformats.org/officeDocument/2006/relationships" xmlns:p="http://schemas.openxmlformats.org/presentationml/2006/main">
+  <p:cSld>
+    <p:spTree>
+      <p:nvGrpSpPr>
+        <p:cNvPr id="1" name=""/>
+        <p:cNvGrpSpPr/>
+        <p:nvPr/>
+      </p:nvGrpSpPr>
+      <p:grpSpPr>
+        <a:xfrm>
+          <a:off x="0" y="0"/>
+          <a:ext cx="0" cy="0"/>
+          <a:chOff x="0" y="0"/>
+          <a:chExt cx="0" cy="0"/>
+        </a:xfrm>
+      </p:grpSpPr>
+      <p:pic>
+        <p:nvPicPr>
+          <p:cNvPr id="4" name="Picture 3"/>
+          <p:cNvPicPr>
+            <a:picLocks noChangeAspect="1"/>
+          </p:cNvPicPr>
+          <p:nvPr/>
+        </p:nvPicPr>
+        <p:blipFill>
+          <a:blip r:embed="rId2">
+            <a:extLst>
+              <a:ext uri="{28A0092B-C50C-407E-A947-70E740481C1C}">
+                <a14:useLocalDpi xmlns:a14="http://schemas.microsoft.com/office/drawing/2010/main" val="0"/>
+              </a:ext>
+            </a:extLst>
+          </a:blip>
+          <a:stretch>
+            <a:fillRect/>
+          </a:stretch>
+        </p:blipFill>
+        <p:spPr>
+          <a:xfrm>
+            <a:off x="0" y="673100"/>
+            <a:ext cx="7772400" cy="3017797"/>
+          </a:xfrm>
+          <a:prstGeom prst="rect">
+            <a:avLst/>
+          </a:prstGeom>
+        </p:spPr>
+      </p:pic>
+      <p:sp>
+        <p:nvSpPr>
+          <p:cNvPr id="5" name="TextBox 4"/>
+          <p:cNvSpPr txBox="1"/>
+          <p:nvPr/>
+        </p:nvSpPr>
+        <p:spPr>
+          <a:xfrm>
+            <a:off x="428625" y="271461"/>
+            <a:ext cx="6019597" cy="369332"/>
+          </a:xfrm>
+          <a:prstGeom prst="rect">
+            <a:avLst/>
+          </a:prstGeom>
+          <a:noFill/>
+        </p:spPr>
+        <p:txBody>
+          <a:bodyPr wrap="none" rtlCol="0">
+            <a:spAutoFit/>
+          </a:bodyPr>
+          <a:lstStyle/>
+          <a:p>
+            <a:r>
+              <a:rPr lang="en-US"/>
+              <a:t>Screendump of picture export as picture, insert into docx.</a:t>
+            </a:r>
+          </a:p>
+        </p:txBody>
+      </p:sp>
+    </p:spTree>
+    <p:extLst>
+      <p:ext uri="{BB962C8B-B14F-4D97-AF65-F5344CB8AC3E}">
+        <p14:creationId xmlns:p14="http://schemas.microsoft.com/office/powerpoint/2010/main" val="1503094824"/>
+      </p:ext>
+    </p:extLst>
+  </p:cSld>
+  <p:clrMapOvr>
+    <a:masterClrMapping/>
+  </p:clrMapOvr>
 </p:sld>
 </file>
 
@@ -6280,34 +7923,34 @@
         <a:sysClr val="window" lastClr="FFFFFF"/>
       </a:lt1>
       <a:dk2>
-        <a:srgbClr val="44546a"/>
+        <a:srgbClr val="44546A"/>
       </a:dk2>
       <a:lt2>
-        <a:srgbClr val="e7e6e6"/>
+        <a:srgbClr val="E7E6E6"/>
       </a:lt2>
       <a:accent1>
-        <a:srgbClr val="5b9bd5"/>
+        <a:srgbClr val="5B9BD5"/>
       </a:accent1>
       <a:accent2>
-        <a:srgbClr val="ed7d31"/>
+        <a:srgbClr val="ED7D31"/>
       </a:accent2>
       <a:accent3>
-        <a:srgbClr val="a5a5a5"/>
+        <a:srgbClr val="A5A5A5"/>
       </a:accent3>
       <a:accent4>
-        <a:srgbClr val="ffc000"/>
+        <a:srgbClr val="FFC000"/>
       </a:accent4>
       <a:accent5>
-        <a:srgbClr val="4472c4"/>
+        <a:srgbClr val="4472C4"/>
       </a:accent5>
       <a:accent6>
-        <a:srgbClr val="70ad47"/>
+        <a:srgbClr val="70AD47"/>
       </a:accent6>
       <a:hlink>
-        <a:srgbClr val="0563c1"/>
+        <a:srgbClr val="0563C1"/>
       </a:hlink>
       <a:folHlink>
-        <a:srgbClr val="954f72"/>
+        <a:srgbClr val="954F72"/>
       </a:folHlink>
     </a:clrScheme>
     <a:fontScheme name="Office">
@@ -6492,6 +8135,8 @@
       </a:bgFillStyleLst>
     </a:fmtScheme>
   </a:themeElements>
+  <a:objectDefaults/>
+  <a:extraClrSchemeLst/>
 </a:theme>
 </file>
 
@@ -6506,34 +8151,34 @@
         <a:sysClr val="window" lastClr="FFFFFF"/>
       </a:lt1>
       <a:dk2>
-        <a:srgbClr val="44546a"/>
+        <a:srgbClr val="44546A"/>
       </a:dk2>
       <a:lt2>
-        <a:srgbClr val="e7e6e6"/>
+        <a:srgbClr val="E7E6E6"/>
       </a:lt2>
       <a:accent1>
-        <a:srgbClr val="5b9bd5"/>
+        <a:srgbClr val="5B9BD5"/>
       </a:accent1>
       <a:accent2>
-        <a:srgbClr val="ed7d31"/>
+        <a:srgbClr val="ED7D31"/>
       </a:accent2>
       <a:accent3>
-        <a:srgbClr val="a5a5a5"/>
+        <a:srgbClr val="A5A5A5"/>
       </a:accent3>
       <a:accent4>
-        <a:srgbClr val="ffc000"/>
+        <a:srgbClr val="FFC000"/>
       </a:accent4>
       <a:accent5>
-        <a:srgbClr val="4472c4"/>
+        <a:srgbClr val="4472C4"/>
       </a:accent5>
       <a:accent6>
-        <a:srgbClr val="70ad47"/>
+        <a:srgbClr val="70AD47"/>
       </a:accent6>
       <a:hlink>
-        <a:srgbClr val="0563c1"/>
+        <a:srgbClr val="0563C1"/>
       </a:hlink>
       <a:folHlink>
-        <a:srgbClr val="954f72"/>
+        <a:srgbClr val="954F72"/>
       </a:folHlink>
     </a:clrScheme>
     <a:fontScheme name="Office">
@@ -6718,5 +8363,7 @@
       </a:bgFillStyleLst>
     </a:fmtScheme>
   </a:themeElements>
+  <a:objectDefaults/>
+  <a:extraClrSchemeLst/>
 </a:theme>
 </file>